--- a/meterials/slides/ch01-wechat public platform.pptx
+++ b/meterials/slides/ch01-wechat public platform.pptx
@@ -9,10 +9,10 @@
     <p:sldMasterId id="2147483691" r:id="rId5"/>
   </p:sldMasterIdLst>
   <p:notesMasterIdLst>
-    <p:notesMasterId r:id="rId29"/>
+    <p:notesMasterId r:id="rId28"/>
   </p:notesMasterIdLst>
   <p:handoutMasterIdLst>
-    <p:handoutMasterId r:id="rId30"/>
+    <p:handoutMasterId r:id="rId29"/>
   </p:handoutMasterIdLst>
   <p:sldIdLst>
     <p:sldId id="257" r:id="rId6"/>
@@ -36,13 +36,12 @@
     <p:sldId id="428" r:id="rId24"/>
     <p:sldId id="438" r:id="rId25"/>
     <p:sldId id="445" r:id="rId26"/>
-    <p:sldId id="448" r:id="rId27"/>
-    <p:sldId id="311" r:id="rId28"/>
+    <p:sldId id="311" r:id="rId27"/>
   </p:sldIdLst>
   <p:sldSz cx="12192000" cy="6858000"/>
   <p:notesSz cx="6858000" cy="9144000"/>
   <p:custDataLst>
-    <p:tags r:id="rId31"/>
+    <p:tags r:id="rId30"/>
   </p:custDataLst>
   <p:defaultTextStyle>
     <a:defPPr>
@@ -187,6 +186,10 @@
 </p:cmAuthorLst>
 </file>
 
+<file path=ppt/revisionInfo.xml><?xml version="1.0" encoding="utf-8"?>
+<p1510:revInfo xmlns:a="http://schemas.openxmlformats.org/drawingml/2006/main" xmlns:r="http://schemas.openxmlformats.org/officeDocument/2006/relationships" xmlns:p1510="http://schemas.microsoft.com/office/powerpoint/2015/10/main"/>
+</file>
+
 <file path=ppt/handoutMasters/handoutMaster1.xml><?xml version="1.0" encoding="utf-8"?>
 <p:handoutMaster xmlns:a="http://schemas.openxmlformats.org/drawingml/2006/main" xmlns:r="http://schemas.openxmlformats.org/officeDocument/2006/relationships" xmlns:p="http://schemas.openxmlformats.org/presentationml/2006/main">
   <p:cSld>
@@ -269,7 +272,7 @@
           <a:p>
             <a:fld id="{2B71C804-97F5-4B36-A7AC-EEEC7F44F6C2}" type="datetimeFigureOut">
               <a:rPr lang="zh-CN" altLang="en-US" smtClean="0"/>
-              <a:t>2017/6/13</a:t>
+              <a:t>2017/9/7</a:t>
             </a:fld>
             <a:endParaRPr lang="zh-CN" altLang="en-US"/>
           </a:p>
@@ -435,7 +438,7 @@
           <a:p>
             <a:fld id="{0568D9C6-D8DC-4CC3-8480-E0C4DBA1CC07}" type="datetimeFigureOut">
               <a:rPr lang="zh-CN" altLang="en-US" smtClean="0"/>
-              <a:t>2017/6/13</a:t>
+              <a:t>2017/9/7</a:t>
             </a:fld>
             <a:endParaRPr lang="zh-CN" altLang="en-US"/>
           </a:p>
@@ -1282,7 +1285,7 @@
                 <a:ea typeface="宋体" charset="-122"/>
               </a:rPr>
               <a:pPr algn="r" eaLnBrk="1" hangingPunct="1"/>
-              <a:t>23</a:t>
+              <a:t>22</a:t>
             </a:fld>
             <a:endParaRPr lang="zh-CN" altLang="en-US" sz="1200">
               <a:latin typeface="Calibri" pitchFamily="34" charset="0"/>
@@ -1384,7 +1387,7 @@
           <a:p>
             <a:fld id="{DB9D664F-4C68-42D2-B189-678958EFAFDA}" type="datetime1">
               <a:rPr lang="zh-CN" altLang="en-US" smtClean="0"/>
-              <a:t>2017/6/13</a:t>
+              <a:t>2017/9/7</a:t>
             </a:fld>
             <a:endParaRPr lang="zh-CN" altLang="en-US"/>
           </a:p>
@@ -2366,7 +2369,7 @@
           <a:p>
             <a:fld id="{ED5513C8-E3A4-4D78-B249-887659A958FF}" type="datetime1">
               <a:rPr lang="en-US" altLang="zh-CN" smtClean="0"/>
-              <a:t>6/13/2017</a:t>
+              <a:t>9/7/2017</a:t>
             </a:fld>
             <a:endParaRPr lang="en-US"/>
           </a:p>
@@ -2544,7 +2547,7 @@
           <a:p>
             <a:fld id="{EBEDA52C-3EEE-4289-818C-901C0A7814FE}" type="datetime1">
               <a:rPr lang="en-US" altLang="zh-CN" smtClean="0"/>
-              <a:t>6/13/2017</a:t>
+              <a:t>9/7/2017</a:t>
             </a:fld>
             <a:endParaRPr lang="en-US"/>
           </a:p>
@@ -2798,7 +2801,7 @@
           <a:p>
             <a:fld id="{09EF5D7F-EA15-485C-85DD-8FDC010A62D4}" type="datetime1">
               <a:rPr lang="en-US" altLang="zh-CN" smtClean="0"/>
-              <a:t>6/13/2017</a:t>
+              <a:t>9/7/2017</a:t>
             </a:fld>
             <a:endParaRPr lang="en-US"/>
           </a:p>
@@ -3038,7 +3041,7 @@
           <a:p>
             <a:fld id="{9541C2B2-0BAB-4CD4-83EE-25F1A7138896}" type="datetime1">
               <a:rPr lang="en-US" altLang="zh-CN" smtClean="0"/>
-              <a:t>6/13/2017</a:t>
+              <a:t>9/7/2017</a:t>
             </a:fld>
             <a:endParaRPr lang="en-US"/>
           </a:p>
@@ -3413,7 +3416,7 @@
           <a:p>
             <a:fld id="{7DEA23E7-D0FC-41DC-8745-BE6FC447B182}" type="datetime1">
               <a:rPr lang="en-US" altLang="zh-CN" smtClean="0"/>
-              <a:t>6/13/2017</a:t>
+              <a:t>9/7/2017</a:t>
             </a:fld>
             <a:endParaRPr lang="en-US"/>
           </a:p>
@@ -4198,7 +4201,7 @@
           <a:p>
             <a:fld id="{5DEA8378-5F33-490B-8120-8DE6B7EE2781}" type="datetime1">
               <a:rPr lang="en-US" altLang="zh-CN" smtClean="0"/>
-              <a:t>6/13/2017</a:t>
+              <a:t>9/7/2017</a:t>
             </a:fld>
             <a:endParaRPr lang="en-US"/>
           </a:p>
@@ -4452,7 +4455,7 @@
           <a:p>
             <a:fld id="{38DD30CF-78A7-4C73-91B4-38D3E3317745}" type="datetime1">
               <a:rPr lang="en-US" altLang="zh-CN" smtClean="0"/>
-              <a:t>6/13/2017</a:t>
+              <a:t>9/7/2017</a:t>
             </a:fld>
             <a:endParaRPr lang="en-US"/>
           </a:p>
@@ -4555,7 +4558,7 @@
           <a:p>
             <a:fld id="{A1BE0A72-8501-4974-A7B7-5BD248ABBAFC}" type="datetime1">
               <a:rPr lang="zh-CN" altLang="en-US" smtClean="0"/>
-              <a:t>2017/6/13</a:t>
+              <a:t>2017/9/7</a:t>
             </a:fld>
             <a:endParaRPr lang="zh-CN" altLang="en-US"/>
           </a:p>
@@ -4816,7 +4819,7 @@
           <a:p>
             <a:fld id="{0B7E01DD-16D0-4DBA-9C1A-51468BA0B73A}" type="datetime1">
               <a:rPr lang="en-US" altLang="zh-CN" smtClean="0"/>
-              <a:t>6/13/2017</a:t>
+              <a:t>9/7/2017</a:t>
             </a:fld>
             <a:endParaRPr lang="en-US"/>
           </a:p>
@@ -4994,7 +4997,7 @@
           <a:p>
             <a:fld id="{B587E63F-0E62-4A50-901F-E071D77F7634}" type="datetime1">
               <a:rPr lang="en-US" altLang="zh-CN" smtClean="0"/>
-              <a:t>6/13/2017</a:t>
+              <a:t>9/7/2017</a:t>
             </a:fld>
             <a:endParaRPr lang="en-US"/>
           </a:p>
@@ -5182,7 +5185,7 @@
           <a:p>
             <a:fld id="{BD8521E8-9297-400B-AD8C-0A4D05699D33}" type="datetime1">
               <a:rPr lang="en-US" altLang="zh-CN" smtClean="0"/>
-              <a:t>6/13/2017</a:t>
+              <a:t>9/7/2017</a:t>
             </a:fld>
             <a:endParaRPr lang="en-US"/>
           </a:p>
@@ -5413,7 +5416,7 @@
           <a:p>
             <a:fld id="{ED5513C8-E3A4-4D78-B249-887659A958FF}" type="datetime1">
               <a:rPr lang="en-US" altLang="zh-CN" smtClean="0"/>
-              <a:t>6/13/2017</a:t>
+              <a:t>9/7/2017</a:t>
             </a:fld>
             <a:endParaRPr lang="en-US"/>
           </a:p>
@@ -5591,7 +5594,7 @@
           <a:p>
             <a:fld id="{EBEDA52C-3EEE-4289-818C-901C0A7814FE}" type="datetime1">
               <a:rPr lang="en-US" altLang="zh-CN" smtClean="0"/>
-              <a:t>6/13/2017</a:t>
+              <a:t>9/7/2017</a:t>
             </a:fld>
             <a:endParaRPr lang="en-US"/>
           </a:p>
@@ -5845,7 +5848,7 @@
           <a:p>
             <a:fld id="{09EF5D7F-EA15-485C-85DD-8FDC010A62D4}" type="datetime1">
               <a:rPr lang="en-US" altLang="zh-CN" smtClean="0"/>
-              <a:t>6/13/2017</a:t>
+              <a:t>9/7/2017</a:t>
             </a:fld>
             <a:endParaRPr lang="en-US"/>
           </a:p>
@@ -6085,7 +6088,7 @@
           <a:p>
             <a:fld id="{9541C2B2-0BAB-4CD4-83EE-25F1A7138896}" type="datetime1">
               <a:rPr lang="en-US" altLang="zh-CN" smtClean="0"/>
-              <a:t>6/13/2017</a:t>
+              <a:t>9/7/2017</a:t>
             </a:fld>
             <a:endParaRPr lang="en-US"/>
           </a:p>
@@ -6460,7 +6463,7 @@
           <a:p>
             <a:fld id="{7DEA23E7-D0FC-41DC-8745-BE6FC447B182}" type="datetime1">
               <a:rPr lang="en-US" altLang="zh-CN" smtClean="0"/>
-              <a:t>6/13/2017</a:t>
+              <a:t>9/7/2017</a:t>
             </a:fld>
             <a:endParaRPr lang="en-US"/>
           </a:p>
@@ -7245,7 +7248,7 @@
           <a:p>
             <a:fld id="{A1BE0A72-8501-4974-A7B7-5BD248ABBAFC}" type="datetime1">
               <a:rPr lang="zh-CN" altLang="en-US" smtClean="0"/>
-              <a:t>2017/6/13</a:t>
+              <a:t>2017/9/7</a:t>
             </a:fld>
             <a:endParaRPr lang="zh-CN" altLang="en-US"/>
           </a:p>
@@ -7298,7 +7301,7 @@
           <a:p>
             <a:fld id="{5DEA8378-5F33-490B-8120-8DE6B7EE2781}" type="datetime1">
               <a:rPr lang="en-US" altLang="zh-CN" smtClean="0"/>
-              <a:t>6/13/2017</a:t>
+              <a:t>9/7/2017</a:t>
             </a:fld>
             <a:endParaRPr lang="en-US"/>
           </a:p>
@@ -7552,7 +7555,7 @@
           <a:p>
             <a:fld id="{38DD30CF-78A7-4C73-91B4-38D3E3317745}" type="datetime1">
               <a:rPr lang="en-US" altLang="zh-CN" smtClean="0"/>
-              <a:t>6/13/2017</a:t>
+              <a:t>9/7/2017</a:t>
             </a:fld>
             <a:endParaRPr lang="en-US"/>
           </a:p>
@@ -7817,7 +7820,7 @@
           <a:p>
             <a:fld id="{0B7E01DD-16D0-4DBA-9C1A-51468BA0B73A}" type="datetime1">
               <a:rPr lang="en-US" altLang="zh-CN" smtClean="0"/>
-              <a:t>6/13/2017</a:t>
+              <a:t>9/7/2017</a:t>
             </a:fld>
             <a:endParaRPr lang="en-US"/>
           </a:p>
@@ -7995,7 +7998,7 @@
           <a:p>
             <a:fld id="{B587E63F-0E62-4A50-901F-E071D77F7634}" type="datetime1">
               <a:rPr lang="en-US" altLang="zh-CN" smtClean="0"/>
-              <a:t>6/13/2017</a:t>
+              <a:t>9/7/2017</a:t>
             </a:fld>
             <a:endParaRPr lang="en-US"/>
           </a:p>
@@ -8183,7 +8186,7 @@
           <a:p>
             <a:fld id="{BD8521E8-9297-400B-AD8C-0A4D05699D33}" type="datetime1">
               <a:rPr lang="en-US" altLang="zh-CN" smtClean="0"/>
-              <a:t>6/13/2017</a:t>
+              <a:t>9/7/2017</a:t>
             </a:fld>
             <a:endParaRPr lang="en-US"/>
           </a:p>
@@ -8286,7 +8289,7 @@
           <a:p>
             <a:fld id="{EF452D9C-F9EB-4417-9C3A-C876C2AF9415}" type="datetime1">
               <a:rPr lang="zh-CN" altLang="en-US" smtClean="0"/>
-              <a:t>2017/6/13</a:t>
+              <a:t>2017/9/7</a:t>
             </a:fld>
             <a:endParaRPr lang="zh-CN" altLang="en-US"/>
           </a:p>
@@ -8472,7 +8475,7 @@
           <a:p>
             <a:fld id="{2F2E9289-9B4C-49AE-BDDA-70D6EDC89D17}" type="datetime1">
               <a:rPr lang="zh-CN" altLang="en-US" smtClean="0"/>
-              <a:t>2017/6/13</a:t>
+              <a:t>2017/9/7</a:t>
             </a:fld>
             <a:endParaRPr lang="zh-CN" altLang="en-US"/>
           </a:p>
@@ -8642,7 +8645,7 @@
           <a:p>
             <a:fld id="{2F2E9289-9B4C-49AE-BDDA-70D6EDC89D17}" type="datetime1">
               <a:rPr lang="zh-CN" altLang="en-US" smtClean="0"/>
-              <a:t>2017/6/13</a:t>
+              <a:t>2017/9/7</a:t>
             </a:fld>
             <a:endParaRPr lang="zh-CN" altLang="en-US"/>
           </a:p>
@@ -8878,7 +8881,7 @@
           <a:p>
             <a:fld id="{8C5BA751-A251-47D6-8494-C134D9EBED5F}" type="datetime1">
               <a:rPr lang="zh-CN" altLang="en-US" smtClean="0"/>
-              <a:t>2017/6/13</a:t>
+              <a:t>2017/9/7</a:t>
             </a:fld>
             <a:endParaRPr lang="zh-CN" altLang="en-US"/>
           </a:p>
@@ -9234,7 +9237,7 @@
           <a:p>
             <a:fld id="{C46E2078-F302-4651-A2A2-2FC6C4E1A3F1}" type="datetime1">
               <a:rPr lang="zh-CN" altLang="en-US" smtClean="0"/>
-              <a:t>2017/6/13</a:t>
+              <a:t>2017/9/7</a:t>
             </a:fld>
             <a:endParaRPr lang="zh-CN" altLang="en-US"/>
           </a:p>
@@ -9356,7 +9359,7 @@
               <a:pPr>
                 <a:defRPr/>
               </a:pPr>
-              <a:t>2017/6/13</a:t>
+              <a:t>2017/9/7</a:t>
             </a:fld>
             <a:endParaRPr lang="zh-CN" altLang="en-US"/>
           </a:p>
@@ -9504,7 +9507,7 @@
           <a:p>
             <a:fld id="{A1BE0A72-8501-4974-A7B7-5BD248ABBAFC}" type="datetime1">
               <a:rPr lang="zh-CN" altLang="en-US" smtClean="0"/>
-              <a:t>2017/6/13</a:t>
+              <a:t>2017/9/7</a:t>
             </a:fld>
             <a:endParaRPr lang="zh-CN" altLang="en-US"/>
           </a:p>
@@ -10018,7 +10021,7 @@
           <a:p>
             <a:fld id="{A1BE0A72-8501-4974-A7B7-5BD248ABBAFC}" type="datetime1">
               <a:rPr lang="zh-CN" altLang="en-US" smtClean="0"/>
-              <a:t>2017/6/13</a:t>
+              <a:t>2017/9/7</a:t>
             </a:fld>
             <a:endParaRPr lang="zh-CN" altLang="en-US"/>
           </a:p>
@@ -10624,7 +10627,7 @@
           <a:p>
             <a:fld id="{7A78726F-0AD2-4A20-BC72-263D2D3F3A2F}" type="datetime1">
               <a:rPr lang="en-US" altLang="zh-CN" smtClean="0"/>
-              <a:t>6/13/2017</a:t>
+              <a:t>9/7/2017</a:t>
             </a:fld>
             <a:endParaRPr lang="en-US"/>
           </a:p>
@@ -11605,7 +11608,7 @@
           <a:p>
             <a:fld id="{A1BE0A72-8501-4974-A7B7-5BD248ABBAFC}" type="datetime1">
               <a:rPr lang="zh-CN" altLang="en-US" smtClean="0"/>
-              <a:t>2017/6/13</a:t>
+              <a:t>2017/9/7</a:t>
             </a:fld>
             <a:endParaRPr lang="zh-CN" altLang="en-US"/>
           </a:p>
@@ -12211,7 +12214,7 @@
           <a:p>
             <a:fld id="{7A78726F-0AD2-4A20-BC72-263D2D3F3A2F}" type="datetime1">
               <a:rPr lang="en-US" altLang="zh-CN" smtClean="0"/>
-              <a:t>6/13/2017</a:t>
+              <a:t>9/7/2017</a:t>
             </a:fld>
             <a:endParaRPr lang="en-US"/>
           </a:p>
@@ -13082,7 +13085,7 @@
           <a:lstStyle/>
           <a:p>
             <a:r>
-              <a:rPr lang="zh-CN" altLang="en-US" dirty="0" smtClean="0"/>
+              <a:rPr lang="zh-CN" altLang="en-US" dirty="0"/>
               <a:t>第</a:t>
             </a:r>
             <a:r>
@@ -13090,10 +13093,9 @@
               <a:t>1</a:t>
             </a:r>
             <a:r>
-              <a:rPr lang="zh-CN" altLang="en-US" dirty="0" smtClean="0"/>
+              <a:rPr lang="zh-CN" altLang="en-US" dirty="0"/>
               <a:t>讲 微信公众号的申请，基本使用</a:t>
             </a:r>
-            <a:endParaRPr lang="zh-CN" altLang="en-US" dirty="0"/>
           </a:p>
         </p:txBody>
       </p:sp>
@@ -13146,13 +13148,6 @@
   <p:clrMapOvr>
     <a:masterClrMapping/>
   </p:clrMapOvr>
-  <p:timing>
-    <p:tnLst>
-      <p:par>
-        <p:cTn id="1" dur="indefinite" restart="never" nodeType="tmRoot"/>
-      </p:par>
-    </p:tnLst>
-  </p:timing>
 </p:sld>
 </file>
 
@@ -13193,13 +13188,9 @@
             </a:pPr>
             <a:r>
               <a:rPr lang="zh-CN" altLang="en-US" dirty="0"/>
-              <a:t>￭</a:t>
-            </a:r>
-            <a:r>
-              <a:rPr lang="zh-CN" altLang="en-US" dirty="0" smtClean="0"/>
-              <a:t>搜索‘微信公众平台’打开链接</a:t>
-            </a:r>
-            <a:endParaRPr lang="en-US" altLang="zh-CN" dirty="0" smtClean="0"/>
+              <a:t>￭搜索‘微信公众平台’打开链接</a:t>
+            </a:r>
+            <a:endParaRPr lang="en-US" altLang="zh-CN" dirty="0"/>
           </a:p>
           <a:p>
             <a:pPr marL="0" indent="0">
@@ -13210,18 +13201,13 @@
               <a:t>	</a:t>
             </a:r>
             <a:r>
-              <a:rPr lang="zh-CN" altLang="en-US" dirty="0" smtClean="0"/>
+              <a:rPr lang="zh-CN" altLang="en-US" dirty="0"/>
               <a:t>或者是直接输入网址：</a:t>
             </a:r>
             <a:r>
               <a:rPr lang="en-US" altLang="zh-CN" dirty="0"/>
-              <a:t>https://</a:t>
-            </a:r>
-            <a:r>
-              <a:rPr lang="en-US" altLang="zh-CN" dirty="0" smtClean="0"/>
-              <a:t>mp.weixin.qq.com</a:t>
-            </a:r>
-            <a:endParaRPr lang="en-US" altLang="zh-CN" dirty="0"/>
+              <a:t>https://mp.weixin.qq.com</a:t>
+            </a:r>
           </a:p>
           <a:p>
             <a:pPr marL="0" indent="0">
@@ -13229,42 +13215,34 @@
             </a:pPr>
             <a:r>
               <a:rPr lang="zh-CN" altLang="en-US" dirty="0"/>
-              <a:t>￭</a:t>
-            </a:r>
-            <a:r>
-              <a:rPr lang="zh-CN" altLang="en-US" dirty="0" smtClean="0"/>
-              <a:t>点击‘立即注册’</a:t>
-            </a:r>
-            <a:endParaRPr lang="en-US" altLang="zh-CN" dirty="0" smtClean="0"/>
+              <a:t>￭点击‘立即注册’</a:t>
+            </a:r>
+            <a:endParaRPr lang="en-US" altLang="zh-CN" dirty="0"/>
           </a:p>
           <a:p>
             <a:pPr marL="0" indent="0">
               <a:buNone/>
             </a:pPr>
             <a:r>
-              <a:rPr lang="zh-CN" altLang="en-US" dirty="0" smtClean="0"/>
+              <a:rPr lang="zh-CN" altLang="en-US" dirty="0"/>
               <a:t>￭选择公众号</a:t>
             </a:r>
             <a:r>
-              <a:rPr lang="zh-CN" altLang="en-US" smtClean="0"/>
-              <a:t>类型</a:t>
-            </a:r>
-            <a:r>
-              <a:rPr lang="zh-CN" altLang="en-US" smtClean="0"/>
-              <a:t>，选择</a:t>
-            </a:r>
-            <a:r>
-              <a:rPr lang="zh-CN" altLang="en-US" dirty="0" smtClean="0"/>
+              <a:rPr lang="zh-CN" altLang="en-US"/>
+              <a:t>类型，选择</a:t>
+            </a:r>
+            <a:r>
+              <a:rPr lang="zh-CN" altLang="en-US" dirty="0"/>
               <a:t>订阅号</a:t>
             </a:r>
-            <a:endParaRPr lang="en-US" altLang="zh-CN" dirty="0" smtClean="0"/>
+            <a:endParaRPr lang="en-US" altLang="zh-CN" dirty="0"/>
           </a:p>
           <a:p>
             <a:pPr marL="0" indent="0">
               <a:buNone/>
             </a:pPr>
             <a:r>
-              <a:rPr lang="zh-CN" altLang="en-US" dirty="0" smtClean="0"/>
+              <a:rPr lang="zh-CN" altLang="en-US" dirty="0"/>
               <a:t>￭按照步骤与提示填写表单并完成注册</a:t>
             </a:r>
             <a:endParaRPr lang="en-US" altLang="zh-CN" dirty="0"/>
@@ -13292,20 +13270,20 @@
             <p:ph sz="quarter" idx="15"/>
           </p:nvPr>
         </p:nvSpPr>
-        <p:spPr/>
+        <p:spPr>
+          <a:xfrm>
+            <a:off x="917622" y="516340"/>
+            <a:ext cx="5827307" cy="685800"/>
+          </a:xfrm>
+        </p:spPr>
         <p:txBody>
           <a:bodyPr/>
           <a:lstStyle/>
           <a:p>
             <a:r>
-              <a:rPr lang="en-US" altLang="zh-CN" dirty="0" smtClean="0"/>
-              <a:t>2.1</a:t>
-            </a:r>
-            <a:r>
-              <a:rPr lang="zh-CN" altLang="en-US" dirty="0" smtClean="0"/>
+              <a:rPr lang="zh-CN" altLang="en-US" b="0" dirty="0"/>
               <a:t>申请注册公众号</a:t>
             </a:r>
-            <a:endParaRPr lang="zh-CN" altLang="en-US" dirty="0"/>
           </a:p>
         </p:txBody>
       </p:sp>
@@ -13319,13 +13297,6 @@
   <p:clrMapOvr>
     <a:masterClrMapping/>
   </p:clrMapOvr>
-  <p:timing>
-    <p:tnLst>
-      <p:par>
-        <p:cTn id="1" dur="indefinite" restart="never" nodeType="tmRoot"/>
-      </p:par>
-    </p:tnLst>
-  </p:timing>
 </p:sld>
 </file>
 
@@ -13367,27 +13338,28 @@
           <a:lstStyle/>
           <a:p>
             <a:r>
-              <a:rPr lang="zh-CN" altLang="en-US" dirty="0"/>
-              <a:t>第三</a:t>
-            </a:r>
-            <a:r>
-              <a:rPr lang="zh-CN" altLang="en-US" dirty="0" smtClean="0"/>
-              <a:t>节 公众号基本使用</a:t>
-            </a:r>
-            <a:endParaRPr lang="zh-CN" altLang="en-US" dirty="0"/>
-          </a:p>
-        </p:txBody>
-      </p:sp>
-      <p:sp>
-        <p:nvSpPr>
-          <p:cNvPr id="4" name="文本框 3"/>
+              <a:rPr lang="zh-CN" altLang="en-US" b="0" dirty="0"/>
+              <a:t>第三讲</a:t>
+            </a:r>
+          </a:p>
+        </p:txBody>
+      </p:sp>
+      <p:sp>
+        <p:nvSpPr>
+          <p:cNvPr id="6" name="文本框 5">
+            <a:extLst>
+              <a:ext uri="{FF2B5EF4-FFF2-40B4-BE49-F238E27FC236}">
+                <a16:creationId xmlns:a16="http://schemas.microsoft.com/office/drawing/2014/main" id="{32FBF87A-2D09-49A1-8DCF-E72E1CA3A213}"/>
+              </a:ext>
+            </a:extLst>
+          </p:cNvPr>
           <p:cNvSpPr txBox="1"/>
           <p:nvPr/>
         </p:nvSpPr>
         <p:spPr>
           <a:xfrm>
-            <a:off x="1054101" y="1814512"/>
-            <a:ext cx="4275138" cy="3785652"/>
+            <a:off x="4121764" y="2372033"/>
+            <a:ext cx="4422468" cy="2339102"/>
           </a:xfrm>
           <a:prstGeom prst="rect">
             <a:avLst/>
@@ -13400,49 +13372,19 @@
           </a:bodyPr>
           <a:lstStyle/>
           <a:p>
-            <a:pPr>
+            <a:pPr marL="514350" indent="-514350">
               <a:lnSpc>
-                <a:spcPct val="150000"/>
+                <a:spcPct val="200000"/>
               </a:lnSpc>
+              <a:buFont typeface="+mj-ea"/>
+              <a:buAutoNum type="ea1JpnChsDbPeriod"/>
             </a:pPr>
-            <a:r>
-              <a:rPr lang="en-US" altLang="zh-CN" sz="2000" dirty="0" smtClean="0">
-                <a:latin typeface="微软雅黑" panose="020B0503020204020204" pitchFamily="34" charset="-122"/>
-                <a:ea typeface="微软雅黑" panose="020B0503020204020204" pitchFamily="34" charset="-122"/>
-              </a:rPr>
-              <a:t>3.1 </a:t>
-            </a:r>
-            <a:r>
-              <a:rPr lang="zh-CN" altLang="en-US" sz="2000" dirty="0" smtClean="0">
-                <a:latin typeface="微软雅黑" panose="020B0503020204020204" pitchFamily="34" charset="-122"/>
-                <a:ea typeface="微软雅黑" panose="020B0503020204020204" pitchFamily="34" charset="-122"/>
-              </a:rPr>
-              <a:t>公众号设置</a:t>
-            </a:r>
-            <a:endParaRPr lang="en-US" altLang="zh-CN" sz="2000" dirty="0" smtClean="0">
-              <a:latin typeface="微软雅黑" panose="020B0503020204020204" pitchFamily="34" charset="-122"/>
-              <a:ea typeface="微软雅黑" panose="020B0503020204020204" pitchFamily="34" charset="-122"/>
-            </a:endParaRPr>
-          </a:p>
-          <a:p>
-            <a:pPr>
-              <a:lnSpc>
-                <a:spcPct val="150000"/>
-              </a:lnSpc>
-            </a:pPr>
-            <a:r>
-              <a:rPr lang="en-US" altLang="zh-CN" sz="2000" dirty="0" smtClean="0">
-                <a:latin typeface="微软雅黑" panose="020B0503020204020204" pitchFamily="34" charset="-122"/>
-                <a:ea typeface="微软雅黑" panose="020B0503020204020204" pitchFamily="34" charset="-122"/>
-              </a:rPr>
-              <a:t>3.2 </a:t>
-            </a:r>
             <a:r>
               <a:rPr lang="zh-CN" altLang="en-US" sz="2000" dirty="0">
                 <a:latin typeface="微软雅黑" panose="020B0503020204020204" pitchFamily="34" charset="-122"/>
                 <a:ea typeface="微软雅黑" panose="020B0503020204020204" pitchFamily="34" charset="-122"/>
               </a:rPr>
-              <a:t>素材管理</a:t>
+              <a:t>公众号基础</a:t>
             </a:r>
             <a:endParaRPr lang="en-US" altLang="zh-CN" sz="2000" dirty="0">
               <a:latin typeface="微软雅黑" panose="020B0503020204020204" pitchFamily="34" charset="-122"/>
@@ -13450,204 +13392,19 @@
             </a:endParaRPr>
           </a:p>
           <a:p>
-            <a:pPr>
+            <a:pPr marL="514350" indent="-514350">
               <a:lnSpc>
-                <a:spcPct val="150000"/>
+                <a:spcPct val="200000"/>
               </a:lnSpc>
+              <a:buFont typeface="+mj-ea"/>
+              <a:buAutoNum type="ea1JpnChsDbPeriod"/>
             </a:pPr>
-            <a:r>
-              <a:rPr lang="en-US" altLang="zh-CN" sz="2000" dirty="0" smtClean="0">
-                <a:latin typeface="微软雅黑" panose="020B0503020204020204" pitchFamily="34" charset="-122"/>
-                <a:ea typeface="微软雅黑" panose="020B0503020204020204" pitchFamily="34" charset="-122"/>
-              </a:rPr>
-              <a:t>3.3 </a:t>
-            </a:r>
             <a:r>
               <a:rPr lang="zh-CN" altLang="en-US" sz="2000" dirty="0">
                 <a:latin typeface="微软雅黑" panose="020B0503020204020204" pitchFamily="34" charset="-122"/>
                 <a:ea typeface="微软雅黑" panose="020B0503020204020204" pitchFamily="34" charset="-122"/>
               </a:rPr>
-              <a:t>新建</a:t>
-            </a:r>
-            <a:r>
-              <a:rPr lang="zh-CN" altLang="en-US" sz="2000" dirty="0" smtClean="0">
-                <a:latin typeface="微软雅黑" panose="020B0503020204020204" pitchFamily="34" charset="-122"/>
-                <a:ea typeface="微软雅黑" panose="020B0503020204020204" pitchFamily="34" charset="-122"/>
-              </a:rPr>
-              <a:t>素材</a:t>
-            </a:r>
-            <a:endParaRPr lang="en-US" altLang="zh-CN" sz="2000" dirty="0" smtClean="0">
-              <a:latin typeface="微软雅黑" panose="020B0503020204020204" pitchFamily="34" charset="-122"/>
-              <a:ea typeface="微软雅黑" panose="020B0503020204020204" pitchFamily="34" charset="-122"/>
-            </a:endParaRPr>
-          </a:p>
-          <a:p>
-            <a:pPr>
-              <a:lnSpc>
-                <a:spcPct val="150000"/>
-              </a:lnSpc>
-            </a:pPr>
-            <a:r>
-              <a:rPr lang="en-US" altLang="zh-CN" sz="2000" dirty="0" smtClean="0">
-                <a:latin typeface="微软雅黑" panose="020B0503020204020204" pitchFamily="34" charset="-122"/>
-                <a:ea typeface="微软雅黑" panose="020B0503020204020204" pitchFamily="34" charset="-122"/>
-              </a:rPr>
-              <a:t>3.4 </a:t>
-            </a:r>
-            <a:r>
-              <a:rPr lang="zh-CN" altLang="en-US" sz="2000" dirty="0" smtClean="0">
-                <a:latin typeface="微软雅黑" panose="020B0503020204020204" pitchFamily="34" charset="-122"/>
-                <a:ea typeface="微软雅黑" panose="020B0503020204020204" pitchFamily="34" charset="-122"/>
-              </a:rPr>
-              <a:t>群发功能</a:t>
-            </a:r>
-            <a:endParaRPr lang="en-US" altLang="zh-CN" sz="2000" dirty="0" smtClean="0">
-              <a:latin typeface="微软雅黑" panose="020B0503020204020204" pitchFamily="34" charset="-122"/>
-              <a:ea typeface="微软雅黑" panose="020B0503020204020204" pitchFamily="34" charset="-122"/>
-            </a:endParaRPr>
-          </a:p>
-          <a:p>
-            <a:pPr lvl="1">
-              <a:lnSpc>
-                <a:spcPct val="150000"/>
-              </a:lnSpc>
-            </a:pPr>
-            <a:r>
-              <a:rPr lang="en-US" altLang="zh-CN" sz="2000" dirty="0" smtClean="0">
-                <a:latin typeface="微软雅黑" panose="020B0503020204020204" pitchFamily="34" charset="-122"/>
-                <a:ea typeface="微软雅黑" panose="020B0503020204020204" pitchFamily="34" charset="-122"/>
-              </a:rPr>
-              <a:t>3.4.1</a:t>
-            </a:r>
-            <a:r>
-              <a:rPr lang="zh-CN" altLang="en-US" sz="2000" dirty="0" smtClean="0">
-                <a:latin typeface="微软雅黑" panose="020B0503020204020204" pitchFamily="34" charset="-122"/>
-                <a:ea typeface="微软雅黑" panose="020B0503020204020204" pitchFamily="34" charset="-122"/>
-              </a:rPr>
-              <a:t>群发功能页面更新</a:t>
-            </a:r>
-            <a:endParaRPr lang="en-US" altLang="zh-CN" sz="2000" dirty="0" smtClean="0">
-              <a:latin typeface="微软雅黑" panose="020B0503020204020204" pitchFamily="34" charset="-122"/>
-              <a:ea typeface="微软雅黑" panose="020B0503020204020204" pitchFamily="34" charset="-122"/>
-            </a:endParaRPr>
-          </a:p>
-          <a:p>
-            <a:pPr>
-              <a:lnSpc>
-                <a:spcPct val="150000"/>
-              </a:lnSpc>
-            </a:pPr>
-            <a:r>
-              <a:rPr lang="en-US" altLang="zh-CN" sz="2000" dirty="0" smtClean="0">
-                <a:latin typeface="微软雅黑" panose="020B0503020204020204" pitchFamily="34" charset="-122"/>
-                <a:ea typeface="微软雅黑" panose="020B0503020204020204" pitchFamily="34" charset="-122"/>
-              </a:rPr>
-              <a:t>3.5 </a:t>
-            </a:r>
-            <a:r>
-              <a:rPr lang="zh-CN" altLang="en-US" sz="2000" dirty="0" smtClean="0">
-                <a:latin typeface="微软雅黑" panose="020B0503020204020204" pitchFamily="34" charset="-122"/>
-                <a:ea typeface="微软雅黑" panose="020B0503020204020204" pitchFamily="34" charset="-122"/>
-              </a:rPr>
-              <a:t>自动回复</a:t>
-            </a:r>
-            <a:endParaRPr lang="en-US" altLang="zh-CN" sz="2000" dirty="0" smtClean="0">
-              <a:latin typeface="微软雅黑" panose="020B0503020204020204" pitchFamily="34" charset="-122"/>
-              <a:ea typeface="微软雅黑" panose="020B0503020204020204" pitchFamily="34" charset="-122"/>
-            </a:endParaRPr>
-          </a:p>
-          <a:p>
-            <a:pPr>
-              <a:lnSpc>
-                <a:spcPct val="150000"/>
-              </a:lnSpc>
-            </a:pPr>
-            <a:r>
-              <a:rPr lang="en-US" altLang="zh-CN" sz="2000" dirty="0" smtClean="0">
-                <a:latin typeface="微软雅黑" panose="020B0503020204020204" pitchFamily="34" charset="-122"/>
-                <a:ea typeface="微软雅黑" panose="020B0503020204020204" pitchFamily="34" charset="-122"/>
-              </a:rPr>
-              <a:t>3.6 </a:t>
-            </a:r>
-            <a:r>
-              <a:rPr lang="zh-CN" altLang="en-US" sz="2000" dirty="0" smtClean="0">
-                <a:latin typeface="微软雅黑" panose="020B0503020204020204" pitchFamily="34" charset="-122"/>
-                <a:ea typeface="微软雅黑" panose="020B0503020204020204" pitchFamily="34" charset="-122"/>
-              </a:rPr>
-              <a:t>关键词自动回复</a:t>
-            </a:r>
-            <a:endParaRPr lang="en-US" altLang="zh-CN" sz="2000" dirty="0" smtClean="0">
-              <a:latin typeface="微软雅黑" panose="020B0503020204020204" pitchFamily="34" charset="-122"/>
-              <a:ea typeface="微软雅黑" panose="020B0503020204020204" pitchFamily="34" charset="-122"/>
-            </a:endParaRPr>
-          </a:p>
-          <a:p>
-            <a:pPr>
-              <a:lnSpc>
-                <a:spcPct val="150000"/>
-              </a:lnSpc>
-            </a:pPr>
-            <a:r>
-              <a:rPr lang="en-US" altLang="zh-CN" sz="2000" dirty="0" smtClean="0">
-                <a:latin typeface="微软雅黑" panose="020B0503020204020204" pitchFamily="34" charset="-122"/>
-                <a:ea typeface="微软雅黑" panose="020B0503020204020204" pitchFamily="34" charset="-122"/>
-              </a:rPr>
-              <a:t>3.7 </a:t>
-            </a:r>
-            <a:r>
-              <a:rPr lang="zh-CN" altLang="en-US" sz="2000" dirty="0" smtClean="0">
-                <a:latin typeface="微软雅黑" panose="020B0503020204020204" pitchFamily="34" charset="-122"/>
-                <a:ea typeface="微软雅黑" panose="020B0503020204020204" pitchFamily="34" charset="-122"/>
-              </a:rPr>
-              <a:t>自定义菜单</a:t>
-            </a:r>
-            <a:endParaRPr lang="en-US" altLang="zh-CN" sz="2000" dirty="0" smtClean="0">
-              <a:latin typeface="微软雅黑" panose="020B0503020204020204" pitchFamily="34" charset="-122"/>
-              <a:ea typeface="微软雅黑" panose="020B0503020204020204" pitchFamily="34" charset="-122"/>
-            </a:endParaRPr>
-          </a:p>
-        </p:txBody>
-      </p:sp>
-      <p:sp>
-        <p:nvSpPr>
-          <p:cNvPr id="5" name="文本框 4"/>
-          <p:cNvSpPr txBox="1"/>
-          <p:nvPr/>
-        </p:nvSpPr>
-        <p:spPr>
-          <a:xfrm>
-            <a:off x="7000875" y="1814512"/>
-            <a:ext cx="4343400" cy="1015663"/>
-          </a:xfrm>
-          <a:prstGeom prst="rect">
-            <a:avLst/>
-          </a:prstGeom>
-          <a:noFill/>
-        </p:spPr>
-        <p:txBody>
-          <a:bodyPr wrap="square" rtlCol="0">
-            <a:spAutoFit/>
-          </a:bodyPr>
-          <a:lstStyle/>
-          <a:p>
-            <a:pPr>
-              <a:lnSpc>
-                <a:spcPct val="150000"/>
-              </a:lnSpc>
-            </a:pPr>
-            <a:r>
-              <a:rPr lang="en-US" altLang="zh-CN" sz="2000" dirty="0" smtClean="0">
-                <a:latin typeface="微软雅黑" panose="020B0503020204020204" pitchFamily="34" charset="-122"/>
-                <a:ea typeface="微软雅黑" panose="020B0503020204020204" pitchFamily="34" charset="-122"/>
-              </a:rPr>
-              <a:t>3.8 </a:t>
-            </a:r>
-            <a:r>
-              <a:rPr lang="zh-CN" altLang="en-US" sz="2000" dirty="0">
-                <a:latin typeface="微软雅黑" panose="020B0503020204020204" pitchFamily="34" charset="-122"/>
-                <a:ea typeface="微软雅黑" panose="020B0503020204020204" pitchFamily="34" charset="-122"/>
-              </a:rPr>
-              <a:t>用户管理</a:t>
+              <a:t>申请注册个人公众号</a:t>
             </a:r>
             <a:endParaRPr lang="en-US" altLang="zh-CN" sz="2000" dirty="0">
               <a:latin typeface="微软雅黑" panose="020B0503020204020204" pitchFamily="34" charset="-122"/>
@@ -13655,29 +13412,40 @@
             </a:endParaRPr>
           </a:p>
           <a:p>
-            <a:pPr>
+            <a:pPr marL="514350" indent="-514350">
               <a:lnSpc>
-                <a:spcPct val="150000"/>
+                <a:spcPct val="200000"/>
               </a:lnSpc>
+              <a:buFont typeface="+mj-ea"/>
+              <a:buAutoNum type="ea1JpnChsDbPeriod"/>
             </a:pPr>
             <a:r>
-              <a:rPr lang="en-US" altLang="zh-CN" sz="2000" dirty="0" smtClean="0">
+              <a:rPr lang="zh-CN" altLang="en-US" sz="2400" dirty="0">
+                <a:solidFill>
+                  <a:schemeClr val="accent6">
+                    <a:lumMod val="75000"/>
+                  </a:schemeClr>
+                </a:solidFill>
                 <a:latin typeface="微软雅黑" panose="020B0503020204020204" pitchFamily="34" charset="-122"/>
                 <a:ea typeface="微软雅黑" panose="020B0503020204020204" pitchFamily="34" charset="-122"/>
               </a:rPr>
-              <a:t>3.9 </a:t>
-            </a:r>
-            <a:r>
-              <a:rPr lang="zh-CN" altLang="en-US" sz="2000" dirty="0">
-                <a:latin typeface="微软雅黑" panose="020B0503020204020204" pitchFamily="34" charset="-122"/>
-                <a:ea typeface="微软雅黑" panose="020B0503020204020204" pitchFamily="34" charset="-122"/>
-              </a:rPr>
-              <a:t>绑定运营者微信号</a:t>
-            </a:r>
-            <a:endParaRPr lang="en-US" altLang="zh-CN" sz="2000" dirty="0">
+              <a:t>公众号基本使用</a:t>
+            </a:r>
+            <a:endParaRPr lang="en-US" altLang="zh-CN" sz="2400" dirty="0">
+              <a:solidFill>
+                <a:schemeClr val="accent6">
+                  <a:lumMod val="75000"/>
+                </a:schemeClr>
+              </a:solidFill>
               <a:latin typeface="微软雅黑" panose="020B0503020204020204" pitchFamily="34" charset="-122"/>
               <a:ea typeface="微软雅黑" panose="020B0503020204020204" pitchFamily="34" charset="-122"/>
             </a:endParaRPr>
+          </a:p>
+          <a:p>
+            <a:pPr marL="342900" indent="-342900">
+              <a:buAutoNum type="arabicPeriod"/>
+            </a:pPr>
+            <a:endParaRPr lang="zh-CN" altLang="en-US" dirty="0"/>
           </a:p>
         </p:txBody>
       </p:sp>
@@ -13721,20 +13489,20 @@
             <p:ph sz="quarter" idx="15"/>
           </p:nvPr>
         </p:nvSpPr>
-        <p:spPr/>
+        <p:spPr>
+          <a:xfrm>
+            <a:off x="917622" y="516340"/>
+            <a:ext cx="4263978" cy="685800"/>
+          </a:xfrm>
+        </p:spPr>
         <p:txBody>
           <a:bodyPr/>
           <a:lstStyle/>
           <a:p>
             <a:r>
-              <a:rPr lang="en-US" altLang="zh-CN" dirty="0" smtClean="0"/>
-              <a:t>3.1</a:t>
-            </a:r>
-            <a:r>
-              <a:rPr lang="zh-CN" altLang="en-US" dirty="0" smtClean="0"/>
+              <a:rPr lang="zh-CN" altLang="en-US" b="0" dirty="0"/>
               <a:t>公众号设置</a:t>
             </a:r>
-            <a:endParaRPr lang="zh-CN" altLang="en-US" dirty="0"/>
           </a:p>
         </p:txBody>
       </p:sp>
@@ -13808,13 +13576,6 @@
   <p:clrMapOvr>
     <a:masterClrMapping/>
   </p:clrMapOvr>
-  <p:timing>
-    <p:tnLst>
-      <p:par>
-        <p:cTn id="1" dur="indefinite" restart="never" nodeType="tmRoot"/>
-      </p:par>
-    </p:tnLst>
-  </p:timing>
 </p:sld>
 </file>
 
@@ -13856,14 +13617,9 @@
           <a:lstStyle/>
           <a:p>
             <a:r>
-              <a:rPr lang="en-US" altLang="zh-CN" dirty="0" smtClean="0"/>
-              <a:t>3.2</a:t>
-            </a:r>
-            <a:r>
-              <a:rPr lang="zh-CN" altLang="en-US" dirty="0" smtClean="0"/>
+              <a:rPr lang="zh-CN" altLang="en-US" b="0" dirty="0"/>
               <a:t>素材管理</a:t>
             </a:r>
-            <a:endParaRPr lang="zh-CN" altLang="en-US" dirty="0"/>
           </a:p>
         </p:txBody>
       </p:sp>
@@ -13907,13 +13663,6 @@
   <p:clrMapOvr>
     <a:masterClrMapping/>
   </p:clrMapOvr>
-  <p:timing>
-    <p:tnLst>
-      <p:par>
-        <p:cTn id="1" dur="indefinite" restart="never" nodeType="tmRoot"/>
-      </p:par>
-    </p:tnLst>
-  </p:timing>
 </p:sld>
 </file>
 
@@ -13955,14 +13704,9 @@
           <a:lstStyle/>
           <a:p>
             <a:r>
-              <a:rPr lang="en-US" altLang="zh-CN" dirty="0" smtClean="0"/>
-              <a:t>3.3</a:t>
-            </a:r>
-            <a:r>
-              <a:rPr lang="zh-CN" altLang="en-US" dirty="0" smtClean="0"/>
+              <a:rPr lang="zh-CN" altLang="en-US" b="0" dirty="0"/>
               <a:t>新建素材</a:t>
             </a:r>
-            <a:endParaRPr lang="zh-CN" altLang="en-US" dirty="0"/>
           </a:p>
         </p:txBody>
       </p:sp>
@@ -14024,16 +13768,12 @@
               </a:lnSpc>
             </a:pPr>
             <a:r>
-              <a:rPr lang="zh-CN" altLang="en-US" sz="2400" dirty="0" smtClean="0">
+              <a:rPr lang="zh-CN" altLang="en-US" sz="2400" dirty="0">
                 <a:latin typeface="微软雅黑" panose="020B0503020204020204" pitchFamily="34" charset="-122"/>
                 <a:ea typeface="微软雅黑" panose="020B0503020204020204" pitchFamily="34" charset="-122"/>
               </a:rPr>
               <a:t>新建素材要求必须要有一张封面图片。右边多媒体列表可用于选择一些特殊资源添加到内容里。</a:t>
             </a:r>
-            <a:endParaRPr lang="zh-CN" altLang="en-US" sz="2400" dirty="0">
-              <a:latin typeface="微软雅黑" panose="020B0503020204020204" pitchFamily="34" charset="-122"/>
-              <a:ea typeface="微软雅黑" panose="020B0503020204020204" pitchFamily="34" charset="-122"/>
-            </a:endParaRPr>
           </a:p>
         </p:txBody>
       </p:sp>
@@ -14047,13 +13787,6 @@
   <p:clrMapOvr>
     <a:masterClrMapping/>
   </p:clrMapOvr>
-  <p:timing>
-    <p:tnLst>
-      <p:par>
-        <p:cTn id="1" dur="indefinite" restart="never" nodeType="tmRoot"/>
-      </p:par>
-    </p:tnLst>
-  </p:timing>
 </p:sld>
 </file>
 
@@ -14090,14 +13823,13 @@
           <a:lstStyle/>
           <a:p>
             <a:r>
-              <a:rPr lang="en-US" altLang="zh-CN" dirty="0" smtClean="0"/>
+              <a:rPr lang="en-US" altLang="zh-CN" dirty="0"/>
               <a:t>3.4</a:t>
             </a:r>
             <a:r>
-              <a:rPr lang="zh-CN" altLang="en-US" dirty="0" smtClean="0"/>
+              <a:rPr lang="zh-CN" altLang="en-US" dirty="0"/>
               <a:t>群发功能</a:t>
             </a:r>
-            <a:endParaRPr lang="zh-CN" altLang="en-US" dirty="0"/>
           </a:p>
         </p:txBody>
       </p:sp>
@@ -14171,13 +13903,6 @@
   <p:clrMapOvr>
     <a:masterClrMapping/>
   </p:clrMapOvr>
-  <p:timing>
-    <p:tnLst>
-      <p:par>
-        <p:cTn id="1" dur="indefinite" restart="never" nodeType="tmRoot"/>
-      </p:par>
-    </p:tnLst>
-  </p:timing>
 </p:sld>
 </file>
 
@@ -14219,14 +13944,9 @@
           <a:lstStyle/>
           <a:p>
             <a:r>
-              <a:rPr lang="en-US" altLang="zh-CN" dirty="0" smtClean="0"/>
-              <a:t>3.4.1</a:t>
-            </a:r>
-            <a:r>
-              <a:rPr lang="zh-CN" altLang="en-US" dirty="0" smtClean="0"/>
+              <a:rPr lang="zh-CN" altLang="en-US" b="0" dirty="0"/>
               <a:t>群发功能页面更新</a:t>
             </a:r>
-            <a:endParaRPr lang="zh-CN" altLang="en-US" dirty="0"/>
           </a:p>
         </p:txBody>
       </p:sp>
@@ -14270,13 +13990,6 @@
   <p:clrMapOvr>
     <a:masterClrMapping/>
   </p:clrMapOvr>
-  <p:timing>
-    <p:tnLst>
-      <p:par>
-        <p:cTn id="1" dur="indefinite" restart="never" nodeType="tmRoot"/>
-      </p:par>
-    </p:tnLst>
-  </p:timing>
 </p:sld>
 </file>
 
@@ -14307,20 +14020,20 @@
             <p:ph sz="quarter" idx="15"/>
           </p:nvPr>
         </p:nvSpPr>
-        <p:spPr/>
+        <p:spPr>
+          <a:xfrm>
+            <a:off x="917622" y="516340"/>
+            <a:ext cx="5414352" cy="685800"/>
+          </a:xfrm>
+        </p:spPr>
         <p:txBody>
           <a:bodyPr/>
           <a:lstStyle/>
           <a:p>
             <a:r>
-              <a:rPr lang="en-US" altLang="zh-CN" dirty="0" smtClean="0"/>
-              <a:t>3.5</a:t>
-            </a:r>
-            <a:r>
-              <a:rPr lang="zh-CN" altLang="en-US" dirty="0" smtClean="0"/>
+              <a:rPr lang="zh-CN" altLang="en-US" b="0" dirty="0"/>
               <a:t>自动回复</a:t>
             </a:r>
-            <a:endParaRPr lang="zh-CN" altLang="en-US" dirty="0"/>
           </a:p>
         </p:txBody>
       </p:sp>
@@ -14394,13 +14107,6 @@
   <p:clrMapOvr>
     <a:masterClrMapping/>
   </p:clrMapOvr>
-  <p:timing>
-    <p:tnLst>
-      <p:par>
-        <p:cTn id="1" dur="indefinite" restart="never" nodeType="tmRoot"/>
-      </p:par>
-    </p:tnLst>
-  </p:timing>
 </p:sld>
 </file>
 
@@ -14437,22 +14143,9 @@
           <a:lstStyle/>
           <a:p>
             <a:r>
-              <a:rPr lang="en-US" altLang="zh-CN" dirty="0" smtClean="0"/>
-              <a:t>3.6</a:t>
-            </a:r>
-            <a:r>
-              <a:rPr lang="zh-CN" altLang="en-US" dirty="0" smtClean="0"/>
-              <a:t>关键词</a:t>
-            </a:r>
-            <a:r>
-              <a:rPr lang="zh-CN" altLang="en-US" dirty="0"/>
-              <a:t>自动</a:t>
-            </a:r>
-            <a:r>
-              <a:rPr lang="zh-CN" altLang="en-US" dirty="0" smtClean="0"/>
-              <a:t>回复</a:t>
-            </a:r>
-            <a:endParaRPr lang="zh-CN" altLang="en-US" dirty="0"/>
+              <a:rPr lang="zh-CN" altLang="en-US" b="0" dirty="0"/>
+              <a:t>关键词自动回复</a:t>
+            </a:r>
           </a:p>
         </p:txBody>
       </p:sp>
@@ -14496,13 +14189,6 @@
   <p:clrMapOvr>
     <a:masterClrMapping/>
   </p:clrMapOvr>
-  <p:timing>
-    <p:tnLst>
-      <p:par>
-        <p:cTn id="1" dur="indefinite" restart="never" nodeType="tmRoot"/>
-      </p:par>
-    </p:tnLst>
-  </p:timing>
 </p:sld>
 </file>
 
@@ -14533,20 +14219,20 @@
             <p:ph sz="quarter" idx="15"/>
           </p:nvPr>
         </p:nvSpPr>
-        <p:spPr/>
+        <p:spPr>
+          <a:xfrm>
+            <a:off x="917622" y="516340"/>
+            <a:ext cx="4539281" cy="685800"/>
+          </a:xfrm>
+        </p:spPr>
         <p:txBody>
           <a:bodyPr/>
           <a:lstStyle/>
           <a:p>
             <a:r>
-              <a:rPr lang="en-US" altLang="zh-CN" dirty="0" smtClean="0"/>
-              <a:t>3.7</a:t>
-            </a:r>
-            <a:r>
-              <a:rPr lang="zh-CN" altLang="en-US" dirty="0" smtClean="0"/>
+              <a:rPr lang="zh-CN" altLang="en-US" b="0" dirty="0"/>
               <a:t>自定义菜单</a:t>
             </a:r>
-            <a:endParaRPr lang="zh-CN" altLang="en-US" dirty="0"/>
           </a:p>
         </p:txBody>
       </p:sp>
@@ -14637,13 +14323,13 @@
               </a:lnSpc>
             </a:pPr>
             <a:r>
-              <a:rPr lang="zh-CN" altLang="en-US" sz="2400" dirty="0" smtClean="0">
+              <a:rPr lang="zh-CN" altLang="en-US" sz="2400" dirty="0">
                 <a:latin typeface="微软雅黑" panose="020B0503020204020204" pitchFamily="34" charset="-122"/>
                 <a:ea typeface="微软雅黑" panose="020B0503020204020204" pitchFamily="34" charset="-122"/>
               </a:rPr>
               <a:t>自定义菜单内容有三种类型</a:t>
             </a:r>
-            <a:endParaRPr lang="en-US" altLang="zh-CN" sz="2400" dirty="0" smtClean="0">
+            <a:endParaRPr lang="en-US" altLang="zh-CN" sz="2400" dirty="0">
               <a:latin typeface="微软雅黑" panose="020B0503020204020204" pitchFamily="34" charset="-122"/>
               <a:ea typeface="微软雅黑" panose="020B0503020204020204" pitchFamily="34" charset="-122"/>
             </a:endParaRPr>
@@ -14654,7 +14340,7 @@
                 <a:spcPct val="150000"/>
               </a:lnSpc>
             </a:pPr>
-            <a:endParaRPr lang="en-US" altLang="zh-CN" sz="2400" dirty="0" smtClean="0">
+            <a:endParaRPr lang="en-US" altLang="zh-CN" sz="2400" dirty="0">
               <a:latin typeface="微软雅黑" panose="020B0503020204020204" pitchFamily="34" charset="-122"/>
               <a:ea typeface="微软雅黑" panose="020B0503020204020204" pitchFamily="34" charset="-122"/>
             </a:endParaRPr>
@@ -14666,13 +14352,13 @@
               </a:lnSpc>
             </a:pPr>
             <a:r>
-              <a:rPr lang="zh-CN" altLang="en-US" sz="2400" dirty="0" smtClean="0">
+              <a:rPr lang="zh-CN" altLang="en-US" sz="2400" dirty="0">
                 <a:latin typeface="微软雅黑" panose="020B0503020204020204" pitchFamily="34" charset="-122"/>
                 <a:ea typeface="微软雅黑" panose="020B0503020204020204" pitchFamily="34" charset="-122"/>
               </a:rPr>
               <a:t>跳转网页链接需要认证的公众号才可以。</a:t>
             </a:r>
-            <a:endParaRPr lang="en-US" altLang="zh-CN" sz="2400" dirty="0" smtClean="0">
+            <a:endParaRPr lang="en-US" altLang="zh-CN" sz="2400" dirty="0">
               <a:latin typeface="微软雅黑" panose="020B0503020204020204" pitchFamily="34" charset="-122"/>
               <a:ea typeface="微软雅黑" panose="020B0503020204020204" pitchFamily="34" charset="-122"/>
             </a:endParaRPr>
@@ -14683,7 +14369,7 @@
                 <a:spcPct val="150000"/>
               </a:lnSpc>
             </a:pPr>
-            <a:endParaRPr lang="en-US" altLang="zh-CN" sz="2400" dirty="0" smtClean="0">
+            <a:endParaRPr lang="en-US" altLang="zh-CN" sz="2400" dirty="0">
               <a:latin typeface="微软雅黑" panose="020B0503020204020204" pitchFamily="34" charset="-122"/>
               <a:ea typeface="微软雅黑" panose="020B0503020204020204" pitchFamily="34" charset="-122"/>
             </a:endParaRPr>
@@ -14695,13 +14381,13 @@
               </a:lnSpc>
             </a:pPr>
             <a:r>
-              <a:rPr lang="zh-CN" altLang="en-US" sz="2400" dirty="0" smtClean="0">
+              <a:rPr lang="zh-CN" altLang="en-US" sz="2400" dirty="0">
                 <a:latin typeface="微软雅黑" panose="020B0503020204020204" pitchFamily="34" charset="-122"/>
                 <a:ea typeface="微软雅黑" panose="020B0503020204020204" pitchFamily="34" charset="-122"/>
               </a:rPr>
               <a:t>跳转小程序需要绑定小程序。</a:t>
             </a:r>
-            <a:endParaRPr lang="en-US" altLang="zh-CN" sz="2400" dirty="0" smtClean="0">
+            <a:endParaRPr lang="en-US" altLang="zh-CN" sz="2400" dirty="0">
               <a:latin typeface="微软雅黑" panose="020B0503020204020204" pitchFamily="34" charset="-122"/>
               <a:ea typeface="微软雅黑" panose="020B0503020204020204" pitchFamily="34" charset="-122"/>
             </a:endParaRPr>
@@ -14894,10 +14580,9 @@
           <a:lstStyle/>
           <a:p>
             <a:r>
-              <a:rPr lang="zh-CN" altLang="en-US" dirty="0" smtClean="0"/>
+              <a:rPr lang="zh-CN" altLang="en-US" b="0" dirty="0"/>
               <a:t>关于我</a:t>
             </a:r>
-            <a:endParaRPr lang="zh-CN" altLang="en-US" dirty="0"/>
           </a:p>
         </p:txBody>
       </p:sp>
@@ -14910,7 +14595,7 @@
         <p:spPr>
           <a:xfrm>
             <a:off x="1254125" y="1814513"/>
-            <a:ext cx="5041900" cy="2862322"/>
+            <a:ext cx="5041900" cy="2308324"/>
           </a:xfrm>
           <a:prstGeom prst="rect">
             <a:avLst/>
@@ -14929,13 +14614,13 @@
               </a:lnSpc>
             </a:pPr>
             <a:r>
-              <a:rPr lang="zh-CN" altLang="en-US" sz="2400" dirty="0" smtClean="0">
+              <a:rPr lang="zh-CN" altLang="en-US" sz="2400" dirty="0">
                 <a:latin typeface="微软雅黑" panose="020B0503020204020204" pitchFamily="34" charset="-122"/>
                 <a:ea typeface="微软雅黑" panose="020B0503020204020204" pitchFamily="34" charset="-122"/>
               </a:rPr>
               <a:t>姓名：王勇</a:t>
             </a:r>
-            <a:endParaRPr lang="en-US" altLang="zh-CN" sz="2400" dirty="0" smtClean="0">
+            <a:endParaRPr lang="en-US" altLang="zh-CN" sz="2400" dirty="0">
               <a:latin typeface="微软雅黑" panose="020B0503020204020204" pitchFamily="34" charset="-122"/>
               <a:ea typeface="微软雅黑" panose="020B0503020204020204" pitchFamily="34" charset="-122"/>
             </a:endParaRPr>
@@ -14947,24 +14632,19 @@
               </a:lnSpc>
             </a:pPr>
             <a:r>
-              <a:rPr lang="zh-CN" altLang="en-US" sz="2400" dirty="0" smtClean="0">
+              <a:rPr lang="zh-CN" altLang="en-US" sz="2400" dirty="0">
                 <a:latin typeface="微软雅黑" panose="020B0503020204020204" pitchFamily="34" charset="-122"/>
                 <a:ea typeface="微软雅黑" panose="020B0503020204020204" pitchFamily="34" charset="-122"/>
               </a:rPr>
               <a:t>邮箱：</a:t>
             </a:r>
             <a:r>
-              <a:rPr lang="en-US" altLang="zh-CN" sz="2400" dirty="0" smtClean="0">
+              <a:rPr lang="en-US" altLang="zh-CN" sz="2400" dirty="0">
                 <a:latin typeface="微软雅黑" panose="020B0503020204020204" pitchFamily="34" charset="-122"/>
                 <a:ea typeface="微软雅黑" panose="020B0503020204020204" pitchFamily="34" charset="-122"/>
-                <a:hlinkClick r:id="rId2"/>
               </a:rPr>
-              <a:t>wangyong@edu2act.org</a:t>
-            </a:r>
-            <a:endParaRPr lang="en-US" altLang="zh-CN" sz="2400" dirty="0" smtClean="0">
-              <a:latin typeface="微软雅黑" panose="020B0503020204020204" pitchFamily="34" charset="-122"/>
-              <a:ea typeface="微软雅黑" panose="020B0503020204020204" pitchFamily="34" charset="-122"/>
-            </a:endParaRPr>
+              <a:t>1146040444@qq.com</a:t>
+            </a:r>
           </a:p>
           <a:p>
             <a:pPr>
@@ -14973,32 +14653,14 @@
               </a:lnSpc>
             </a:pPr>
             <a:r>
-              <a:rPr lang="zh-CN" altLang="en-US" sz="2400" dirty="0" smtClean="0">
-                <a:latin typeface="微软雅黑" panose="020B0503020204020204" pitchFamily="34" charset="-122"/>
-                <a:ea typeface="微软雅黑" panose="020B0503020204020204" pitchFamily="34" charset="-122"/>
-              </a:rPr>
-              <a:t>个人公众号：牛哄哄的黑天鹅</a:t>
-            </a:r>
-            <a:endParaRPr lang="en-US" altLang="zh-CN" sz="2400" dirty="0" smtClean="0">
-              <a:latin typeface="微软雅黑" panose="020B0503020204020204" pitchFamily="34" charset="-122"/>
-              <a:ea typeface="微软雅黑" panose="020B0503020204020204" pitchFamily="34" charset="-122"/>
-            </a:endParaRPr>
-          </a:p>
-          <a:p>
-            <a:pPr>
-              <a:lnSpc>
-                <a:spcPct val="150000"/>
-              </a:lnSpc>
-            </a:pPr>
-            <a:r>
-              <a:rPr lang="zh-CN" altLang="en-US" sz="2400" dirty="0" smtClean="0">
+              <a:rPr lang="zh-CN" altLang="en-US" sz="2400" dirty="0">
                 <a:latin typeface="微软雅黑" panose="020B0503020204020204" pitchFamily="34" charset="-122"/>
                 <a:ea typeface="微软雅黑" panose="020B0503020204020204" pitchFamily="34" charset="-122"/>
               </a:rPr>
               <a:t>手机号：</a:t>
             </a:r>
             <a:r>
-              <a:rPr lang="en-US" altLang="zh-CN" sz="2400" dirty="0" smtClean="0">
+              <a:rPr lang="en-US" altLang="zh-CN" sz="2400" dirty="0">
                 <a:latin typeface="微软雅黑" panose="020B0503020204020204" pitchFamily="34" charset="-122"/>
                 <a:ea typeface="微软雅黑" panose="020B0503020204020204" pitchFamily="34" charset="-122"/>
               </a:rPr>
@@ -15027,7 +14689,7 @@
           <p:nvPr/>
         </p:nvPicPr>
         <p:blipFill>
-          <a:blip r:embed="rId3">
+          <a:blip r:embed="rId2">
             <a:extLst>
               <a:ext uri="{28A0092B-C50C-407E-A947-70E740481C1C}">
                 <a14:useLocalDpi xmlns:a14="http://schemas.microsoft.com/office/drawing/2010/main" val="0"/>
@@ -15058,13 +14720,6 @@
   <p:clrMapOvr>
     <a:masterClrMapping/>
   </p:clrMapOvr>
-  <p:timing>
-    <p:tnLst>
-      <p:par>
-        <p:cTn id="1" dur="indefinite" restart="never" nodeType="tmRoot"/>
-      </p:par>
-    </p:tnLst>
-  </p:timing>
 </p:sld>
 </file>
 
@@ -15095,20 +14750,20 @@
             <p:ph sz="quarter" idx="15"/>
           </p:nvPr>
         </p:nvSpPr>
-        <p:spPr/>
+        <p:spPr>
+          <a:xfrm>
+            <a:off x="917622" y="516340"/>
+            <a:ext cx="3418404" cy="685800"/>
+          </a:xfrm>
+        </p:spPr>
         <p:txBody>
           <a:bodyPr/>
           <a:lstStyle/>
           <a:p>
             <a:r>
-              <a:rPr lang="en-US" altLang="zh-CN" dirty="0" smtClean="0"/>
-              <a:t>3.8</a:t>
-            </a:r>
-            <a:r>
-              <a:rPr lang="zh-CN" altLang="en-US" dirty="0" smtClean="0"/>
+              <a:rPr lang="zh-CN" altLang="en-US" b="0" dirty="0"/>
               <a:t>用户管理</a:t>
             </a:r>
-            <a:endParaRPr lang="zh-CN" altLang="en-US" dirty="0"/>
           </a:p>
         </p:txBody>
       </p:sp>
@@ -15170,16 +14825,12 @@
               </a:lnSpc>
             </a:pPr>
             <a:r>
-              <a:rPr lang="zh-CN" altLang="en-US" sz="2400" dirty="0" smtClean="0">
+              <a:rPr lang="zh-CN" altLang="en-US" sz="2400" dirty="0">
                 <a:latin typeface="微软雅黑" panose="020B0503020204020204" pitchFamily="34" charset="-122"/>
                 <a:ea typeface="微软雅黑" panose="020B0503020204020204" pitchFamily="34" charset="-122"/>
               </a:rPr>
               <a:t>用户管理可以对用户使用标签进行分组。在群发功能上，可以选择只针对某个分组发送消息。</a:t>
             </a:r>
-            <a:endParaRPr lang="zh-CN" altLang="en-US" sz="2400" dirty="0">
-              <a:latin typeface="微软雅黑" panose="020B0503020204020204" pitchFamily="34" charset="-122"/>
-              <a:ea typeface="微软雅黑" panose="020B0503020204020204" pitchFamily="34" charset="-122"/>
-            </a:endParaRPr>
           </a:p>
         </p:txBody>
       </p:sp>
@@ -15193,13 +14844,6 @@
   <p:clrMapOvr>
     <a:masterClrMapping/>
   </p:clrMapOvr>
-  <p:timing>
-    <p:tnLst>
-      <p:par>
-        <p:cTn id="1" dur="indefinite" restart="never" nodeType="tmRoot"/>
-      </p:par>
-    </p:tnLst>
-  </p:timing>
 </p:sld>
 </file>
 
@@ -15241,11 +14885,7 @@
           <a:lstStyle/>
           <a:p>
             <a:r>
-              <a:rPr lang="en-US" altLang="zh-CN" dirty="0" smtClean="0"/>
-              <a:t>3.9</a:t>
-            </a:r>
-            <a:r>
-              <a:rPr lang="zh-CN" altLang="en-US" dirty="0"/>
+              <a:rPr lang="zh-CN" altLang="en-US" b="0" dirty="0"/>
               <a:t>绑定运营者微信号</a:t>
             </a:r>
           </a:p>
@@ -15312,16 +14952,12 @@
               </a:lnSpc>
             </a:pPr>
             <a:r>
-              <a:rPr lang="zh-CN" altLang="en-US" sz="2400" dirty="0" smtClean="0">
+              <a:rPr lang="zh-CN" altLang="en-US" sz="2400" dirty="0">
                 <a:latin typeface="微软雅黑" panose="020B0503020204020204" pitchFamily="34" charset="-122"/>
                 <a:ea typeface="微软雅黑" panose="020B0503020204020204" pitchFamily="34" charset="-122"/>
               </a:rPr>
               <a:t>运营者微信号分为长期和短期，主要用于登录以及群发消息。</a:t>
             </a:r>
-            <a:endParaRPr lang="zh-CN" altLang="en-US" sz="2400" dirty="0">
-              <a:latin typeface="微软雅黑" panose="020B0503020204020204" pitchFamily="34" charset="-122"/>
-              <a:ea typeface="微软雅黑" panose="020B0503020204020204" pitchFamily="34" charset="-122"/>
-            </a:endParaRPr>
           </a:p>
         </p:txBody>
       </p:sp>
@@ -15335,171 +14971,10 @@
   <p:clrMapOvr>
     <a:masterClrMapping/>
   </p:clrMapOvr>
-  <p:timing>
-    <p:tnLst>
-      <p:par>
-        <p:cTn id="1" dur="indefinite" restart="never" nodeType="tmRoot"/>
-      </p:par>
-    </p:tnLst>
-  </p:timing>
 </p:sld>
 </file>
 
 <file path=ppt/slides/slide22.xml><?xml version="1.0" encoding="utf-8"?>
-<p:sld xmlns:a="http://schemas.openxmlformats.org/drawingml/2006/main" xmlns:r="http://schemas.openxmlformats.org/officeDocument/2006/relationships" xmlns:p="http://schemas.openxmlformats.org/presentationml/2006/main">
-  <p:cSld>
-    <p:spTree>
-      <p:nvGrpSpPr>
-        <p:cNvPr id="1" name=""/>
-        <p:cNvGrpSpPr/>
-        <p:nvPr/>
-      </p:nvGrpSpPr>
-      <p:grpSpPr>
-        <a:xfrm>
-          <a:off x="0" y="0"/>
-          <a:ext cx="0" cy="0"/>
-          <a:chOff x="0" y="0"/>
-          <a:chExt cx="0" cy="0"/>
-        </a:xfrm>
-      </p:grpSpPr>
-      <p:sp>
-        <p:nvSpPr>
-          <p:cNvPr id="2" name="内容占位符 1"/>
-          <p:cNvSpPr>
-            <a:spLocks noGrp="1"/>
-          </p:cNvSpPr>
-          <p:nvPr>
-            <p:ph sz="quarter" idx="13"/>
-          </p:nvPr>
-        </p:nvSpPr>
-        <p:spPr/>
-        <p:txBody>
-          <a:bodyPr/>
-          <a:lstStyle/>
-          <a:p>
-            <a:r>
-              <a:rPr lang="zh-CN" altLang="en-US" dirty="0"/>
-              <a:t>下次课程</a:t>
-            </a:r>
-          </a:p>
-        </p:txBody>
-      </p:sp>
-      <p:sp>
-        <p:nvSpPr>
-          <p:cNvPr id="4" name="文本框 3"/>
-          <p:cNvSpPr txBox="1"/>
-          <p:nvPr/>
-        </p:nvSpPr>
-        <p:spPr>
-          <a:xfrm>
-            <a:off x="1271588" y="1771650"/>
-            <a:ext cx="9972675" cy="2862322"/>
-          </a:xfrm>
-          <a:prstGeom prst="rect">
-            <a:avLst/>
-          </a:prstGeom>
-          <a:noFill/>
-        </p:spPr>
-        <p:txBody>
-          <a:bodyPr wrap="square" rtlCol="0">
-            <a:spAutoFit/>
-          </a:bodyPr>
-          <a:lstStyle/>
-          <a:p>
-            <a:pPr>
-              <a:lnSpc>
-                <a:spcPct val="150000"/>
-              </a:lnSpc>
-            </a:pPr>
-            <a:r>
-              <a:rPr lang="zh-CN" altLang="en-US" sz="2400" dirty="0" smtClean="0">
-                <a:latin typeface="微软雅黑" panose="020B0503020204020204" pitchFamily="34" charset="-122"/>
-                <a:ea typeface="微软雅黑" panose="020B0503020204020204" pitchFamily="34" charset="-122"/>
-              </a:rPr>
-              <a:t>￭购买服务器和域名</a:t>
-            </a:r>
-            <a:endParaRPr lang="en-US" altLang="zh-CN" sz="2400" dirty="0" smtClean="0">
-              <a:latin typeface="微软雅黑" panose="020B0503020204020204" pitchFamily="34" charset="-122"/>
-              <a:ea typeface="微软雅黑" panose="020B0503020204020204" pitchFamily="34" charset="-122"/>
-            </a:endParaRPr>
-          </a:p>
-          <a:p>
-            <a:pPr>
-              <a:lnSpc>
-                <a:spcPct val="150000"/>
-              </a:lnSpc>
-            </a:pPr>
-            <a:r>
-              <a:rPr lang="zh-CN" altLang="en-US" sz="2400" dirty="0" smtClean="0">
-                <a:latin typeface="微软雅黑" panose="020B0503020204020204" pitchFamily="34" charset="-122"/>
-                <a:ea typeface="微软雅黑" panose="020B0503020204020204" pitchFamily="34" charset="-122"/>
-              </a:rPr>
-              <a:t>￭了解服务器环境，配置服务器</a:t>
-            </a:r>
-            <a:endParaRPr lang="en-US" altLang="zh-CN" sz="2400" dirty="0" smtClean="0">
-              <a:latin typeface="微软雅黑" panose="020B0503020204020204" pitchFamily="34" charset="-122"/>
-              <a:ea typeface="微软雅黑" panose="020B0503020204020204" pitchFamily="34" charset="-122"/>
-            </a:endParaRPr>
-          </a:p>
-          <a:p>
-            <a:pPr>
-              <a:lnSpc>
-                <a:spcPct val="150000"/>
-              </a:lnSpc>
-            </a:pPr>
-            <a:r>
-              <a:rPr lang="zh-CN" altLang="en-US" sz="2400" dirty="0" smtClean="0">
-                <a:latin typeface="微软雅黑" panose="020B0503020204020204" pitchFamily="34" charset="-122"/>
-                <a:ea typeface="微软雅黑" panose="020B0503020204020204" pitchFamily="34" charset="-122"/>
-              </a:rPr>
-              <a:t>￭搭建微信开发环境</a:t>
-            </a:r>
-            <a:endParaRPr lang="en-US" altLang="zh-CN" sz="2400" dirty="0" smtClean="0">
-              <a:latin typeface="微软雅黑" panose="020B0503020204020204" pitchFamily="34" charset="-122"/>
-              <a:ea typeface="微软雅黑" panose="020B0503020204020204" pitchFamily="34" charset="-122"/>
-            </a:endParaRPr>
-          </a:p>
-          <a:p>
-            <a:pPr>
-              <a:lnSpc>
-                <a:spcPct val="150000"/>
-              </a:lnSpc>
-            </a:pPr>
-            <a:r>
-              <a:rPr lang="zh-CN" altLang="en-US" sz="2400" dirty="0" smtClean="0">
-                <a:latin typeface="微软雅黑" panose="020B0503020204020204" pitchFamily="34" charset="-122"/>
-                <a:ea typeface="微软雅黑" panose="020B0503020204020204" pitchFamily="34" charset="-122"/>
-              </a:rPr>
-              <a:t>学生提前准备：使用学生证购买阿里云主机或者是腾讯云主机，并申请免费域名绑定到云主机。</a:t>
-            </a:r>
-            <a:endParaRPr lang="zh-CN" altLang="en-US" sz="2400" dirty="0">
-              <a:latin typeface="微软雅黑" panose="020B0503020204020204" pitchFamily="34" charset="-122"/>
-              <a:ea typeface="微软雅黑" panose="020B0503020204020204" pitchFamily="34" charset="-122"/>
-            </a:endParaRPr>
-          </a:p>
-        </p:txBody>
-      </p:sp>
-    </p:spTree>
-    <p:extLst>
-      <p:ext uri="{BB962C8B-B14F-4D97-AF65-F5344CB8AC3E}">
-        <p14:creationId xmlns:p14="http://schemas.microsoft.com/office/powerpoint/2010/main" val="1028671570"/>
-      </p:ext>
-    </p:extLst>
-  </p:cSld>
-  <p:clrMapOvr>
-    <a:masterClrMapping/>
-  </p:clrMapOvr>
-  <p:timing>
-    <p:tnLst>
-      <p:par>
-        <p:cTn id="1" dur="indefinite" restart="never" nodeType="tmRoot"/>
-      </p:par>
-    </p:tnLst>
-  </p:timing>
-</p:sld>
-</file>
-
-<file path=ppt/slides/slide23.xml><?xml version="1.0" encoding="utf-8"?>
 <p:sld xmlns:a="http://schemas.openxmlformats.org/drawingml/2006/main" xmlns:r="http://schemas.openxmlformats.org/officeDocument/2006/relationships" xmlns:p="http://schemas.openxmlformats.org/presentationml/2006/main">
   <p:cSld>
     <p:spTree>
@@ -16197,13 +15672,6 @@
   <p:clrMapOvr>
     <a:masterClrMapping/>
   </p:clrMapOvr>
-  <p:timing>
-    <p:tnLst>
-      <p:par>
-        <p:cTn id="1" dur="indefinite" restart="never" nodeType="tmRoot"/>
-      </p:par>
-    </p:tnLst>
-  </p:timing>
 </p:sld>
 </file>
 
@@ -16240,10 +15708,9 @@
           <a:lstStyle/>
           <a:p>
             <a:r>
-              <a:rPr lang="zh-CN" altLang="en-US" dirty="0" smtClean="0"/>
+              <a:rPr lang="zh-CN" altLang="en-US" b="0" dirty="0"/>
               <a:t>本次课程目录</a:t>
             </a:r>
-            <a:endParaRPr lang="zh-CN" altLang="en-US" dirty="0"/>
           </a:p>
         </p:txBody>
       </p:sp>
@@ -16255,8 +15722,8 @@
         </p:nvSpPr>
         <p:spPr>
           <a:xfrm>
-            <a:off x="1054100" y="2057401"/>
-            <a:ext cx="10775950" cy="3693319"/>
+            <a:off x="4121764" y="2372033"/>
+            <a:ext cx="4422468" cy="2585323"/>
           </a:xfrm>
           <a:prstGeom prst="rect">
             <a:avLst/>
@@ -16275,13 +15742,13 @@
               </a:lnSpc>
             </a:pPr>
             <a:r>
-              <a:rPr lang="zh-CN" altLang="en-US" sz="3600" dirty="0" smtClean="0">
+              <a:rPr lang="zh-CN" altLang="en-US" sz="2400" dirty="0">
                 <a:latin typeface="微软雅黑" panose="020B0503020204020204" pitchFamily="34" charset="-122"/>
                 <a:ea typeface="微软雅黑" panose="020B0503020204020204" pitchFamily="34" charset="-122"/>
               </a:rPr>
-              <a:t>一、公众号基础信息</a:t>
-            </a:r>
-            <a:endParaRPr lang="en-US" altLang="zh-CN" sz="3600" dirty="0">
+              <a:t>一、公众号基础</a:t>
+            </a:r>
+            <a:endParaRPr lang="en-US" altLang="zh-CN" sz="2400" dirty="0">
               <a:latin typeface="微软雅黑" panose="020B0503020204020204" pitchFamily="34" charset="-122"/>
               <a:ea typeface="微软雅黑" panose="020B0503020204020204" pitchFamily="34" charset="-122"/>
             </a:endParaRPr>
@@ -16293,13 +15760,13 @@
               </a:lnSpc>
             </a:pPr>
             <a:r>
-              <a:rPr lang="zh-CN" altLang="en-US" sz="3600" dirty="0" smtClean="0">
+              <a:rPr lang="zh-CN" altLang="en-US" sz="2400" dirty="0">
                 <a:latin typeface="微软雅黑" panose="020B0503020204020204" pitchFamily="34" charset="-122"/>
                 <a:ea typeface="微软雅黑" panose="020B0503020204020204" pitchFamily="34" charset="-122"/>
               </a:rPr>
               <a:t>二、申请注册个人公众号</a:t>
             </a:r>
-            <a:endParaRPr lang="en-US" altLang="zh-CN" sz="3600" dirty="0" smtClean="0">
+            <a:endParaRPr lang="en-US" altLang="zh-CN" sz="2400" dirty="0">
               <a:latin typeface="微软雅黑" panose="020B0503020204020204" pitchFamily="34" charset="-122"/>
               <a:ea typeface="微软雅黑" panose="020B0503020204020204" pitchFamily="34" charset="-122"/>
             </a:endParaRPr>
@@ -16311,13 +15778,13 @@
               </a:lnSpc>
             </a:pPr>
             <a:r>
-              <a:rPr lang="zh-CN" altLang="en-US" sz="3600" dirty="0" smtClean="0">
+              <a:rPr lang="zh-CN" altLang="en-US" sz="2400" dirty="0">
                 <a:latin typeface="微软雅黑" panose="020B0503020204020204" pitchFamily="34" charset="-122"/>
                 <a:ea typeface="微软雅黑" panose="020B0503020204020204" pitchFamily="34" charset="-122"/>
               </a:rPr>
               <a:t>三、公众号基本使用</a:t>
             </a:r>
-            <a:endParaRPr lang="en-US" altLang="zh-CN" sz="3600" dirty="0" smtClean="0">
+            <a:endParaRPr lang="en-US" altLang="zh-CN" sz="2400" dirty="0">
               <a:latin typeface="微软雅黑" panose="020B0503020204020204" pitchFamily="34" charset="-122"/>
               <a:ea typeface="微软雅黑" panose="020B0503020204020204" pitchFamily="34" charset="-122"/>
             </a:endParaRPr>
@@ -16340,13 +15807,6 @@
   <p:clrMapOvr>
     <a:masterClrMapping/>
   </p:clrMapOvr>
-  <p:timing>
-    <p:tnLst>
-      <p:par>
-        <p:cTn id="1" dur="indefinite" restart="never" nodeType="tmRoot"/>
-      </p:par>
-    </p:tnLst>
-  </p:timing>
 </p:sld>
 </file>
 
@@ -16388,23 +15848,28 @@
           <a:lstStyle/>
           <a:p>
             <a:r>
-              <a:rPr lang="zh-CN" altLang="en-US" dirty="0" smtClean="0"/>
-              <a:t>第一节 公众号基础信息</a:t>
-            </a:r>
-            <a:endParaRPr lang="zh-CN" altLang="en-US" dirty="0"/>
-          </a:p>
-        </p:txBody>
-      </p:sp>
-      <p:sp>
-        <p:nvSpPr>
-          <p:cNvPr id="4" name="文本框 3"/>
+              <a:rPr lang="zh-CN" altLang="en-US" b="0" dirty="0"/>
+              <a:t>第一讲</a:t>
+            </a:r>
+          </a:p>
+        </p:txBody>
+      </p:sp>
+      <p:sp>
+        <p:nvSpPr>
+          <p:cNvPr id="5" name="文本框 4">
+            <a:extLst>
+              <a:ext uri="{FF2B5EF4-FFF2-40B4-BE49-F238E27FC236}">
+                <a16:creationId xmlns:a16="http://schemas.microsoft.com/office/drawing/2014/main" id="{09CF37F0-D486-445A-BE77-5873D1FB7B70}"/>
+              </a:ext>
+            </a:extLst>
+          </p:cNvPr>
           <p:cNvSpPr txBox="1"/>
           <p:nvPr/>
         </p:nvSpPr>
         <p:spPr>
           <a:xfrm>
-            <a:off x="1054099" y="2014538"/>
-            <a:ext cx="6815138" cy="2215991"/>
+            <a:off x="4121764" y="2372033"/>
+            <a:ext cx="4422468" cy="2339102"/>
           </a:xfrm>
           <a:prstGeom prst="rect">
             <a:avLst/>
@@ -16417,113 +15882,79 @@
           </a:bodyPr>
           <a:lstStyle/>
           <a:p>
-            <a:pPr>
+            <a:pPr marL="514350" indent="-514350">
               <a:lnSpc>
-                <a:spcPct val="150000"/>
+                <a:spcPct val="200000"/>
               </a:lnSpc>
+              <a:buFont typeface="+mj-ea"/>
+              <a:buAutoNum type="ea1JpnChsDbPeriod"/>
             </a:pPr>
             <a:r>
-              <a:rPr lang="en-US" altLang="zh-CN" sz="2000" dirty="0" smtClean="0">
+              <a:rPr lang="zh-CN" altLang="en-US" sz="2400" dirty="0">
+                <a:solidFill>
+                  <a:schemeClr val="accent6">
+                    <a:lumMod val="75000"/>
+                  </a:schemeClr>
+                </a:solidFill>
                 <a:latin typeface="微软雅黑" panose="020B0503020204020204" pitchFamily="34" charset="-122"/>
                 <a:ea typeface="微软雅黑" panose="020B0503020204020204" pitchFamily="34" charset="-122"/>
               </a:rPr>
-              <a:t>1.1 </a:t>
-            </a:r>
-            <a:r>
-              <a:rPr lang="zh-CN" altLang="en-US" sz="2000" dirty="0" smtClean="0">
-                <a:latin typeface="微软雅黑" panose="020B0503020204020204" pitchFamily="34" charset="-122"/>
-                <a:ea typeface="微软雅黑" panose="020B0503020204020204" pitchFamily="34" charset="-122"/>
-              </a:rPr>
-              <a:t>公众号基本介绍</a:t>
-            </a:r>
-            <a:endParaRPr lang="en-US" altLang="zh-CN" sz="2000" dirty="0" smtClean="0">
+              <a:t>公众号基础</a:t>
+            </a:r>
+            <a:endParaRPr lang="en-US" altLang="zh-CN" sz="2400" dirty="0">
+              <a:solidFill>
+                <a:schemeClr val="accent6">
+                  <a:lumMod val="75000"/>
+                </a:schemeClr>
+              </a:solidFill>
               <a:latin typeface="微软雅黑" panose="020B0503020204020204" pitchFamily="34" charset="-122"/>
               <a:ea typeface="微软雅黑" panose="020B0503020204020204" pitchFamily="34" charset="-122"/>
             </a:endParaRPr>
           </a:p>
           <a:p>
-            <a:pPr>
+            <a:pPr marL="514350" indent="-514350">
               <a:lnSpc>
-                <a:spcPct val="150000"/>
+                <a:spcPct val="200000"/>
               </a:lnSpc>
+              <a:buFont typeface="+mj-ea"/>
+              <a:buAutoNum type="ea1JpnChsDbPeriod"/>
             </a:pPr>
-            <a:r>
-              <a:rPr lang="en-US" altLang="zh-CN" sz="2000" dirty="0" smtClean="0">
-                <a:latin typeface="微软雅黑" panose="020B0503020204020204" pitchFamily="34" charset="-122"/>
-                <a:ea typeface="微软雅黑" panose="020B0503020204020204" pitchFamily="34" charset="-122"/>
-              </a:rPr>
-              <a:t>1.2 </a:t>
-            </a:r>
-            <a:r>
-              <a:rPr lang="zh-CN" altLang="en-US" sz="2000" dirty="0" smtClean="0">
-                <a:latin typeface="微软雅黑" panose="020B0503020204020204" pitchFamily="34" charset="-122"/>
-                <a:ea typeface="微软雅黑" panose="020B0503020204020204" pitchFamily="34" charset="-122"/>
-              </a:rPr>
-              <a:t>公众号几种类型的区别</a:t>
-            </a:r>
-            <a:endParaRPr lang="en-US" altLang="zh-CN" sz="2000" dirty="0" smtClean="0">
-              <a:latin typeface="微软雅黑" panose="020B0503020204020204" pitchFamily="34" charset="-122"/>
-              <a:ea typeface="微软雅黑" panose="020B0503020204020204" pitchFamily="34" charset="-122"/>
-            </a:endParaRPr>
-          </a:p>
-          <a:p>
-            <a:pPr>
-              <a:lnSpc>
-                <a:spcPct val="150000"/>
-              </a:lnSpc>
-            </a:pPr>
-            <a:r>
-              <a:rPr lang="en-US" altLang="zh-CN" sz="2000" dirty="0" smtClean="0">
-                <a:latin typeface="微软雅黑" panose="020B0503020204020204" pitchFamily="34" charset="-122"/>
-                <a:ea typeface="微软雅黑" panose="020B0503020204020204" pitchFamily="34" charset="-122"/>
-              </a:rPr>
-              <a:t>1.3 </a:t>
-            </a:r>
             <a:r>
               <a:rPr lang="zh-CN" altLang="en-US" sz="2000" dirty="0">
                 <a:latin typeface="微软雅黑" panose="020B0503020204020204" pitchFamily="34" charset="-122"/>
                 <a:ea typeface="微软雅黑" panose="020B0503020204020204" pitchFamily="34" charset="-122"/>
               </a:rPr>
-              <a:t>微</a:t>
-            </a:r>
-            <a:r>
-              <a:rPr lang="zh-CN" altLang="en-US" sz="2000" dirty="0" smtClean="0">
+              <a:t>申请注册个人公众号</a:t>
+            </a:r>
+            <a:endParaRPr lang="en-US" altLang="zh-CN" sz="2000" dirty="0">
+              <a:latin typeface="微软雅黑" panose="020B0503020204020204" pitchFamily="34" charset="-122"/>
+              <a:ea typeface="微软雅黑" panose="020B0503020204020204" pitchFamily="34" charset="-122"/>
+            </a:endParaRPr>
+          </a:p>
+          <a:p>
+            <a:pPr marL="514350" indent="-514350">
+              <a:lnSpc>
+                <a:spcPct val="200000"/>
+              </a:lnSpc>
+              <a:buFont typeface="+mj-ea"/>
+              <a:buAutoNum type="ea1JpnChsDbPeriod"/>
+            </a:pPr>
+            <a:r>
+              <a:rPr lang="zh-CN" altLang="en-US" sz="2000" dirty="0">
                 <a:latin typeface="微软雅黑" panose="020B0503020204020204" pitchFamily="34" charset="-122"/>
                 <a:ea typeface="微软雅黑" panose="020B0503020204020204" pitchFamily="34" charset="-122"/>
               </a:rPr>
-              <a:t>信小程序</a:t>
-            </a:r>
-            <a:endParaRPr lang="en-US" altLang="zh-CN" sz="2000" dirty="0" smtClean="0">
+              <a:t>公众号基本使用</a:t>
+            </a:r>
+            <a:endParaRPr lang="en-US" altLang="zh-CN" sz="2000" dirty="0">
               <a:latin typeface="微软雅黑" panose="020B0503020204020204" pitchFamily="34" charset="-122"/>
               <a:ea typeface="微软雅黑" panose="020B0503020204020204" pitchFamily="34" charset="-122"/>
             </a:endParaRPr>
           </a:p>
           <a:p>
-            <a:pPr>
-              <a:lnSpc>
-                <a:spcPct val="150000"/>
-              </a:lnSpc>
+            <a:pPr marL="342900" indent="-342900">
+              <a:buAutoNum type="arabicPeriod"/>
             </a:pPr>
-            <a:r>
-              <a:rPr lang="en-US" altLang="zh-CN" sz="2000" dirty="0" smtClean="0">
-                <a:latin typeface="微软雅黑" panose="020B0503020204020204" pitchFamily="34" charset="-122"/>
-                <a:ea typeface="微软雅黑" panose="020B0503020204020204" pitchFamily="34" charset="-122"/>
-              </a:rPr>
-              <a:t>1.4 </a:t>
-            </a:r>
-            <a:r>
-              <a:rPr lang="zh-CN" altLang="en-US" sz="2000" dirty="0" smtClean="0">
-                <a:latin typeface="微软雅黑" panose="020B0503020204020204" pitchFamily="34" charset="-122"/>
-                <a:ea typeface="微软雅黑" panose="020B0503020204020204" pitchFamily="34" charset="-122"/>
-              </a:rPr>
-              <a:t>公众号认证</a:t>
-            </a:r>
-            <a:endParaRPr lang="en-US" altLang="zh-CN" sz="2000" dirty="0" smtClean="0">
-              <a:latin typeface="微软雅黑" panose="020B0503020204020204" pitchFamily="34" charset="-122"/>
-              <a:ea typeface="微软雅黑" panose="020B0503020204020204" pitchFamily="34" charset="-122"/>
-            </a:endParaRPr>
-          </a:p>
-          <a:p>
             <a:endParaRPr lang="zh-CN" altLang="en-US" dirty="0"/>
           </a:p>
         </p:txBody>
@@ -16538,13 +15969,6 @@
   <p:clrMapOvr>
     <a:masterClrMapping/>
   </p:clrMapOvr>
-  <p:timing>
-    <p:tnLst>
-      <p:par>
-        <p:cTn id="1" dur="indefinite" restart="never" nodeType="tmRoot"/>
-      </p:par>
-    </p:tnLst>
-  </p:timing>
 </p:sld>
 </file>
 
@@ -16575,20 +15999,20 @@
             <p:ph sz="quarter" idx="15"/>
           </p:nvPr>
         </p:nvSpPr>
-        <p:spPr/>
+        <p:spPr>
+          <a:xfrm>
+            <a:off x="917622" y="516340"/>
+            <a:ext cx="5601165" cy="685800"/>
+          </a:xfrm>
+        </p:spPr>
         <p:txBody>
           <a:bodyPr/>
           <a:lstStyle/>
           <a:p>
             <a:r>
-              <a:rPr lang="en-US" altLang="zh-CN" dirty="0" smtClean="0"/>
-              <a:t>1.1</a:t>
-            </a:r>
-            <a:r>
-              <a:rPr lang="zh-CN" altLang="en-US" dirty="0" smtClean="0"/>
+              <a:rPr lang="zh-CN" altLang="en-US" b="0" dirty="0"/>
               <a:t>公众号基本介绍</a:t>
             </a:r>
-            <a:endParaRPr lang="zh-CN" altLang="en-US" dirty="0"/>
           </a:p>
         </p:txBody>
       </p:sp>
@@ -16620,13 +16044,13 @@
               </a:lnSpc>
             </a:pPr>
             <a:r>
-              <a:rPr lang="zh-CN" altLang="en-US" sz="2400" dirty="0" smtClean="0">
+              <a:rPr lang="zh-CN" altLang="en-US" sz="2400" dirty="0">
                 <a:latin typeface="微软雅黑" panose="020B0503020204020204" pitchFamily="34" charset="-122"/>
                 <a:ea typeface="微软雅黑" panose="020B0503020204020204" pitchFamily="34" charset="-122"/>
               </a:rPr>
               <a:t>微信公众平台，简称公众号。用于聚集一批用户，并向他们推送消息，展示产品。也可以用于一般的业务操作。需要微信用户去手动关注。</a:t>
             </a:r>
-            <a:endParaRPr lang="en-US" altLang="zh-CN" sz="2400" dirty="0" smtClean="0">
+            <a:endParaRPr lang="en-US" altLang="zh-CN" sz="2400" dirty="0">
               <a:latin typeface="微软雅黑" panose="020B0503020204020204" pitchFamily="34" charset="-122"/>
               <a:ea typeface="微软雅黑" panose="020B0503020204020204" pitchFamily="34" charset="-122"/>
             </a:endParaRPr>
@@ -16649,27 +16073,27 @@
               </a:lnSpc>
             </a:pPr>
             <a:r>
-              <a:rPr lang="zh-CN" altLang="en-US" sz="2400" dirty="0" smtClean="0">
+              <a:rPr lang="zh-CN" altLang="en-US" sz="2400" dirty="0">
                 <a:latin typeface="微软雅黑" panose="020B0503020204020204" pitchFamily="34" charset="-122"/>
                 <a:ea typeface="微软雅黑" panose="020B0503020204020204" pitchFamily="34" charset="-122"/>
               </a:rPr>
               <a:t>目前公众号分为</a:t>
             </a:r>
             <a:r>
-              <a:rPr lang="en-US" altLang="zh-CN" sz="2400" dirty="0" smtClean="0">
+              <a:rPr lang="en-US" altLang="zh-CN" sz="2400" dirty="0">
                 <a:latin typeface="微软雅黑" panose="020B0503020204020204" pitchFamily="34" charset="-122"/>
                 <a:ea typeface="微软雅黑" panose="020B0503020204020204" pitchFamily="34" charset="-122"/>
               </a:rPr>
               <a:t>4</a:t>
             </a:r>
             <a:r>
-              <a:rPr lang="zh-CN" altLang="en-US" sz="2400" dirty="0" smtClean="0">
+              <a:rPr lang="zh-CN" altLang="en-US" sz="2400" dirty="0">
                 <a:latin typeface="微软雅黑" panose="020B0503020204020204" pitchFamily="34" charset="-122"/>
                 <a:ea typeface="微软雅黑" panose="020B0503020204020204" pitchFamily="34" charset="-122"/>
               </a:rPr>
               <a:t>类：订阅号；服务号；企业号；小程序。几个公众号之间相互独立，注册完成后类型不能更改。</a:t>
             </a:r>
-            <a:endParaRPr lang="en-US" altLang="zh-CN" sz="2400" dirty="0" smtClean="0">
+            <a:endParaRPr lang="en-US" altLang="zh-CN" sz="2400" dirty="0">
               <a:latin typeface="微软雅黑" panose="020B0503020204020204" pitchFamily="34" charset="-122"/>
               <a:ea typeface="微软雅黑" panose="020B0503020204020204" pitchFamily="34" charset="-122"/>
             </a:endParaRPr>
@@ -16692,13 +16116,6 @@
   <p:clrMapOvr>
     <a:masterClrMapping/>
   </p:clrMapOvr>
-  <p:timing>
-    <p:tnLst>
-      <p:par>
-        <p:cTn id="1" dur="indefinite" restart="never" nodeType="tmRoot"/>
-      </p:par>
-    </p:tnLst>
-  </p:timing>
 </p:sld>
 </file>
 
@@ -16740,14 +16157,9 @@
           <a:lstStyle/>
           <a:p>
             <a:r>
-              <a:rPr lang="en-US" altLang="zh-CN" dirty="0" smtClean="0"/>
-              <a:t>1.2</a:t>
-            </a:r>
-            <a:r>
-              <a:rPr lang="zh-CN" altLang="en-US" dirty="0" smtClean="0"/>
+              <a:rPr lang="zh-CN" altLang="en-US" b="0" dirty="0"/>
               <a:t>公众号几种类型的区别</a:t>
             </a:r>
-            <a:endParaRPr lang="zh-CN" altLang="en-US" dirty="0"/>
           </a:p>
         </p:txBody>
       </p:sp>
@@ -16776,10 +16188,34 @@
                 <a:tableStyleId>{5C22544A-7EE6-4342-B048-85BDC9FD1C3A}</a:tableStyleId>
               </a:tblPr>
               <a:tblGrid>
-                <a:gridCol w="3048000"/>
-                <a:gridCol w="3048000"/>
-                <a:gridCol w="3048000"/>
-                <a:gridCol w="3048000"/>
+                <a:gridCol w="3048000">
+                  <a:extLst>
+                    <a:ext uri="{9D8B030D-6E8A-4147-A177-3AD203B41FA5}">
+                      <a16:colId xmlns:a16="http://schemas.microsoft.com/office/drawing/2014/main" val="20000"/>
+                    </a:ext>
+                  </a:extLst>
+                </a:gridCol>
+                <a:gridCol w="3048000">
+                  <a:extLst>
+                    <a:ext uri="{9D8B030D-6E8A-4147-A177-3AD203B41FA5}">
+                      <a16:colId xmlns:a16="http://schemas.microsoft.com/office/drawing/2014/main" val="20001"/>
+                    </a:ext>
+                  </a:extLst>
+                </a:gridCol>
+                <a:gridCol w="3048000">
+                  <a:extLst>
+                    <a:ext uri="{9D8B030D-6E8A-4147-A177-3AD203B41FA5}">
+                      <a16:colId xmlns:a16="http://schemas.microsoft.com/office/drawing/2014/main" val="20002"/>
+                    </a:ext>
+                  </a:extLst>
+                </a:gridCol>
+                <a:gridCol w="3048000">
+                  <a:extLst>
+                    <a:ext uri="{9D8B030D-6E8A-4147-A177-3AD203B41FA5}">
+                      <a16:colId xmlns:a16="http://schemas.microsoft.com/office/drawing/2014/main" val="20003"/>
+                    </a:ext>
+                  </a:extLst>
+                </a:gridCol>
               </a:tblGrid>
               <a:tr h="680509">
                 <a:tc>
@@ -16800,10 +16236,9 @@
                     <a:p>
                       <a:pPr algn="ctr"/>
                       <a:r>
-                        <a:rPr lang="zh-CN" altLang="en-US" dirty="0" smtClean="0"/>
+                        <a:rPr lang="zh-CN" altLang="en-US" dirty="0"/>
                         <a:t>订阅号</a:t>
                       </a:r>
-                      <a:endParaRPr lang="zh-CN" altLang="en-US" dirty="0"/>
                     </a:p>
                   </a:txBody>
                   <a:tcPr anchor="ctr"/>
@@ -16815,10 +16250,9 @@
                     <a:p>
                       <a:pPr algn="ctr"/>
                       <a:r>
-                        <a:rPr lang="zh-CN" altLang="en-US" dirty="0" smtClean="0"/>
+                        <a:rPr lang="zh-CN" altLang="en-US" dirty="0"/>
                         <a:t>服务号</a:t>
                       </a:r>
-                      <a:endParaRPr lang="zh-CN" altLang="en-US" dirty="0"/>
                     </a:p>
                   </a:txBody>
                   <a:tcPr anchor="ctr"/>
@@ -16830,14 +16264,18 @@
                     <a:p>
                       <a:pPr algn="ctr"/>
                       <a:r>
-                        <a:rPr lang="zh-CN" altLang="en-US" dirty="0" smtClean="0"/>
+                        <a:rPr lang="zh-CN" altLang="en-US" dirty="0"/>
                         <a:t>企业号</a:t>
                       </a:r>
-                      <a:endParaRPr lang="zh-CN" altLang="en-US" dirty="0"/>
                     </a:p>
                   </a:txBody>
                   <a:tcPr anchor="ctr"/>
                 </a:tc>
+                <a:extLst>
+                  <a:ext uri="{0D108BD9-81ED-4DB2-BD59-A6C34878D82A}">
+                    <a16:rowId xmlns:a16="http://schemas.microsoft.com/office/drawing/2014/main" val="10000"/>
+                  </a:ext>
+                </a:extLst>
               </a:tr>
               <a:tr h="688976">
                 <a:tc>
@@ -16847,10 +16285,9 @@
                     <a:p>
                       <a:pPr algn="ctr"/>
                       <a:r>
-                        <a:rPr lang="zh-CN" altLang="en-US" dirty="0" smtClean="0"/>
+                        <a:rPr lang="zh-CN" altLang="en-US" dirty="0"/>
                         <a:t>适用人群</a:t>
                       </a:r>
-                      <a:endParaRPr lang="zh-CN" altLang="en-US" dirty="0"/>
                     </a:p>
                   </a:txBody>
                   <a:tcPr anchor="ctr"/>
@@ -16862,10 +16299,9 @@
                     <a:p>
                       <a:pPr algn="ctr"/>
                       <a:r>
-                        <a:rPr lang="zh-CN" altLang="en-US" dirty="0" smtClean="0"/>
+                        <a:rPr lang="zh-CN" altLang="en-US" dirty="0"/>
                         <a:t>个人或组织</a:t>
                       </a:r>
-                      <a:endParaRPr lang="zh-CN" altLang="en-US" dirty="0"/>
                     </a:p>
                   </a:txBody>
                   <a:tcPr anchor="ctr"/>
@@ -16877,10 +16313,9 @@
                     <a:p>
                       <a:pPr algn="ctr"/>
                       <a:r>
-                        <a:rPr lang="zh-CN" altLang="en-US" dirty="0" smtClean="0"/>
+                        <a:rPr lang="zh-CN" altLang="en-US" dirty="0"/>
                         <a:t>企业或组织</a:t>
                       </a:r>
-                      <a:endParaRPr lang="zh-CN" altLang="en-US" dirty="0"/>
                     </a:p>
                   </a:txBody>
                   <a:tcPr anchor="ctr"/>
@@ -16892,14 +16327,18 @@
                     <a:p>
                       <a:pPr algn="ctr"/>
                       <a:r>
-                        <a:rPr lang="zh-CN" altLang="en-US" dirty="0" smtClean="0"/>
+                        <a:rPr lang="zh-CN" altLang="en-US" dirty="0"/>
                         <a:t>政府机构，企业，组织</a:t>
                       </a:r>
-                      <a:endParaRPr lang="zh-CN" altLang="en-US" dirty="0"/>
                     </a:p>
                   </a:txBody>
                   <a:tcPr anchor="ctr"/>
                 </a:tc>
+                <a:extLst>
+                  <a:ext uri="{0D108BD9-81ED-4DB2-BD59-A6C34878D82A}">
+                    <a16:rowId xmlns:a16="http://schemas.microsoft.com/office/drawing/2014/main" val="10001"/>
+                  </a:ext>
+                </a:extLst>
               </a:tr>
               <a:tr h="539749">
                 <a:tc>
@@ -16909,10 +16348,9 @@
                     <a:p>
                       <a:pPr algn="ctr"/>
                       <a:r>
-                        <a:rPr lang="zh-CN" altLang="en-US" dirty="0" smtClean="0"/>
+                        <a:rPr lang="zh-CN" altLang="en-US" dirty="0"/>
                         <a:t>消息推送</a:t>
                       </a:r>
-                      <a:endParaRPr lang="zh-CN" altLang="en-US" dirty="0"/>
                     </a:p>
                   </a:txBody>
                   <a:tcPr anchor="ctr"/>
@@ -16924,10 +16362,9 @@
                     <a:p>
                       <a:pPr algn="ctr"/>
                       <a:r>
-                        <a:rPr lang="zh-CN" altLang="en-US" dirty="0" smtClean="0"/>
+                        <a:rPr lang="zh-CN" altLang="en-US" dirty="0"/>
                         <a:t>每天一条</a:t>
                       </a:r>
-                      <a:endParaRPr lang="zh-CN" altLang="en-US" dirty="0"/>
                     </a:p>
                   </a:txBody>
                   <a:tcPr anchor="ctr"/>
@@ -16939,18 +16376,17 @@
                     <a:p>
                       <a:pPr algn="ctr"/>
                       <a:r>
-                        <a:rPr lang="zh-CN" altLang="en-US" dirty="0" smtClean="0"/>
+                        <a:rPr lang="zh-CN" altLang="en-US" dirty="0"/>
                         <a:t>每月</a:t>
                       </a:r>
                       <a:r>
-                        <a:rPr lang="en-US" altLang="zh-CN" dirty="0" smtClean="0"/>
+                        <a:rPr lang="en-US" altLang="zh-CN" dirty="0"/>
                         <a:t>4</a:t>
                       </a:r>
                       <a:r>
-                        <a:rPr lang="zh-CN" altLang="en-US" dirty="0" smtClean="0"/>
+                        <a:rPr lang="zh-CN" altLang="en-US" dirty="0"/>
                         <a:t>条</a:t>
                       </a:r>
-                      <a:endParaRPr lang="zh-CN" altLang="en-US" dirty="0"/>
                     </a:p>
                   </a:txBody>
                   <a:tcPr anchor="ctr"/>
@@ -16962,7 +16398,7 @@
                     <a:p>
                       <a:pPr algn="ctr"/>
                       <a:r>
-                        <a:rPr lang="en-US" altLang="zh-CN" dirty="0" smtClean="0"/>
+                        <a:rPr lang="en-US" altLang="zh-CN" dirty="0"/>
                         <a:t>--</a:t>
                       </a:r>
                       <a:endParaRPr lang="zh-CN" altLang="en-US" dirty="0"/>
@@ -16970,6 +16406,11 @@
                   </a:txBody>
                   <a:tcPr anchor="ctr"/>
                 </a:tc>
+                <a:extLst>
+                  <a:ext uri="{0D108BD9-81ED-4DB2-BD59-A6C34878D82A}">
+                    <a16:rowId xmlns:a16="http://schemas.microsoft.com/office/drawing/2014/main" val="10002"/>
+                  </a:ext>
+                </a:extLst>
               </a:tr>
               <a:tr h="585789">
                 <a:tc>
@@ -16979,10 +16420,9 @@
                     <a:p>
                       <a:pPr algn="ctr"/>
                       <a:r>
-                        <a:rPr lang="zh-CN" altLang="en-US" dirty="0" smtClean="0"/>
+                        <a:rPr lang="zh-CN" altLang="en-US" dirty="0"/>
                         <a:t>关注时验证身份</a:t>
                       </a:r>
-                      <a:endParaRPr lang="zh-CN" altLang="en-US" dirty="0"/>
                     </a:p>
                   </a:txBody>
                   <a:tcPr anchor="ctr"/>
@@ -16994,7 +16434,7 @@
                     <a:p>
                       <a:pPr algn="ctr"/>
                       <a:r>
-                        <a:rPr lang="en-US" altLang="zh-CN" dirty="0" smtClean="0"/>
+                        <a:rPr lang="en-US" altLang="zh-CN" dirty="0"/>
                         <a:t>--</a:t>
                       </a:r>
                       <a:endParaRPr lang="zh-CN" altLang="en-US" dirty="0"/>
@@ -17009,7 +16449,7 @@
                     <a:p>
                       <a:pPr algn="ctr"/>
                       <a:r>
-                        <a:rPr lang="en-US" altLang="zh-CN" dirty="0" smtClean="0"/>
+                        <a:rPr lang="en-US" altLang="zh-CN" dirty="0"/>
                         <a:t>--</a:t>
                       </a:r>
                       <a:endParaRPr lang="zh-CN" altLang="en-US" dirty="0"/>
@@ -17024,14 +16464,18 @@
                     <a:p>
                       <a:pPr algn="ctr"/>
                       <a:r>
-                        <a:rPr lang="zh-CN" altLang="en-US" dirty="0" smtClean="0"/>
+                        <a:rPr lang="zh-CN" altLang="en-US" dirty="0"/>
                         <a:t>需要验证</a:t>
                       </a:r>
-                      <a:endParaRPr lang="zh-CN" altLang="en-US" dirty="0"/>
                     </a:p>
                   </a:txBody>
                   <a:tcPr anchor="ctr"/>
                 </a:tc>
+                <a:extLst>
+                  <a:ext uri="{0D108BD9-81ED-4DB2-BD59-A6C34878D82A}">
+                    <a16:rowId xmlns:a16="http://schemas.microsoft.com/office/drawing/2014/main" val="10003"/>
+                  </a:ext>
+                </a:extLst>
               </a:tr>
               <a:tr h="585787">
                 <a:tc>
@@ -17041,10 +16485,9 @@
                     <a:p>
                       <a:pPr algn="ctr"/>
                       <a:r>
-                        <a:rPr lang="zh-CN" altLang="en-US" dirty="0" smtClean="0"/>
+                        <a:rPr lang="zh-CN" altLang="en-US" dirty="0"/>
                         <a:t>微信支付</a:t>
                       </a:r>
-                      <a:endParaRPr lang="zh-CN" altLang="en-US" dirty="0"/>
                     </a:p>
                   </a:txBody>
                   <a:tcPr anchor="ctr"/>
@@ -17056,10 +16499,9 @@
                     <a:p>
                       <a:pPr algn="ctr"/>
                       <a:r>
-                        <a:rPr lang="zh-CN" altLang="en-US" dirty="0" smtClean="0"/>
+                        <a:rPr lang="zh-CN" altLang="en-US" dirty="0"/>
                         <a:t>认证号部分支持</a:t>
                       </a:r>
-                      <a:endParaRPr lang="zh-CN" altLang="en-US" dirty="0"/>
                     </a:p>
                   </a:txBody>
                   <a:tcPr anchor="ctr"/>
@@ -17071,10 +16513,9 @@
                     <a:p>
                       <a:pPr algn="ctr"/>
                       <a:r>
-                        <a:rPr lang="zh-CN" altLang="en-US" dirty="0" smtClean="0"/>
+                        <a:rPr lang="zh-CN" altLang="en-US" dirty="0"/>
                         <a:t>认证号支持</a:t>
                       </a:r>
-                      <a:endParaRPr lang="zh-CN" altLang="en-US" dirty="0"/>
                     </a:p>
                   </a:txBody>
                   <a:tcPr anchor="ctr"/>
@@ -17086,14 +16527,18 @@
                     <a:p>
                       <a:pPr algn="ctr"/>
                       <a:r>
-                        <a:rPr lang="zh-CN" altLang="en-US" dirty="0" smtClean="0"/>
+                        <a:rPr lang="zh-CN" altLang="en-US" dirty="0"/>
                         <a:t>认证号支持</a:t>
                       </a:r>
-                      <a:endParaRPr lang="zh-CN" altLang="en-US" dirty="0"/>
                     </a:p>
                   </a:txBody>
                   <a:tcPr anchor="ctr"/>
                 </a:tc>
+                <a:extLst>
+                  <a:ext uri="{0D108BD9-81ED-4DB2-BD59-A6C34878D82A}">
+                    <a16:rowId xmlns:a16="http://schemas.microsoft.com/office/drawing/2014/main" val="10004"/>
+                  </a:ext>
+                </a:extLst>
               </a:tr>
               <a:tr h="614363">
                 <a:tc>
@@ -17103,8 +16548,260 @@
                     <a:p>
                       <a:pPr algn="ctr"/>
                       <a:r>
-                        <a:rPr lang="zh-CN" altLang="en-US" dirty="0" smtClean="0"/>
+                        <a:rPr lang="zh-CN" altLang="en-US" dirty="0"/>
                         <a:t>高级接口</a:t>
+                      </a:r>
+                    </a:p>
+                  </a:txBody>
+                  <a:tcPr anchor="ctr"/>
+                </a:tc>
+                <a:tc>
+                  <a:txBody>
+                    <a:bodyPr/>
+                    <a:lstStyle/>
+                    <a:p>
+                      <a:pPr marL="0" marR="0" lvl="0" indent="0" algn="ctr" defTabSz="914400" rtl="0" eaLnBrk="1" fontAlgn="auto" latinLnBrk="0" hangingPunct="1">
+                        <a:lnSpc>
+                          <a:spcPct val="100000"/>
+                        </a:lnSpc>
+                        <a:spcBef>
+                          <a:spcPts val="0"/>
+                        </a:spcBef>
+                        <a:spcAft>
+                          <a:spcPts val="0"/>
+                        </a:spcAft>
+                        <a:buClrTx/>
+                        <a:buSzTx/>
+                        <a:buFontTx/>
+                        <a:buNone/>
+                        <a:tabLst/>
+                        <a:defRPr/>
+                      </a:pPr>
+                      <a:r>
+                        <a:rPr lang="zh-CN" altLang="en-US" dirty="0"/>
+                        <a:t>认证号部分支持</a:t>
+                      </a:r>
+                    </a:p>
+                  </a:txBody>
+                  <a:tcPr anchor="ctr"/>
+                </a:tc>
+                <a:tc>
+                  <a:txBody>
+                    <a:bodyPr/>
+                    <a:lstStyle/>
+                    <a:p>
+                      <a:pPr marL="0" marR="0" lvl="0" indent="0" algn="ctr" defTabSz="914400" rtl="0" eaLnBrk="1" fontAlgn="auto" latinLnBrk="0" hangingPunct="1">
+                        <a:lnSpc>
+                          <a:spcPct val="100000"/>
+                        </a:lnSpc>
+                        <a:spcBef>
+                          <a:spcPts val="0"/>
+                        </a:spcBef>
+                        <a:spcAft>
+                          <a:spcPts val="0"/>
+                        </a:spcAft>
+                        <a:buClrTx/>
+                        <a:buSzTx/>
+                        <a:buFontTx/>
+                        <a:buNone/>
+                        <a:tabLst/>
+                        <a:defRPr/>
+                      </a:pPr>
+                      <a:r>
+                        <a:rPr lang="zh-CN" altLang="en-US" dirty="0"/>
+                        <a:t>认证号支持</a:t>
+                      </a:r>
+                    </a:p>
+                  </a:txBody>
+                  <a:tcPr anchor="ctr"/>
+                </a:tc>
+                <a:tc>
+                  <a:txBody>
+                    <a:bodyPr/>
+                    <a:lstStyle/>
+                    <a:p>
+                      <a:pPr marL="0" marR="0" lvl="0" indent="0" algn="ctr" defTabSz="914400" rtl="0" eaLnBrk="1" fontAlgn="auto" latinLnBrk="0" hangingPunct="1">
+                        <a:lnSpc>
+                          <a:spcPct val="100000"/>
+                        </a:lnSpc>
+                        <a:spcBef>
+                          <a:spcPts val="0"/>
+                        </a:spcBef>
+                        <a:spcAft>
+                          <a:spcPts val="0"/>
+                        </a:spcAft>
+                        <a:buClrTx/>
+                        <a:buSzTx/>
+                        <a:buFontTx/>
+                        <a:buNone/>
+                        <a:tabLst/>
+                        <a:defRPr/>
+                      </a:pPr>
+                      <a:r>
+                        <a:rPr lang="zh-CN" altLang="en-US" dirty="0"/>
+                        <a:t>认证号部分支持</a:t>
+                      </a:r>
+                    </a:p>
+                  </a:txBody>
+                  <a:tcPr anchor="ctr"/>
+                </a:tc>
+                <a:extLst>
+                  <a:ext uri="{0D108BD9-81ED-4DB2-BD59-A6C34878D82A}">
+                    <a16:rowId xmlns:a16="http://schemas.microsoft.com/office/drawing/2014/main" val="10005"/>
+                  </a:ext>
+                </a:extLst>
+              </a:tr>
+              <a:tr h="557212">
+                <a:tc>
+                  <a:txBody>
+                    <a:bodyPr/>
+                    <a:lstStyle/>
+                    <a:p>
+                      <a:pPr algn="ctr"/>
+                      <a:r>
+                        <a:rPr lang="zh-CN" altLang="en-US" dirty="0"/>
+                        <a:t>界面底部自定义菜单</a:t>
+                      </a:r>
+                    </a:p>
+                  </a:txBody>
+                  <a:tcPr anchor="ctr"/>
+                </a:tc>
+                <a:tc>
+                  <a:txBody>
+                    <a:bodyPr/>
+                    <a:lstStyle/>
+                    <a:p>
+                      <a:pPr marL="0" marR="0" lvl="0" indent="0" algn="ctr" defTabSz="914400" rtl="0" eaLnBrk="1" fontAlgn="auto" latinLnBrk="0" hangingPunct="1">
+                        <a:lnSpc>
+                          <a:spcPct val="100000"/>
+                        </a:lnSpc>
+                        <a:spcBef>
+                          <a:spcPts val="0"/>
+                        </a:spcBef>
+                        <a:spcAft>
+                          <a:spcPts val="0"/>
+                        </a:spcAft>
+                        <a:buClrTx/>
+                        <a:buSzTx/>
+                        <a:buFontTx/>
+                        <a:buNone/>
+                        <a:tabLst/>
+                        <a:defRPr/>
+                      </a:pPr>
+                      <a:r>
+                        <a:rPr lang="zh-CN" altLang="en-US" dirty="0"/>
+                        <a:t>支持</a:t>
+                      </a:r>
+                    </a:p>
+                  </a:txBody>
+                  <a:tcPr anchor="ctr"/>
+                </a:tc>
+                <a:tc>
+                  <a:txBody>
+                    <a:bodyPr/>
+                    <a:lstStyle/>
+                    <a:p>
+                      <a:pPr marL="0" marR="0" lvl="0" indent="0" algn="ctr" defTabSz="914400" rtl="0" eaLnBrk="1" fontAlgn="auto" latinLnBrk="0" hangingPunct="1">
+                        <a:lnSpc>
+                          <a:spcPct val="100000"/>
+                        </a:lnSpc>
+                        <a:spcBef>
+                          <a:spcPts val="0"/>
+                        </a:spcBef>
+                        <a:spcAft>
+                          <a:spcPts val="0"/>
+                        </a:spcAft>
+                        <a:buClrTx/>
+                        <a:buSzTx/>
+                        <a:buFontTx/>
+                        <a:buNone/>
+                        <a:tabLst/>
+                        <a:defRPr/>
+                      </a:pPr>
+                      <a:r>
+                        <a:rPr lang="zh-CN" altLang="en-US" dirty="0"/>
+                        <a:t>支持</a:t>
+                      </a:r>
+                    </a:p>
+                  </a:txBody>
+                  <a:tcPr anchor="ctr"/>
+                </a:tc>
+                <a:tc>
+                  <a:txBody>
+                    <a:bodyPr/>
+                    <a:lstStyle/>
+                    <a:p>
+                      <a:pPr marL="0" marR="0" lvl="0" indent="0" algn="ctr" defTabSz="914400" rtl="0" eaLnBrk="1" fontAlgn="auto" latinLnBrk="0" hangingPunct="1">
+                        <a:lnSpc>
+                          <a:spcPct val="100000"/>
+                        </a:lnSpc>
+                        <a:spcBef>
+                          <a:spcPts val="0"/>
+                        </a:spcBef>
+                        <a:spcAft>
+                          <a:spcPts val="0"/>
+                        </a:spcAft>
+                        <a:buClrTx/>
+                        <a:buSzTx/>
+                        <a:buFontTx/>
+                        <a:buNone/>
+                        <a:tabLst/>
+                        <a:defRPr/>
+                      </a:pPr>
+                      <a:r>
+                        <a:rPr lang="zh-CN" altLang="en-US" dirty="0"/>
+                        <a:t>支持</a:t>
+                      </a:r>
+                    </a:p>
+                  </a:txBody>
+                  <a:tcPr anchor="ctr"/>
+                </a:tc>
+                <a:extLst>
+                  <a:ext uri="{0D108BD9-81ED-4DB2-BD59-A6C34878D82A}">
+                    <a16:rowId xmlns:a16="http://schemas.microsoft.com/office/drawing/2014/main" val="10006"/>
+                  </a:ext>
+                </a:extLst>
+              </a:tr>
+              <a:tr h="557212">
+                <a:tc>
+                  <a:txBody>
+                    <a:bodyPr/>
+                    <a:lstStyle/>
+                    <a:p>
+                      <a:pPr algn="ctr"/>
+                      <a:r>
+                        <a:rPr lang="zh-CN" altLang="en-US" dirty="0"/>
+                        <a:t>消息直接显示在好友列表</a:t>
+                      </a:r>
+                    </a:p>
+                  </a:txBody>
+                  <a:tcPr anchor="ctr"/>
+                </a:tc>
+                <a:tc>
+                  <a:txBody>
+                    <a:bodyPr/>
+                    <a:lstStyle/>
+                    <a:p>
+                      <a:pPr marL="0" marR="0" lvl="0" indent="0" algn="ctr" defTabSz="914400" rtl="0" eaLnBrk="1" fontAlgn="auto" latinLnBrk="0" hangingPunct="1">
+                        <a:lnSpc>
+                          <a:spcPct val="100000"/>
+                        </a:lnSpc>
+                        <a:spcBef>
+                          <a:spcPts val="0"/>
+                        </a:spcBef>
+                        <a:spcAft>
+                          <a:spcPts val="0"/>
+                        </a:spcAft>
+                        <a:buClrTx/>
+                        <a:buSzTx/>
+                        <a:buFontTx/>
+                        <a:buNone/>
+                        <a:tabLst/>
+                        <a:defRPr/>
+                      </a:pPr>
+                      <a:r>
+                        <a:rPr lang="en-US" altLang="zh-CN" dirty="0"/>
+                        <a:t>--</a:t>
                       </a:r>
                       <a:endParaRPr lang="zh-CN" altLang="en-US" dirty="0"/>
                     </a:p>
@@ -17134,114 +16831,7 @@
                         <a:defRPr/>
                       </a:pPr>
                       <a:r>
-                        <a:rPr lang="zh-CN" altLang="en-US" dirty="0" smtClean="0"/>
-                        <a:t>认证号部分支持</a:t>
-                      </a:r>
-                    </a:p>
-                  </a:txBody>
-                  <a:tcPr anchor="ctr"/>
-                </a:tc>
-                <a:tc>
-                  <a:txBody>
-                    <a:bodyPr/>
-                    <a:lstStyle/>
-                    <a:p>
-                      <a:pPr marL="0" marR="0" lvl="0" indent="0" algn="ctr" defTabSz="914400" rtl="0" eaLnBrk="1" fontAlgn="auto" latinLnBrk="0" hangingPunct="1">
-                        <a:lnSpc>
-                          <a:spcPct val="100000"/>
-                        </a:lnSpc>
-                        <a:spcBef>
-                          <a:spcPts val="0"/>
-                        </a:spcBef>
-                        <a:spcAft>
-                          <a:spcPts val="0"/>
-                        </a:spcAft>
-                        <a:buClrTx/>
-                        <a:buSzTx/>
-                        <a:buFontTx/>
-                        <a:buNone/>
-                        <a:tabLst/>
-                        <a:defRPr/>
-                      </a:pPr>
-                      <a:r>
-                        <a:rPr lang="zh-CN" altLang="en-US" dirty="0" smtClean="0"/>
-                        <a:t>认证号支持</a:t>
-                      </a:r>
-                    </a:p>
-                  </a:txBody>
-                  <a:tcPr anchor="ctr"/>
-                </a:tc>
-                <a:tc>
-                  <a:txBody>
-                    <a:bodyPr/>
-                    <a:lstStyle/>
-                    <a:p>
-                      <a:pPr marL="0" marR="0" lvl="0" indent="0" algn="ctr" defTabSz="914400" rtl="0" eaLnBrk="1" fontAlgn="auto" latinLnBrk="0" hangingPunct="1">
-                        <a:lnSpc>
-                          <a:spcPct val="100000"/>
-                        </a:lnSpc>
-                        <a:spcBef>
-                          <a:spcPts val="0"/>
-                        </a:spcBef>
-                        <a:spcAft>
-                          <a:spcPts val="0"/>
-                        </a:spcAft>
-                        <a:buClrTx/>
-                        <a:buSzTx/>
-                        <a:buFontTx/>
-                        <a:buNone/>
-                        <a:tabLst/>
-                        <a:defRPr/>
-                      </a:pPr>
-                      <a:r>
-                        <a:rPr lang="zh-CN" altLang="en-US" dirty="0" smtClean="0"/>
-                        <a:t>认证号部分支持</a:t>
-                      </a:r>
-                    </a:p>
-                  </a:txBody>
-                  <a:tcPr anchor="ctr"/>
-                </a:tc>
-              </a:tr>
-              <a:tr h="557212">
-                <a:tc>
-                  <a:txBody>
-                    <a:bodyPr/>
-                    <a:lstStyle/>
-                    <a:p>
-                      <a:pPr algn="ctr"/>
-                      <a:r>
-                        <a:rPr lang="zh-CN" altLang="en-US" dirty="0" smtClean="0"/>
-                        <a:t>界面底部自定义菜单</a:t>
-                      </a:r>
-                      <a:endParaRPr lang="zh-CN" altLang="en-US" dirty="0"/>
-                    </a:p>
-                  </a:txBody>
-                  <a:tcPr anchor="ctr"/>
-                </a:tc>
-                <a:tc>
-                  <a:txBody>
-                    <a:bodyPr/>
-                    <a:lstStyle/>
-                    <a:p>
-                      <a:pPr marL="0" marR="0" lvl="0" indent="0" algn="ctr" defTabSz="914400" rtl="0" eaLnBrk="1" fontAlgn="auto" latinLnBrk="0" hangingPunct="1">
-                        <a:lnSpc>
-                          <a:spcPct val="100000"/>
-                        </a:lnSpc>
-                        <a:spcBef>
-                          <a:spcPts val="0"/>
-                        </a:spcBef>
-                        <a:spcAft>
-                          <a:spcPts val="0"/>
-                        </a:spcAft>
-                        <a:buClrTx/>
-                        <a:buSzTx/>
-                        <a:buFontTx/>
-                        <a:buNone/>
-                        <a:tabLst/>
-                        <a:defRPr/>
-                      </a:pPr>
-                      <a:r>
-                        <a:rPr lang="zh-CN" altLang="en-US" dirty="0" smtClean="0"/>
+                        <a:rPr lang="zh-CN" altLang="en-US" dirty="0"/>
                         <a:t>支持</a:t>
                       </a:r>
                     </a:p>
@@ -17271,151 +16861,18 @@
                         <a:defRPr/>
                       </a:pPr>
                       <a:r>
-                        <a:rPr lang="zh-CN" altLang="en-US" dirty="0" smtClean="0"/>
+                        <a:rPr lang="zh-CN" altLang="en-US" dirty="0"/>
                         <a:t>支持</a:t>
                       </a:r>
                     </a:p>
                   </a:txBody>
                   <a:tcPr anchor="ctr"/>
                 </a:tc>
-                <a:tc>
-                  <a:txBody>
-                    <a:bodyPr/>
-                    <a:lstStyle/>
-                    <a:p>
-                      <a:pPr marL="0" marR="0" lvl="0" indent="0" algn="ctr" defTabSz="914400" rtl="0" eaLnBrk="1" fontAlgn="auto" latinLnBrk="0" hangingPunct="1">
-                        <a:lnSpc>
-                          <a:spcPct val="100000"/>
-                        </a:lnSpc>
-                        <a:spcBef>
-                          <a:spcPts val="0"/>
-                        </a:spcBef>
-                        <a:spcAft>
-                          <a:spcPts val="0"/>
-                        </a:spcAft>
-                        <a:buClrTx/>
-                        <a:buSzTx/>
-                        <a:buFontTx/>
-                        <a:buNone/>
-                        <a:tabLst/>
-                        <a:defRPr/>
-                      </a:pPr>
-                      <a:r>
-                        <a:rPr lang="zh-CN" altLang="en-US" dirty="0" smtClean="0"/>
-                        <a:t>支持</a:t>
-                      </a:r>
-                    </a:p>
-                  </a:txBody>
-                  <a:tcPr anchor="ctr"/>
-                </a:tc>
-              </a:tr>
-              <a:tr h="557212">
-                <a:tc>
-                  <a:txBody>
-                    <a:bodyPr/>
-                    <a:lstStyle/>
-                    <a:p>
-                      <a:pPr algn="ctr"/>
-                      <a:r>
-                        <a:rPr lang="zh-CN" altLang="en-US" dirty="0" smtClean="0"/>
-                        <a:t>消息直接显示在好友列表</a:t>
-                      </a:r>
-                      <a:endParaRPr lang="zh-CN" altLang="en-US" dirty="0"/>
-                    </a:p>
-                  </a:txBody>
-                  <a:tcPr anchor="ctr"/>
-                </a:tc>
-                <a:tc>
-                  <a:txBody>
-                    <a:bodyPr/>
-                    <a:lstStyle/>
-                    <a:p>
-                      <a:pPr marL="0" marR="0" lvl="0" indent="0" algn="ctr" defTabSz="914400" rtl="0" eaLnBrk="1" fontAlgn="auto" latinLnBrk="0" hangingPunct="1">
-                        <a:lnSpc>
-                          <a:spcPct val="100000"/>
-                        </a:lnSpc>
-                        <a:spcBef>
-                          <a:spcPts val="0"/>
-                        </a:spcBef>
-                        <a:spcAft>
-                          <a:spcPts val="0"/>
-                        </a:spcAft>
-                        <a:buClrTx/>
-                        <a:buSzTx/>
-                        <a:buFontTx/>
-                        <a:buNone/>
-                        <a:tabLst/>
-                        <a:defRPr/>
-                      </a:pPr>
-                      <a:r>
-                        <a:rPr lang="en-US" altLang="zh-CN" dirty="0" smtClean="0"/>
-                        <a:t>--</a:t>
-                      </a:r>
-                      <a:endParaRPr lang="zh-CN" altLang="en-US" dirty="0" smtClean="0"/>
-                    </a:p>
-                  </a:txBody>
-                  <a:tcPr anchor="ctr"/>
-                </a:tc>
-                <a:tc>
-                  <a:txBody>
-                    <a:bodyPr/>
-                    <a:lstStyle/>
-                    <a:p>
-                      <a:pPr marL="0" marR="0" lvl="0" indent="0" algn="ctr" defTabSz="914400" rtl="0" eaLnBrk="1" fontAlgn="auto" latinLnBrk="0" hangingPunct="1">
-                        <a:lnSpc>
-                          <a:spcPct val="100000"/>
-                        </a:lnSpc>
-                        <a:spcBef>
-                          <a:spcPts val="0"/>
-                        </a:spcBef>
-                        <a:spcAft>
-                          <a:spcPts val="0"/>
-                        </a:spcAft>
-                        <a:buClrTx/>
-                        <a:buSzTx/>
-                        <a:buFontTx/>
-                        <a:buNone/>
-                        <a:tabLst/>
-                        <a:defRPr/>
-                      </a:pPr>
-                      <a:r>
-                        <a:rPr lang="zh-CN" altLang="en-US" dirty="0" smtClean="0"/>
-                        <a:t>支持</a:t>
-                      </a:r>
-                    </a:p>
-                  </a:txBody>
-                  <a:tcPr anchor="ctr"/>
-                </a:tc>
-                <a:tc>
-                  <a:txBody>
-                    <a:bodyPr/>
-                    <a:lstStyle/>
-                    <a:p>
-                      <a:pPr marL="0" marR="0" lvl="0" indent="0" algn="ctr" defTabSz="914400" rtl="0" eaLnBrk="1" fontAlgn="auto" latinLnBrk="0" hangingPunct="1">
-                        <a:lnSpc>
-                          <a:spcPct val="100000"/>
-                        </a:lnSpc>
-                        <a:spcBef>
-                          <a:spcPts val="0"/>
-                        </a:spcBef>
-                        <a:spcAft>
-                          <a:spcPts val="0"/>
-                        </a:spcAft>
-                        <a:buClrTx/>
-                        <a:buSzTx/>
-                        <a:buFontTx/>
-                        <a:buNone/>
-                        <a:tabLst/>
-                        <a:defRPr/>
-                      </a:pPr>
-                      <a:r>
-                        <a:rPr lang="zh-CN" altLang="en-US" dirty="0" smtClean="0"/>
-                        <a:t>支持</a:t>
-                      </a:r>
-                    </a:p>
-                  </a:txBody>
-                  <a:tcPr anchor="ctr"/>
-                </a:tc>
+                <a:extLst>
+                  <a:ext uri="{0D108BD9-81ED-4DB2-BD59-A6C34878D82A}">
+                    <a16:rowId xmlns:a16="http://schemas.microsoft.com/office/drawing/2014/main" val="10007"/>
+                  </a:ext>
+                </a:extLst>
               </a:tr>
             </a:tbl>
           </a:graphicData>
@@ -17431,13 +16888,6 @@
   <p:clrMapOvr>
     <a:masterClrMapping/>
   </p:clrMapOvr>
-  <p:timing>
-    <p:tnLst>
-      <p:par>
-        <p:cTn id="1" dur="indefinite" restart="never" nodeType="tmRoot"/>
-      </p:par>
-    </p:tnLst>
-  </p:timing>
 </p:sld>
 </file>
 
@@ -17474,14 +16924,9 @@
           <a:lstStyle/>
           <a:p>
             <a:r>
-              <a:rPr lang="en-US" altLang="zh-CN" dirty="0" smtClean="0"/>
-              <a:t>1.3</a:t>
-            </a:r>
-            <a:r>
-              <a:rPr lang="zh-CN" altLang="en-US" dirty="0" smtClean="0"/>
+              <a:rPr lang="zh-CN" altLang="en-US" b="0" dirty="0"/>
               <a:t>微信小程序</a:t>
             </a:r>
-            <a:endParaRPr lang="zh-CN" altLang="en-US" dirty="0"/>
           </a:p>
         </p:txBody>
       </p:sp>
@@ -17513,55 +16958,55 @@
               </a:lnSpc>
             </a:pPr>
             <a:r>
-              <a:rPr lang="zh-CN" altLang="en-US" sz="2400" dirty="0" smtClean="0">
+              <a:rPr lang="zh-CN" altLang="en-US" sz="2400" dirty="0">
                 <a:latin typeface="微软雅黑" panose="020B0503020204020204" pitchFamily="34" charset="-122"/>
                 <a:ea typeface="微软雅黑" panose="020B0503020204020204" pitchFamily="34" charset="-122"/>
               </a:rPr>
               <a:t>￭</a:t>
             </a:r>
             <a:r>
-              <a:rPr lang="en-US" altLang="zh-CN" sz="2400" dirty="0" smtClean="0">
+              <a:rPr lang="en-US" altLang="zh-CN" sz="2400" dirty="0">
                 <a:latin typeface="微软雅黑" panose="020B0503020204020204" pitchFamily="34" charset="-122"/>
                 <a:ea typeface="微软雅黑" panose="020B0503020204020204" pitchFamily="34" charset="-122"/>
               </a:rPr>
               <a:t>2017</a:t>
             </a:r>
             <a:r>
-              <a:rPr lang="zh-CN" altLang="en-US" sz="2400" dirty="0" smtClean="0">
+              <a:rPr lang="zh-CN" altLang="en-US" sz="2400" dirty="0">
                 <a:latin typeface="微软雅黑" panose="020B0503020204020204" pitchFamily="34" charset="-122"/>
                 <a:ea typeface="微软雅黑" panose="020B0503020204020204" pitchFamily="34" charset="-122"/>
               </a:rPr>
               <a:t>年</a:t>
             </a:r>
             <a:r>
-              <a:rPr lang="en-US" altLang="zh-CN" sz="2400" dirty="0" smtClean="0">
+              <a:rPr lang="en-US" altLang="zh-CN" sz="2400" dirty="0">
                 <a:latin typeface="微软雅黑" panose="020B0503020204020204" pitchFamily="34" charset="-122"/>
                 <a:ea typeface="微软雅黑" panose="020B0503020204020204" pitchFamily="34" charset="-122"/>
               </a:rPr>
               <a:t>1</a:t>
             </a:r>
             <a:r>
-              <a:rPr lang="zh-CN" altLang="en-US" sz="2400" dirty="0" smtClean="0">
+              <a:rPr lang="zh-CN" altLang="en-US" sz="2400" dirty="0">
                 <a:latin typeface="微软雅黑" panose="020B0503020204020204" pitchFamily="34" charset="-122"/>
                 <a:ea typeface="微软雅黑" panose="020B0503020204020204" pitchFamily="34" charset="-122"/>
               </a:rPr>
               <a:t>月</a:t>
             </a:r>
             <a:r>
-              <a:rPr lang="en-US" altLang="zh-CN" sz="2400" dirty="0" smtClean="0">
+              <a:rPr lang="en-US" altLang="zh-CN" sz="2400" dirty="0">
                 <a:latin typeface="微软雅黑" panose="020B0503020204020204" pitchFamily="34" charset="-122"/>
                 <a:ea typeface="微软雅黑" panose="020B0503020204020204" pitchFamily="34" charset="-122"/>
               </a:rPr>
               <a:t>9</a:t>
             </a:r>
             <a:r>
-              <a:rPr lang="zh-CN" altLang="en-US" sz="2400" dirty="0" smtClean="0">
+              <a:rPr lang="zh-CN" altLang="en-US" sz="2400" dirty="0">
                 <a:latin typeface="微软雅黑" panose="020B0503020204020204" pitchFamily="34" charset="-122"/>
                 <a:ea typeface="微软雅黑" panose="020B0503020204020204" pitchFamily="34" charset="-122"/>
               </a:rPr>
               <a:t>号，第一批小程序正式上线。</a:t>
             </a:r>
-            <a:endParaRPr lang="en-US" altLang="zh-CN" sz="2400" dirty="0" smtClean="0">
+            <a:endParaRPr lang="en-US" altLang="zh-CN" sz="2400" dirty="0">
               <a:latin typeface="微软雅黑" panose="020B0503020204020204" pitchFamily="34" charset="-122"/>
               <a:ea typeface="微软雅黑" panose="020B0503020204020204" pitchFamily="34" charset="-122"/>
             </a:endParaRPr>
@@ -17573,13 +17018,13 @@
               </a:lnSpc>
             </a:pPr>
             <a:r>
-              <a:rPr lang="zh-CN" altLang="en-US" sz="2400" dirty="0" smtClean="0">
+              <a:rPr lang="zh-CN" altLang="en-US" sz="2400" dirty="0">
                 <a:latin typeface="微软雅黑" panose="020B0503020204020204" pitchFamily="34" charset="-122"/>
                 <a:ea typeface="微软雅黑" panose="020B0503020204020204" pitchFamily="34" charset="-122"/>
               </a:rPr>
               <a:t>￭小程序与其他三个公众号类别处于同一级别。</a:t>
             </a:r>
-            <a:endParaRPr lang="en-US" altLang="zh-CN" sz="2400" dirty="0" smtClean="0">
+            <a:endParaRPr lang="en-US" altLang="zh-CN" sz="2400" dirty="0">
               <a:latin typeface="微软雅黑" panose="020B0503020204020204" pitchFamily="34" charset="-122"/>
               <a:ea typeface="微软雅黑" panose="020B0503020204020204" pitchFamily="34" charset="-122"/>
             </a:endParaRPr>
@@ -17595,16 +17040,9 @@
                 <a:latin typeface="微软雅黑" panose="020B0503020204020204" pitchFamily="34" charset="-122"/>
                 <a:ea typeface="微软雅黑" panose="020B0503020204020204" pitchFamily="34" charset="-122"/>
               </a:rPr>
-              <a:t>￭</a:t>
-            </a:r>
-            <a:r>
-              <a:rPr lang="zh-CN" altLang="en-US" sz="2400" dirty="0" smtClean="0">
-                <a:latin typeface="微软雅黑" panose="020B0503020204020204" pitchFamily="34" charset="-122"/>
-                <a:ea typeface="微软雅黑" panose="020B0503020204020204" pitchFamily="34" charset="-122"/>
-              </a:rPr>
-              <a:t>小程序作为一种不需安装直接打开应用的形式存在</a:t>
-            </a:r>
-            <a:endParaRPr lang="en-US" altLang="zh-CN" sz="2400" dirty="0" smtClean="0">
+              <a:t>￭小程序作为一种不需安装直接打开应用的形式存在</a:t>
+            </a:r>
+            <a:endParaRPr lang="en-US" altLang="zh-CN" sz="2400" dirty="0">
               <a:latin typeface="微软雅黑" panose="020B0503020204020204" pitchFamily="34" charset="-122"/>
               <a:ea typeface="微软雅黑" panose="020B0503020204020204" pitchFamily="34" charset="-122"/>
             </a:endParaRPr>
@@ -17616,16 +17054,12 @@
               </a:lnSpc>
             </a:pPr>
             <a:r>
-              <a:rPr lang="zh-CN" altLang="en-US" sz="2400" dirty="0" smtClean="0">
+              <a:rPr lang="zh-CN" altLang="en-US" sz="2400" dirty="0">
                 <a:latin typeface="微软雅黑" panose="020B0503020204020204" pitchFamily="34" charset="-122"/>
                 <a:ea typeface="微软雅黑" panose="020B0503020204020204" pitchFamily="34" charset="-122"/>
               </a:rPr>
               <a:t>￭腾讯提供了开发框架与组件</a:t>
             </a:r>
-            <a:endParaRPr lang="zh-CN" altLang="en-US" sz="2400" dirty="0">
-              <a:latin typeface="微软雅黑" panose="020B0503020204020204" pitchFamily="34" charset="-122"/>
-              <a:ea typeface="微软雅黑" panose="020B0503020204020204" pitchFamily="34" charset="-122"/>
-            </a:endParaRPr>
           </a:p>
         </p:txBody>
       </p:sp>
@@ -17639,13 +17073,6 @@
   <p:clrMapOvr>
     <a:masterClrMapping/>
   </p:clrMapOvr>
-  <p:timing>
-    <p:tnLst>
-      <p:par>
-        <p:cTn id="1" dur="indefinite" restart="never" nodeType="tmRoot"/>
-      </p:par>
-    </p:tnLst>
-  </p:timing>
 </p:sld>
 </file>
 
@@ -17682,14 +17109,9 @@
           <a:lstStyle/>
           <a:p>
             <a:r>
-              <a:rPr lang="en-US" altLang="zh-CN" dirty="0" smtClean="0"/>
-              <a:t>1.4</a:t>
-            </a:r>
-            <a:r>
-              <a:rPr lang="zh-CN" altLang="en-US" dirty="0" smtClean="0"/>
+              <a:rPr lang="zh-CN" altLang="en-US" b="0" dirty="0"/>
               <a:t>公众号认证</a:t>
             </a:r>
-            <a:endParaRPr lang="zh-CN" altLang="en-US" dirty="0"/>
           </a:p>
         </p:txBody>
       </p:sp>
@@ -17721,34 +17143,34 @@
               </a:lnSpc>
             </a:pPr>
             <a:r>
-              <a:rPr lang="zh-CN" altLang="en-US" sz="2400" dirty="0" smtClean="0">
+              <a:rPr lang="zh-CN" altLang="en-US" sz="2400" dirty="0">
                 <a:latin typeface="微软雅黑" panose="020B0503020204020204" pitchFamily="34" charset="-122"/>
                 <a:ea typeface="微软雅黑" panose="020B0503020204020204" pitchFamily="34" charset="-122"/>
               </a:rPr>
               <a:t>想要公众号拥有更多的功能就需要进行认证。公众号认证目前需要</a:t>
             </a:r>
             <a:r>
-              <a:rPr lang="en-US" altLang="zh-CN" sz="2400" dirty="0" smtClean="0">
+              <a:rPr lang="en-US" altLang="zh-CN" sz="2400" dirty="0">
                 <a:latin typeface="微软雅黑" panose="020B0503020204020204" pitchFamily="34" charset="-122"/>
                 <a:ea typeface="微软雅黑" panose="020B0503020204020204" pitchFamily="34" charset="-122"/>
               </a:rPr>
               <a:t>300</a:t>
             </a:r>
             <a:r>
-              <a:rPr lang="zh-CN" altLang="en-US" sz="2400" dirty="0" smtClean="0">
+              <a:rPr lang="zh-CN" altLang="en-US" sz="2400" dirty="0">
                 <a:latin typeface="微软雅黑" panose="020B0503020204020204" pitchFamily="34" charset="-122"/>
                 <a:ea typeface="微软雅黑" panose="020B0503020204020204" pitchFamily="34" charset="-122"/>
               </a:rPr>
               <a:t>的费用，同时要提供营业执照，身份证等</a:t>
             </a:r>
             <a:r>
-              <a:rPr lang="zh-CN" altLang="en-US" sz="2400" smtClean="0">
+              <a:rPr lang="zh-CN" altLang="en-US" sz="2400">
                 <a:latin typeface="微软雅黑" panose="020B0503020204020204" pitchFamily="34" charset="-122"/>
                 <a:ea typeface="微软雅黑" panose="020B0503020204020204" pitchFamily="34" charset="-122"/>
               </a:rPr>
               <a:t>信息。</a:t>
             </a:r>
-            <a:endParaRPr lang="en-US" altLang="zh-CN" sz="2400" dirty="0" smtClean="0">
+            <a:endParaRPr lang="en-US" altLang="zh-CN" sz="2400" dirty="0">
               <a:latin typeface="微软雅黑" panose="020B0503020204020204" pitchFamily="34" charset="-122"/>
               <a:ea typeface="微软雅黑" panose="020B0503020204020204" pitchFamily="34" charset="-122"/>
             </a:endParaRPr>
@@ -17765,13 +17187,6 @@
   <p:clrMapOvr>
     <a:masterClrMapping/>
   </p:clrMapOvr>
-  <p:timing>
-    <p:tnLst>
-      <p:par>
-        <p:cTn id="1" dur="indefinite" restart="never" nodeType="tmRoot"/>
-      </p:par>
-    </p:tnLst>
-  </p:timing>
 </p:sld>
 </file>
 
@@ -17805,7 +17220,7 @@
         <p:spPr>
           <a:xfrm>
             <a:off x="1054100" y="543636"/>
-            <a:ext cx="7304088" cy="685800"/>
+            <a:ext cx="4973074" cy="685800"/>
           </a:xfrm>
         </p:spPr>
         <p:txBody>
@@ -17813,27 +17228,28 @@
           <a:lstStyle/>
           <a:p>
             <a:r>
-              <a:rPr lang="zh-CN" altLang="en-US" dirty="0"/>
-              <a:t>第二</a:t>
-            </a:r>
-            <a:r>
-              <a:rPr lang="zh-CN" altLang="en-US" dirty="0" smtClean="0"/>
-              <a:t>节 申请注册个人公众号</a:t>
-            </a:r>
-            <a:endParaRPr lang="zh-CN" altLang="en-US" dirty="0"/>
-          </a:p>
-        </p:txBody>
-      </p:sp>
-      <p:sp>
-        <p:nvSpPr>
-          <p:cNvPr id="4" name="文本框 3"/>
+              <a:rPr lang="zh-CN" altLang="en-US" b="0" dirty="0"/>
+              <a:t>第二讲</a:t>
+            </a:r>
+          </a:p>
+        </p:txBody>
+      </p:sp>
+      <p:sp>
+        <p:nvSpPr>
+          <p:cNvPr id="5" name="文本框 4">
+            <a:extLst>
+              <a:ext uri="{FF2B5EF4-FFF2-40B4-BE49-F238E27FC236}">
+                <a16:creationId xmlns:a16="http://schemas.microsoft.com/office/drawing/2014/main" id="{F135F30F-238C-4C42-9F3E-81617BFFBE96}"/>
+              </a:ext>
+            </a:extLst>
+          </p:cNvPr>
           <p:cNvSpPr txBox="1"/>
           <p:nvPr/>
         </p:nvSpPr>
         <p:spPr>
           <a:xfrm>
-            <a:off x="1054100" y="1985962"/>
-            <a:ext cx="10261600" cy="369332"/>
+            <a:off x="4121764" y="2372033"/>
+            <a:ext cx="4422468" cy="2339102"/>
           </a:xfrm>
           <a:prstGeom prst="rect">
             <a:avLst/>
@@ -17846,18 +17262,79 @@
           </a:bodyPr>
           <a:lstStyle/>
           <a:p>
-            <a:r>
-              <a:rPr lang="en-US" altLang="zh-CN" dirty="0" smtClean="0"/>
-              <a:t>2.1 </a:t>
-            </a:r>
-            <a:r>
-              <a:rPr lang="zh-CN" altLang="en-US" dirty="0" smtClean="0"/>
-              <a:t>申请注册公众号</a:t>
-            </a:r>
-            <a:r>
-              <a:rPr lang="en-US" altLang="zh-CN" dirty="0" smtClean="0"/>
-              <a:t> </a:t>
-            </a:r>
+            <a:pPr marL="514350" indent="-514350">
+              <a:lnSpc>
+                <a:spcPct val="200000"/>
+              </a:lnSpc>
+              <a:buFont typeface="+mj-ea"/>
+              <a:buAutoNum type="ea1JpnChsDbPeriod"/>
+            </a:pPr>
+            <a:r>
+              <a:rPr lang="zh-CN" altLang="en-US" sz="2000" dirty="0">
+                <a:latin typeface="微软雅黑" panose="020B0503020204020204" pitchFamily="34" charset="-122"/>
+                <a:ea typeface="微软雅黑" panose="020B0503020204020204" pitchFamily="34" charset="-122"/>
+              </a:rPr>
+              <a:t>公众号基础</a:t>
+            </a:r>
+            <a:endParaRPr lang="en-US" altLang="zh-CN" sz="2000" dirty="0">
+              <a:latin typeface="微软雅黑" panose="020B0503020204020204" pitchFamily="34" charset="-122"/>
+              <a:ea typeface="微软雅黑" panose="020B0503020204020204" pitchFamily="34" charset="-122"/>
+            </a:endParaRPr>
+          </a:p>
+          <a:p>
+            <a:pPr marL="514350" indent="-514350">
+              <a:lnSpc>
+                <a:spcPct val="200000"/>
+              </a:lnSpc>
+              <a:buFont typeface="+mj-ea"/>
+              <a:buAutoNum type="ea1JpnChsDbPeriod"/>
+            </a:pPr>
+            <a:r>
+              <a:rPr lang="zh-CN" altLang="en-US" sz="2400" dirty="0">
+                <a:solidFill>
+                  <a:schemeClr val="accent6">
+                    <a:lumMod val="75000"/>
+                  </a:schemeClr>
+                </a:solidFill>
+                <a:latin typeface="微软雅黑" panose="020B0503020204020204" pitchFamily="34" charset="-122"/>
+                <a:ea typeface="微软雅黑" panose="020B0503020204020204" pitchFamily="34" charset="-122"/>
+              </a:rPr>
+              <a:t>申请注册个人公众号</a:t>
+            </a:r>
+            <a:endParaRPr lang="en-US" altLang="zh-CN" sz="2400" dirty="0">
+              <a:solidFill>
+                <a:schemeClr val="accent6">
+                  <a:lumMod val="75000"/>
+                </a:schemeClr>
+              </a:solidFill>
+              <a:latin typeface="微软雅黑" panose="020B0503020204020204" pitchFamily="34" charset="-122"/>
+              <a:ea typeface="微软雅黑" panose="020B0503020204020204" pitchFamily="34" charset="-122"/>
+            </a:endParaRPr>
+          </a:p>
+          <a:p>
+            <a:pPr marL="514350" indent="-514350">
+              <a:lnSpc>
+                <a:spcPct val="200000"/>
+              </a:lnSpc>
+              <a:buFont typeface="+mj-ea"/>
+              <a:buAutoNum type="ea1JpnChsDbPeriod"/>
+            </a:pPr>
+            <a:r>
+              <a:rPr lang="zh-CN" altLang="en-US" sz="2000" dirty="0">
+                <a:latin typeface="微软雅黑" panose="020B0503020204020204" pitchFamily="34" charset="-122"/>
+                <a:ea typeface="微软雅黑" panose="020B0503020204020204" pitchFamily="34" charset="-122"/>
+              </a:rPr>
+              <a:t>公众号基本使用</a:t>
+            </a:r>
+            <a:endParaRPr lang="en-US" altLang="zh-CN" sz="2000" dirty="0">
+              <a:latin typeface="微软雅黑" panose="020B0503020204020204" pitchFamily="34" charset="-122"/>
+              <a:ea typeface="微软雅黑" panose="020B0503020204020204" pitchFamily="34" charset="-122"/>
+            </a:endParaRPr>
+          </a:p>
+          <a:p>
+            <a:pPr marL="342900" indent="-342900">
+              <a:buAutoNum type="arabicPeriod"/>
+            </a:pPr>
             <a:endParaRPr lang="zh-CN" altLang="en-US" dirty="0"/>
           </a:p>
         </p:txBody>

--- a/meterials/slides/ch01-wechat public platform.pptx
+++ b/meterials/slides/ch01-wechat public platform.pptx
@@ -17,20 +17,20 @@
   <p:sldIdLst>
     <p:sldId id="257" r:id="rId6"/>
     <p:sldId id="449" r:id="rId7"/>
-    <p:sldId id="446" r:id="rId8"/>
-    <p:sldId id="451" r:id="rId9"/>
-    <p:sldId id="439" r:id="rId10"/>
-    <p:sldId id="440" r:id="rId11"/>
-    <p:sldId id="441" r:id="rId12"/>
-    <p:sldId id="442" r:id="rId13"/>
-    <p:sldId id="452" r:id="rId14"/>
-    <p:sldId id="435" r:id="rId15"/>
-    <p:sldId id="453" r:id="rId16"/>
-    <p:sldId id="422" r:id="rId17"/>
-    <p:sldId id="443" r:id="rId18"/>
-    <p:sldId id="444" r:id="rId19"/>
-    <p:sldId id="423" r:id="rId20"/>
-    <p:sldId id="450" r:id="rId21"/>
+    <p:sldId id="454" r:id="rId8"/>
+    <p:sldId id="446" r:id="rId9"/>
+    <p:sldId id="451" r:id="rId10"/>
+    <p:sldId id="439" r:id="rId11"/>
+    <p:sldId id="440" r:id="rId12"/>
+    <p:sldId id="441" r:id="rId13"/>
+    <p:sldId id="442" r:id="rId14"/>
+    <p:sldId id="452" r:id="rId15"/>
+    <p:sldId id="435" r:id="rId16"/>
+    <p:sldId id="453" r:id="rId17"/>
+    <p:sldId id="422" r:id="rId18"/>
+    <p:sldId id="443" r:id="rId19"/>
+    <p:sldId id="444" r:id="rId20"/>
+    <p:sldId id="423" r:id="rId21"/>
     <p:sldId id="424" r:id="rId22"/>
     <p:sldId id="425" r:id="rId23"/>
     <p:sldId id="428" r:id="rId24"/>
@@ -272,7 +272,7 @@
           <a:p>
             <a:fld id="{2B71C804-97F5-4B36-A7AC-EEEC7F44F6C2}" type="datetimeFigureOut">
               <a:rPr lang="zh-CN" altLang="en-US" smtClean="0"/>
-              <a:t>2017/9/7</a:t>
+              <a:t>2017/9/10</a:t>
             </a:fld>
             <a:endParaRPr lang="zh-CN" altLang="en-US"/>
           </a:p>
@@ -438,7 +438,7 @@
           <a:p>
             <a:fld id="{0568D9C6-D8DC-4CC3-8480-E0C4DBA1CC07}" type="datetimeFigureOut">
               <a:rPr lang="zh-CN" altLang="en-US" smtClean="0"/>
-              <a:t>2017/9/7</a:t>
+              <a:t>2017/9/10</a:t>
             </a:fld>
             <a:endParaRPr lang="zh-CN" altLang="en-US"/>
           </a:p>
@@ -771,7 +771,7 @@
           <a:p>
             <a:fld id="{10E9C519-C3B1-4654-8EF9-A227F461FE5A}" type="slidenum">
               <a:rPr lang="zh-CN" altLang="en-US" smtClean="0"/>
-              <a:t>12</a:t>
+              <a:t>13</a:t>
             </a:fld>
             <a:endParaRPr lang="zh-CN" altLang="en-US"/>
           </a:p>
@@ -1387,7 +1387,7 @@
           <a:p>
             <a:fld id="{DB9D664F-4C68-42D2-B189-678958EFAFDA}" type="datetime1">
               <a:rPr lang="zh-CN" altLang="en-US" smtClean="0"/>
-              <a:t>2017/9/7</a:t>
+              <a:t>2017/9/10</a:t>
             </a:fld>
             <a:endParaRPr lang="zh-CN" altLang="en-US"/>
           </a:p>
@@ -2369,7 +2369,7 @@
           <a:p>
             <a:fld id="{ED5513C8-E3A4-4D78-B249-887659A958FF}" type="datetime1">
               <a:rPr lang="en-US" altLang="zh-CN" smtClean="0"/>
-              <a:t>9/7/2017</a:t>
+              <a:t>9/10/2017</a:t>
             </a:fld>
             <a:endParaRPr lang="en-US"/>
           </a:p>
@@ -2547,7 +2547,7 @@
           <a:p>
             <a:fld id="{EBEDA52C-3EEE-4289-818C-901C0A7814FE}" type="datetime1">
               <a:rPr lang="en-US" altLang="zh-CN" smtClean="0"/>
-              <a:t>9/7/2017</a:t>
+              <a:t>9/10/2017</a:t>
             </a:fld>
             <a:endParaRPr lang="en-US"/>
           </a:p>
@@ -2801,7 +2801,7 @@
           <a:p>
             <a:fld id="{09EF5D7F-EA15-485C-85DD-8FDC010A62D4}" type="datetime1">
               <a:rPr lang="en-US" altLang="zh-CN" smtClean="0"/>
-              <a:t>9/7/2017</a:t>
+              <a:t>9/10/2017</a:t>
             </a:fld>
             <a:endParaRPr lang="en-US"/>
           </a:p>
@@ -3041,7 +3041,7 @@
           <a:p>
             <a:fld id="{9541C2B2-0BAB-4CD4-83EE-25F1A7138896}" type="datetime1">
               <a:rPr lang="en-US" altLang="zh-CN" smtClean="0"/>
-              <a:t>9/7/2017</a:t>
+              <a:t>9/10/2017</a:t>
             </a:fld>
             <a:endParaRPr lang="en-US"/>
           </a:p>
@@ -3416,7 +3416,7 @@
           <a:p>
             <a:fld id="{7DEA23E7-D0FC-41DC-8745-BE6FC447B182}" type="datetime1">
               <a:rPr lang="en-US" altLang="zh-CN" smtClean="0"/>
-              <a:t>9/7/2017</a:t>
+              <a:t>9/10/2017</a:t>
             </a:fld>
             <a:endParaRPr lang="en-US"/>
           </a:p>
@@ -4201,7 +4201,7 @@
           <a:p>
             <a:fld id="{5DEA8378-5F33-490B-8120-8DE6B7EE2781}" type="datetime1">
               <a:rPr lang="en-US" altLang="zh-CN" smtClean="0"/>
-              <a:t>9/7/2017</a:t>
+              <a:t>9/10/2017</a:t>
             </a:fld>
             <a:endParaRPr lang="en-US"/>
           </a:p>
@@ -4455,7 +4455,7 @@
           <a:p>
             <a:fld id="{38DD30CF-78A7-4C73-91B4-38D3E3317745}" type="datetime1">
               <a:rPr lang="en-US" altLang="zh-CN" smtClean="0"/>
-              <a:t>9/7/2017</a:t>
+              <a:t>9/10/2017</a:t>
             </a:fld>
             <a:endParaRPr lang="en-US"/>
           </a:p>
@@ -4558,7 +4558,7 @@
           <a:p>
             <a:fld id="{A1BE0A72-8501-4974-A7B7-5BD248ABBAFC}" type="datetime1">
               <a:rPr lang="zh-CN" altLang="en-US" smtClean="0"/>
-              <a:t>2017/9/7</a:t>
+              <a:t>2017/9/10</a:t>
             </a:fld>
             <a:endParaRPr lang="zh-CN" altLang="en-US"/>
           </a:p>
@@ -4819,7 +4819,7 @@
           <a:p>
             <a:fld id="{0B7E01DD-16D0-4DBA-9C1A-51468BA0B73A}" type="datetime1">
               <a:rPr lang="en-US" altLang="zh-CN" smtClean="0"/>
-              <a:t>9/7/2017</a:t>
+              <a:t>9/10/2017</a:t>
             </a:fld>
             <a:endParaRPr lang="en-US"/>
           </a:p>
@@ -4997,7 +4997,7 @@
           <a:p>
             <a:fld id="{B587E63F-0E62-4A50-901F-E071D77F7634}" type="datetime1">
               <a:rPr lang="en-US" altLang="zh-CN" smtClean="0"/>
-              <a:t>9/7/2017</a:t>
+              <a:t>9/10/2017</a:t>
             </a:fld>
             <a:endParaRPr lang="en-US"/>
           </a:p>
@@ -5185,7 +5185,7 @@
           <a:p>
             <a:fld id="{BD8521E8-9297-400B-AD8C-0A4D05699D33}" type="datetime1">
               <a:rPr lang="en-US" altLang="zh-CN" smtClean="0"/>
-              <a:t>9/7/2017</a:t>
+              <a:t>9/10/2017</a:t>
             </a:fld>
             <a:endParaRPr lang="en-US"/>
           </a:p>
@@ -5416,7 +5416,7 @@
           <a:p>
             <a:fld id="{ED5513C8-E3A4-4D78-B249-887659A958FF}" type="datetime1">
               <a:rPr lang="en-US" altLang="zh-CN" smtClean="0"/>
-              <a:t>9/7/2017</a:t>
+              <a:t>9/10/2017</a:t>
             </a:fld>
             <a:endParaRPr lang="en-US"/>
           </a:p>
@@ -5594,7 +5594,7 @@
           <a:p>
             <a:fld id="{EBEDA52C-3EEE-4289-818C-901C0A7814FE}" type="datetime1">
               <a:rPr lang="en-US" altLang="zh-CN" smtClean="0"/>
-              <a:t>9/7/2017</a:t>
+              <a:t>9/10/2017</a:t>
             </a:fld>
             <a:endParaRPr lang="en-US"/>
           </a:p>
@@ -5848,7 +5848,7 @@
           <a:p>
             <a:fld id="{09EF5D7F-EA15-485C-85DD-8FDC010A62D4}" type="datetime1">
               <a:rPr lang="en-US" altLang="zh-CN" smtClean="0"/>
-              <a:t>9/7/2017</a:t>
+              <a:t>9/10/2017</a:t>
             </a:fld>
             <a:endParaRPr lang="en-US"/>
           </a:p>
@@ -6088,7 +6088,7 @@
           <a:p>
             <a:fld id="{9541C2B2-0BAB-4CD4-83EE-25F1A7138896}" type="datetime1">
               <a:rPr lang="en-US" altLang="zh-CN" smtClean="0"/>
-              <a:t>9/7/2017</a:t>
+              <a:t>9/10/2017</a:t>
             </a:fld>
             <a:endParaRPr lang="en-US"/>
           </a:p>
@@ -6463,7 +6463,7 @@
           <a:p>
             <a:fld id="{7DEA23E7-D0FC-41DC-8745-BE6FC447B182}" type="datetime1">
               <a:rPr lang="en-US" altLang="zh-CN" smtClean="0"/>
-              <a:t>9/7/2017</a:t>
+              <a:t>9/10/2017</a:t>
             </a:fld>
             <a:endParaRPr lang="en-US"/>
           </a:p>
@@ -7248,7 +7248,7 @@
           <a:p>
             <a:fld id="{A1BE0A72-8501-4974-A7B7-5BD248ABBAFC}" type="datetime1">
               <a:rPr lang="zh-CN" altLang="en-US" smtClean="0"/>
-              <a:t>2017/9/7</a:t>
+              <a:t>2017/9/10</a:t>
             </a:fld>
             <a:endParaRPr lang="zh-CN" altLang="en-US"/>
           </a:p>
@@ -7301,7 +7301,7 @@
           <a:p>
             <a:fld id="{5DEA8378-5F33-490B-8120-8DE6B7EE2781}" type="datetime1">
               <a:rPr lang="en-US" altLang="zh-CN" smtClean="0"/>
-              <a:t>9/7/2017</a:t>
+              <a:t>9/10/2017</a:t>
             </a:fld>
             <a:endParaRPr lang="en-US"/>
           </a:p>
@@ -7555,7 +7555,7 @@
           <a:p>
             <a:fld id="{38DD30CF-78A7-4C73-91B4-38D3E3317745}" type="datetime1">
               <a:rPr lang="en-US" altLang="zh-CN" smtClean="0"/>
-              <a:t>9/7/2017</a:t>
+              <a:t>9/10/2017</a:t>
             </a:fld>
             <a:endParaRPr lang="en-US"/>
           </a:p>
@@ -7820,7 +7820,7 @@
           <a:p>
             <a:fld id="{0B7E01DD-16D0-4DBA-9C1A-51468BA0B73A}" type="datetime1">
               <a:rPr lang="en-US" altLang="zh-CN" smtClean="0"/>
-              <a:t>9/7/2017</a:t>
+              <a:t>9/10/2017</a:t>
             </a:fld>
             <a:endParaRPr lang="en-US"/>
           </a:p>
@@ -7998,7 +7998,7 @@
           <a:p>
             <a:fld id="{B587E63F-0E62-4A50-901F-E071D77F7634}" type="datetime1">
               <a:rPr lang="en-US" altLang="zh-CN" smtClean="0"/>
-              <a:t>9/7/2017</a:t>
+              <a:t>9/10/2017</a:t>
             </a:fld>
             <a:endParaRPr lang="en-US"/>
           </a:p>
@@ -8186,7 +8186,7 @@
           <a:p>
             <a:fld id="{BD8521E8-9297-400B-AD8C-0A4D05699D33}" type="datetime1">
               <a:rPr lang="en-US" altLang="zh-CN" smtClean="0"/>
-              <a:t>9/7/2017</a:t>
+              <a:t>9/10/2017</a:t>
             </a:fld>
             <a:endParaRPr lang="en-US"/>
           </a:p>
@@ -8289,7 +8289,7 @@
           <a:p>
             <a:fld id="{EF452D9C-F9EB-4417-9C3A-C876C2AF9415}" type="datetime1">
               <a:rPr lang="zh-CN" altLang="en-US" smtClean="0"/>
-              <a:t>2017/9/7</a:t>
+              <a:t>2017/9/10</a:t>
             </a:fld>
             <a:endParaRPr lang="zh-CN" altLang="en-US"/>
           </a:p>
@@ -8475,7 +8475,7 @@
           <a:p>
             <a:fld id="{2F2E9289-9B4C-49AE-BDDA-70D6EDC89D17}" type="datetime1">
               <a:rPr lang="zh-CN" altLang="en-US" smtClean="0"/>
-              <a:t>2017/9/7</a:t>
+              <a:t>2017/9/10</a:t>
             </a:fld>
             <a:endParaRPr lang="zh-CN" altLang="en-US"/>
           </a:p>
@@ -8645,7 +8645,7 @@
           <a:p>
             <a:fld id="{2F2E9289-9B4C-49AE-BDDA-70D6EDC89D17}" type="datetime1">
               <a:rPr lang="zh-CN" altLang="en-US" smtClean="0"/>
-              <a:t>2017/9/7</a:t>
+              <a:t>2017/9/10</a:t>
             </a:fld>
             <a:endParaRPr lang="zh-CN" altLang="en-US"/>
           </a:p>
@@ -8881,7 +8881,7 @@
           <a:p>
             <a:fld id="{8C5BA751-A251-47D6-8494-C134D9EBED5F}" type="datetime1">
               <a:rPr lang="zh-CN" altLang="en-US" smtClean="0"/>
-              <a:t>2017/9/7</a:t>
+              <a:t>2017/9/10</a:t>
             </a:fld>
             <a:endParaRPr lang="zh-CN" altLang="en-US"/>
           </a:p>
@@ -9237,7 +9237,7 @@
           <a:p>
             <a:fld id="{C46E2078-F302-4651-A2A2-2FC6C4E1A3F1}" type="datetime1">
               <a:rPr lang="zh-CN" altLang="en-US" smtClean="0"/>
-              <a:t>2017/9/7</a:t>
+              <a:t>2017/9/10</a:t>
             </a:fld>
             <a:endParaRPr lang="zh-CN" altLang="en-US"/>
           </a:p>
@@ -9359,7 +9359,7 @@
               <a:pPr>
                 <a:defRPr/>
               </a:pPr>
-              <a:t>2017/9/7</a:t>
+              <a:t>2017/9/10</a:t>
             </a:fld>
             <a:endParaRPr lang="zh-CN" altLang="en-US"/>
           </a:p>
@@ -9507,7 +9507,7 @@
           <a:p>
             <a:fld id="{A1BE0A72-8501-4974-A7B7-5BD248ABBAFC}" type="datetime1">
               <a:rPr lang="zh-CN" altLang="en-US" smtClean="0"/>
-              <a:t>2017/9/7</a:t>
+              <a:t>2017/9/10</a:t>
             </a:fld>
             <a:endParaRPr lang="zh-CN" altLang="en-US"/>
           </a:p>
@@ -10021,7 +10021,7 @@
           <a:p>
             <a:fld id="{A1BE0A72-8501-4974-A7B7-5BD248ABBAFC}" type="datetime1">
               <a:rPr lang="zh-CN" altLang="en-US" smtClean="0"/>
-              <a:t>2017/9/7</a:t>
+              <a:t>2017/9/10</a:t>
             </a:fld>
             <a:endParaRPr lang="zh-CN" altLang="en-US"/>
           </a:p>
@@ -10627,7 +10627,7 @@
           <a:p>
             <a:fld id="{7A78726F-0AD2-4A20-BC72-263D2D3F3A2F}" type="datetime1">
               <a:rPr lang="en-US" altLang="zh-CN" smtClean="0"/>
-              <a:t>9/7/2017</a:t>
+              <a:t>9/10/2017</a:t>
             </a:fld>
             <a:endParaRPr lang="en-US"/>
           </a:p>
@@ -11608,7 +11608,7 @@
           <a:p>
             <a:fld id="{A1BE0A72-8501-4974-A7B7-5BD248ABBAFC}" type="datetime1">
               <a:rPr lang="zh-CN" altLang="en-US" smtClean="0"/>
-              <a:t>2017/9/7</a:t>
+              <a:t>2017/9/10</a:t>
             </a:fld>
             <a:endParaRPr lang="zh-CN" altLang="en-US"/>
           </a:p>
@@ -12214,7 +12214,7 @@
           <a:p>
             <a:fld id="{7A78726F-0AD2-4A20-BC72-263D2D3F3A2F}" type="datetime1">
               <a:rPr lang="en-US" altLang="zh-CN" smtClean="0"/>
-              <a:t>9/7/2017</a:t>
+              <a:t>9/10/2017</a:t>
             </a:fld>
             <a:endParaRPr lang="en-US"/>
           </a:p>
@@ -13178,119 +13178,132 @@
             <p:ph sz="quarter" idx="13"/>
           </p:nvPr>
         </p:nvSpPr>
-        <p:spPr/>
+        <p:spPr>
+          <a:xfrm>
+            <a:off x="1054100" y="543636"/>
+            <a:ext cx="4973074" cy="685800"/>
+          </a:xfrm>
+        </p:spPr>
         <p:txBody>
           <a:bodyPr/>
           <a:lstStyle/>
           <a:p>
-            <a:pPr marL="0" indent="0">
-              <a:buNone/>
-            </a:pPr>
-            <a:r>
-              <a:rPr lang="zh-CN" altLang="en-US" dirty="0"/>
-              <a:t>￭搜索‘微信公众平台’打开链接</a:t>
-            </a:r>
-            <a:endParaRPr lang="en-US" altLang="zh-CN" dirty="0"/>
-          </a:p>
-          <a:p>
-            <a:pPr marL="0" indent="0">
-              <a:buNone/>
-            </a:pPr>
-            <a:r>
-              <a:rPr lang="en-US" altLang="zh-CN" dirty="0"/>
-              <a:t>	</a:t>
-            </a:r>
-            <a:r>
-              <a:rPr lang="zh-CN" altLang="en-US" dirty="0"/>
-              <a:t>或者是直接输入网址：</a:t>
-            </a:r>
-            <a:r>
-              <a:rPr lang="en-US" altLang="zh-CN" dirty="0"/>
-              <a:t>https://mp.weixin.qq.com</a:t>
-            </a:r>
-          </a:p>
-          <a:p>
-            <a:pPr marL="0" indent="0">
-              <a:buNone/>
-            </a:pPr>
-            <a:r>
-              <a:rPr lang="zh-CN" altLang="en-US" dirty="0"/>
-              <a:t>￭点击‘立即注册’</a:t>
-            </a:r>
-            <a:endParaRPr lang="en-US" altLang="zh-CN" dirty="0"/>
-          </a:p>
-          <a:p>
-            <a:pPr marL="0" indent="0">
-              <a:buNone/>
-            </a:pPr>
-            <a:r>
-              <a:rPr lang="zh-CN" altLang="en-US" dirty="0"/>
-              <a:t>￭选择公众号</a:t>
-            </a:r>
-            <a:r>
-              <a:rPr lang="zh-CN" altLang="en-US"/>
-              <a:t>类型，选择</a:t>
-            </a:r>
-            <a:r>
-              <a:rPr lang="zh-CN" altLang="en-US" dirty="0"/>
-              <a:t>订阅号</a:t>
-            </a:r>
-            <a:endParaRPr lang="en-US" altLang="zh-CN" dirty="0"/>
-          </a:p>
-          <a:p>
-            <a:pPr marL="0" indent="0">
-              <a:buNone/>
-            </a:pPr>
-            <a:r>
-              <a:rPr lang="zh-CN" altLang="en-US" dirty="0"/>
-              <a:t>￭按照步骤与提示填写表单并完成注册</a:t>
-            </a:r>
-            <a:endParaRPr lang="en-US" altLang="zh-CN" dirty="0"/>
-          </a:p>
-          <a:p>
-            <a:pPr lvl="1"/>
-            <a:endParaRPr lang="en-US" altLang="zh-CN" dirty="0"/>
-          </a:p>
-          <a:p>
-            <a:pPr lvl="1"/>
-            <a:endParaRPr lang="en-US" altLang="zh-CN" dirty="0"/>
-          </a:p>
-          <a:p>
-            <a:endParaRPr lang="zh-CN" altLang="en-US" dirty="0"/>
-          </a:p>
-        </p:txBody>
-      </p:sp>
-      <p:sp>
-        <p:nvSpPr>
-          <p:cNvPr id="3" name="内容占位符 2"/>
-          <p:cNvSpPr>
-            <a:spLocks noGrp="1"/>
-          </p:cNvSpPr>
-          <p:nvPr>
-            <p:ph sz="quarter" idx="15"/>
-          </p:nvPr>
+            <a:r>
+              <a:rPr lang="zh-CN" altLang="en-US" b="0" dirty="0"/>
+              <a:t>第二讲</a:t>
+            </a:r>
+          </a:p>
+        </p:txBody>
+      </p:sp>
+      <p:sp>
+        <p:nvSpPr>
+          <p:cNvPr id="5" name="文本框 4">
+            <a:extLst>
+              <a:ext uri="{FF2B5EF4-FFF2-40B4-BE49-F238E27FC236}">
+                <a16:creationId xmlns:a16="http://schemas.microsoft.com/office/drawing/2014/main" id="{F135F30F-238C-4C42-9F3E-81617BFFBE96}"/>
+              </a:ext>
+            </a:extLst>
+          </p:cNvPr>
+          <p:cNvSpPr txBox="1"/>
+          <p:nvPr/>
         </p:nvSpPr>
         <p:spPr>
           <a:xfrm>
-            <a:off x="917622" y="516340"/>
-            <a:ext cx="5827307" cy="685800"/>
+            <a:off x="4121764" y="2372033"/>
+            <a:ext cx="4422468" cy="2339102"/>
           </a:xfrm>
+          <a:prstGeom prst="rect">
+            <a:avLst/>
+          </a:prstGeom>
+          <a:noFill/>
         </p:spPr>
         <p:txBody>
-          <a:bodyPr/>
+          <a:bodyPr wrap="square" rtlCol="0">
+            <a:spAutoFit/>
+          </a:bodyPr>
           <a:lstStyle/>
           <a:p>
-            <a:r>
-              <a:rPr lang="zh-CN" altLang="en-US" b="0" dirty="0"/>
-              <a:t>申请注册公众号</a:t>
-            </a:r>
+            <a:pPr marL="514350" indent="-514350">
+              <a:lnSpc>
+                <a:spcPct val="200000"/>
+              </a:lnSpc>
+              <a:buFont typeface="+mj-ea"/>
+              <a:buAutoNum type="ea1JpnChsDbPeriod"/>
+            </a:pPr>
+            <a:r>
+              <a:rPr lang="zh-CN" altLang="en-US" sz="2000" dirty="0">
+                <a:latin typeface="微软雅黑" panose="020B0503020204020204" pitchFamily="34" charset="-122"/>
+                <a:ea typeface="微软雅黑" panose="020B0503020204020204" pitchFamily="34" charset="-122"/>
+              </a:rPr>
+              <a:t>公众号基础</a:t>
+            </a:r>
+            <a:endParaRPr lang="en-US" altLang="zh-CN" sz="2000" dirty="0">
+              <a:latin typeface="微软雅黑" panose="020B0503020204020204" pitchFamily="34" charset="-122"/>
+              <a:ea typeface="微软雅黑" panose="020B0503020204020204" pitchFamily="34" charset="-122"/>
+            </a:endParaRPr>
+          </a:p>
+          <a:p>
+            <a:pPr marL="514350" indent="-514350">
+              <a:lnSpc>
+                <a:spcPct val="200000"/>
+              </a:lnSpc>
+              <a:buFont typeface="+mj-ea"/>
+              <a:buAutoNum type="ea1JpnChsDbPeriod"/>
+            </a:pPr>
+            <a:r>
+              <a:rPr lang="zh-CN" altLang="en-US" sz="2400" dirty="0">
+                <a:solidFill>
+                  <a:schemeClr val="accent6">
+                    <a:lumMod val="75000"/>
+                  </a:schemeClr>
+                </a:solidFill>
+                <a:latin typeface="微软雅黑" panose="020B0503020204020204" pitchFamily="34" charset="-122"/>
+                <a:ea typeface="微软雅黑" panose="020B0503020204020204" pitchFamily="34" charset="-122"/>
+              </a:rPr>
+              <a:t>申请注册个人公众号</a:t>
+            </a:r>
+            <a:endParaRPr lang="en-US" altLang="zh-CN" sz="2400" dirty="0">
+              <a:solidFill>
+                <a:schemeClr val="accent6">
+                  <a:lumMod val="75000"/>
+                </a:schemeClr>
+              </a:solidFill>
+              <a:latin typeface="微软雅黑" panose="020B0503020204020204" pitchFamily="34" charset="-122"/>
+              <a:ea typeface="微软雅黑" panose="020B0503020204020204" pitchFamily="34" charset="-122"/>
+            </a:endParaRPr>
+          </a:p>
+          <a:p>
+            <a:pPr marL="514350" indent="-514350">
+              <a:lnSpc>
+                <a:spcPct val="200000"/>
+              </a:lnSpc>
+              <a:buFont typeface="+mj-ea"/>
+              <a:buAutoNum type="ea1JpnChsDbPeriod"/>
+            </a:pPr>
+            <a:r>
+              <a:rPr lang="zh-CN" altLang="en-US" sz="2000" dirty="0">
+                <a:latin typeface="微软雅黑" panose="020B0503020204020204" pitchFamily="34" charset="-122"/>
+                <a:ea typeface="微软雅黑" panose="020B0503020204020204" pitchFamily="34" charset="-122"/>
+              </a:rPr>
+              <a:t>公众号基本使用</a:t>
+            </a:r>
+            <a:endParaRPr lang="en-US" altLang="zh-CN" sz="2000" dirty="0">
+              <a:latin typeface="微软雅黑" panose="020B0503020204020204" pitchFamily="34" charset="-122"/>
+              <a:ea typeface="微软雅黑" panose="020B0503020204020204" pitchFamily="34" charset="-122"/>
+            </a:endParaRPr>
+          </a:p>
+          <a:p>
+            <a:pPr marL="342900" indent="-342900">
+              <a:buAutoNum type="arabicPeriod"/>
+            </a:pPr>
+            <a:endParaRPr lang="zh-CN" altLang="en-US" dirty="0"/>
           </a:p>
         </p:txBody>
       </p:sp>
     </p:spTree>
     <p:extLst>
       <p:ext uri="{BB962C8B-B14F-4D97-AF65-F5344CB8AC3E}">
-        <p14:creationId xmlns:p14="http://schemas.microsoft.com/office/powerpoint/2010/main" val="2026224558"/>
+        <p14:creationId xmlns:p14="http://schemas.microsoft.com/office/powerpoint/2010/main" val="1928010297"/>
       </p:ext>
     </p:extLst>
   </p:cSld>
@@ -13319,6 +13332,195 @@
       </p:grpSpPr>
       <p:sp>
         <p:nvSpPr>
+          <p:cNvPr id="3" name="内容占位符 2"/>
+          <p:cNvSpPr>
+            <a:spLocks noGrp="1"/>
+          </p:cNvSpPr>
+          <p:nvPr>
+            <p:ph sz="quarter" idx="15"/>
+          </p:nvPr>
+        </p:nvSpPr>
+        <p:spPr>
+          <a:xfrm>
+            <a:off x="917622" y="516340"/>
+            <a:ext cx="5827307" cy="685800"/>
+          </a:xfrm>
+        </p:spPr>
+        <p:txBody>
+          <a:bodyPr/>
+          <a:lstStyle/>
+          <a:p>
+            <a:r>
+              <a:rPr lang="zh-CN" altLang="en-US" b="0" dirty="0"/>
+              <a:t>申请注册公众号</a:t>
+            </a:r>
+          </a:p>
+        </p:txBody>
+      </p:sp>
+      <p:sp>
+        <p:nvSpPr>
+          <p:cNvPr id="4" name="矩形 3">
+            <a:extLst>
+              <a:ext uri="{FF2B5EF4-FFF2-40B4-BE49-F238E27FC236}">
+                <a16:creationId xmlns:a16="http://schemas.microsoft.com/office/drawing/2014/main" id="{46B2ADE3-0934-4FCE-8BC2-3B471FFE3B65}"/>
+              </a:ext>
+            </a:extLst>
+          </p:cNvPr>
+          <p:cNvSpPr/>
+          <p:nvPr/>
+        </p:nvSpPr>
+        <p:spPr>
+          <a:xfrm>
+            <a:off x="917622" y="1825097"/>
+            <a:ext cx="8314868" cy="2346283"/>
+          </a:xfrm>
+          <a:prstGeom prst="rect">
+            <a:avLst/>
+          </a:prstGeom>
+        </p:spPr>
+        <p:txBody>
+          <a:bodyPr wrap="square">
+            <a:spAutoFit/>
+          </a:bodyPr>
+          <a:lstStyle/>
+          <a:p>
+            <a:pPr marL="285750" indent="-285750">
+              <a:lnSpc>
+                <a:spcPct val="150000"/>
+              </a:lnSpc>
+              <a:buFont typeface="Arial" panose="020B0604020202020204" pitchFamily="34" charset="0"/>
+              <a:buChar char="•"/>
+            </a:pPr>
+            <a:r>
+              <a:rPr lang="zh-CN" altLang="en-US" sz="2000" dirty="0">
+                <a:latin typeface="微软雅黑" panose="020B0503020204020204" pitchFamily="34" charset="-122"/>
+                <a:ea typeface="微软雅黑" panose="020B0503020204020204" pitchFamily="34" charset="-122"/>
+              </a:rPr>
+              <a:t>搜索‘微信公众平台’打开链接</a:t>
+            </a:r>
+            <a:endParaRPr lang="en-US" altLang="zh-CN" sz="2000" dirty="0">
+              <a:latin typeface="微软雅黑" panose="020B0503020204020204" pitchFamily="34" charset="-122"/>
+              <a:ea typeface="微软雅黑" panose="020B0503020204020204" pitchFamily="34" charset="-122"/>
+            </a:endParaRPr>
+          </a:p>
+          <a:p>
+            <a:pPr>
+              <a:lnSpc>
+                <a:spcPct val="150000"/>
+              </a:lnSpc>
+            </a:pPr>
+            <a:r>
+              <a:rPr lang="en-US" altLang="zh-CN" sz="2000" dirty="0">
+                <a:latin typeface="微软雅黑" panose="020B0503020204020204" pitchFamily="34" charset="-122"/>
+                <a:ea typeface="微软雅黑" panose="020B0503020204020204" pitchFamily="34" charset="-122"/>
+              </a:rPr>
+              <a:t>	</a:t>
+            </a:r>
+            <a:r>
+              <a:rPr lang="zh-CN" altLang="en-US" sz="2000" dirty="0">
+                <a:latin typeface="微软雅黑" panose="020B0503020204020204" pitchFamily="34" charset="-122"/>
+                <a:ea typeface="微软雅黑" panose="020B0503020204020204" pitchFamily="34" charset="-122"/>
+              </a:rPr>
+              <a:t>或者是直接输入网址：</a:t>
+            </a:r>
+            <a:r>
+              <a:rPr lang="en-US" altLang="zh-CN" sz="2000" dirty="0">
+                <a:latin typeface="微软雅黑" panose="020B0503020204020204" pitchFamily="34" charset="-122"/>
+                <a:ea typeface="微软雅黑" panose="020B0503020204020204" pitchFamily="34" charset="-122"/>
+              </a:rPr>
+              <a:t>https://mp.weixin.qq.com</a:t>
+            </a:r>
+          </a:p>
+          <a:p>
+            <a:pPr marL="285750" indent="-285750">
+              <a:lnSpc>
+                <a:spcPct val="150000"/>
+              </a:lnSpc>
+              <a:buFont typeface="Arial" panose="020B0604020202020204" pitchFamily="34" charset="0"/>
+              <a:buChar char="•"/>
+            </a:pPr>
+            <a:r>
+              <a:rPr lang="zh-CN" altLang="en-US" sz="2000" dirty="0">
+                <a:latin typeface="微软雅黑" panose="020B0503020204020204" pitchFamily="34" charset="-122"/>
+                <a:ea typeface="微软雅黑" panose="020B0503020204020204" pitchFamily="34" charset="-122"/>
+              </a:rPr>
+              <a:t>点击‘立即注册’</a:t>
+            </a:r>
+            <a:endParaRPr lang="en-US" altLang="zh-CN" sz="2000" dirty="0">
+              <a:latin typeface="微软雅黑" panose="020B0503020204020204" pitchFamily="34" charset="-122"/>
+              <a:ea typeface="微软雅黑" panose="020B0503020204020204" pitchFamily="34" charset="-122"/>
+            </a:endParaRPr>
+          </a:p>
+          <a:p>
+            <a:pPr marL="285750" indent="-285750">
+              <a:lnSpc>
+                <a:spcPct val="150000"/>
+              </a:lnSpc>
+              <a:buFont typeface="Arial" panose="020B0604020202020204" pitchFamily="34" charset="0"/>
+              <a:buChar char="•"/>
+            </a:pPr>
+            <a:r>
+              <a:rPr lang="zh-CN" altLang="en-US" sz="2000" dirty="0">
+                <a:latin typeface="微软雅黑" panose="020B0503020204020204" pitchFamily="34" charset="-122"/>
+                <a:ea typeface="微软雅黑" panose="020B0503020204020204" pitchFamily="34" charset="-122"/>
+              </a:rPr>
+              <a:t>选择公众号类型，选择订阅号</a:t>
+            </a:r>
+            <a:endParaRPr lang="en-US" altLang="zh-CN" sz="2000" dirty="0">
+              <a:latin typeface="微软雅黑" panose="020B0503020204020204" pitchFamily="34" charset="-122"/>
+              <a:ea typeface="微软雅黑" panose="020B0503020204020204" pitchFamily="34" charset="-122"/>
+            </a:endParaRPr>
+          </a:p>
+          <a:p>
+            <a:pPr marL="285750" indent="-285750">
+              <a:lnSpc>
+                <a:spcPct val="150000"/>
+              </a:lnSpc>
+              <a:buFont typeface="Arial" panose="020B0604020202020204" pitchFamily="34" charset="0"/>
+              <a:buChar char="•"/>
+            </a:pPr>
+            <a:r>
+              <a:rPr lang="zh-CN" altLang="en-US" sz="2000" dirty="0">
+                <a:latin typeface="微软雅黑" panose="020B0503020204020204" pitchFamily="34" charset="-122"/>
+                <a:ea typeface="微软雅黑" panose="020B0503020204020204" pitchFamily="34" charset="-122"/>
+              </a:rPr>
+              <a:t>按照步骤与提示填写表单并完成注册</a:t>
+            </a:r>
+          </a:p>
+        </p:txBody>
+      </p:sp>
+    </p:spTree>
+    <p:extLst>
+      <p:ext uri="{BB962C8B-B14F-4D97-AF65-F5344CB8AC3E}">
+        <p14:creationId xmlns:p14="http://schemas.microsoft.com/office/powerpoint/2010/main" val="2026224558"/>
+      </p:ext>
+    </p:extLst>
+  </p:cSld>
+  <p:clrMapOvr>
+    <a:masterClrMapping/>
+  </p:clrMapOvr>
+</p:sld>
+</file>
+
+<file path=ppt/slides/slide12.xml><?xml version="1.0" encoding="utf-8"?>
+<p:sld xmlns:a="http://schemas.openxmlformats.org/drawingml/2006/main" xmlns:r="http://schemas.openxmlformats.org/officeDocument/2006/relationships" xmlns:p="http://schemas.openxmlformats.org/presentationml/2006/main">
+  <p:cSld>
+    <p:spTree>
+      <p:nvGrpSpPr>
+        <p:cNvPr id="1" name=""/>
+        <p:cNvGrpSpPr/>
+        <p:nvPr/>
+      </p:nvGrpSpPr>
+      <p:grpSpPr>
+        <a:xfrm>
+          <a:off x="0" y="0"/>
+          <a:ext cx="0" cy="0"/>
+          <a:chOff x="0" y="0"/>
+          <a:chExt cx="0" cy="0"/>
+        </a:xfrm>
+      </p:grpSpPr>
+      <p:sp>
+        <p:nvSpPr>
           <p:cNvPr id="2" name="内容占位符 1"/>
           <p:cNvSpPr>
             <a:spLocks noGrp="1"/>
@@ -13462,7 +13664,7 @@
 </p:sld>
 </file>
 
-<file path=ppt/slides/slide12.xml><?xml version="1.0" encoding="utf-8"?>
+<file path=ppt/slides/slide13.xml><?xml version="1.0" encoding="utf-8"?>
 <p:sld xmlns:a="http://schemas.openxmlformats.org/drawingml/2006/main" xmlns:r="http://schemas.openxmlformats.org/officeDocument/2006/relationships" xmlns:p="http://schemas.openxmlformats.org/presentationml/2006/main">
   <p:cSld>
     <p:spTree>
@@ -13579,7 +13781,7 @@
 </p:sld>
 </file>
 
-<file path=ppt/slides/slide13.xml><?xml version="1.0" encoding="utf-8"?>
+<file path=ppt/slides/slide14.xml><?xml version="1.0" encoding="utf-8"?>
 <p:sld xmlns:a="http://schemas.openxmlformats.org/drawingml/2006/main" xmlns:r="http://schemas.openxmlformats.org/officeDocument/2006/relationships" xmlns:p="http://schemas.openxmlformats.org/presentationml/2006/main">
   <p:cSld>
     <p:spTree>
@@ -13666,7 +13868,7 @@
 </p:sld>
 </file>
 
-<file path=ppt/slides/slide14.xml><?xml version="1.0" encoding="utf-8"?>
+<file path=ppt/slides/slide15.xml><?xml version="1.0" encoding="utf-8"?>
 <p:sld xmlns:a="http://schemas.openxmlformats.org/drawingml/2006/main" xmlns:r="http://schemas.openxmlformats.org/officeDocument/2006/relationships" xmlns:p="http://schemas.openxmlformats.org/presentationml/2006/main">
   <p:cSld>
     <p:spTree>
@@ -13790,7 +13992,7 @@
 </p:sld>
 </file>
 
-<file path=ppt/slides/slide15.xml><?xml version="1.0" encoding="utf-8"?>
+<file path=ppt/slides/slide16.xml><?xml version="1.0" encoding="utf-8"?>
 <p:sld xmlns:a="http://schemas.openxmlformats.org/drawingml/2006/main" xmlns:r="http://schemas.openxmlformats.org/officeDocument/2006/relationships" xmlns:p="http://schemas.openxmlformats.org/presentationml/2006/main">
   <p:cSld>
     <p:spTree>
@@ -13817,17 +14019,18 @@
             <p:ph sz="quarter" idx="15"/>
           </p:nvPr>
         </p:nvSpPr>
-        <p:spPr/>
+        <p:spPr>
+          <a:xfrm>
+            <a:off x="917622" y="516340"/>
+            <a:ext cx="5974791" cy="685800"/>
+          </a:xfrm>
+        </p:spPr>
         <p:txBody>
           <a:bodyPr/>
           <a:lstStyle/>
           <a:p>
             <a:r>
-              <a:rPr lang="en-US" altLang="zh-CN" dirty="0"/>
-              <a:t>3.4</a:t>
-            </a:r>
-            <a:r>
-              <a:rPr lang="zh-CN" altLang="en-US" dirty="0"/>
+              <a:rPr lang="zh-CN" altLang="en-US" b="0" dirty="0"/>
               <a:t>群发功能</a:t>
             </a:r>
           </a:p>
@@ -13835,7 +14038,13 @@
       </p:sp>
       <p:pic>
         <p:nvPicPr>
-          <p:cNvPr id="6" name="图片 5"/>
+          <p:cNvPr id="3" name="图片 2">
+            <a:extLst>
+              <a:ext uri="{FF2B5EF4-FFF2-40B4-BE49-F238E27FC236}">
+                <a16:creationId xmlns:a16="http://schemas.microsoft.com/office/drawing/2014/main" id="{02C7A242-FA97-4B33-B884-9E90EBCDE6F7}"/>
+              </a:ext>
+            </a:extLst>
+          </p:cNvPr>
           <p:cNvPicPr>
             <a:picLocks noChangeAspect="1"/>
           </p:cNvPicPr>
@@ -13855,38 +14064,8 @@
         </p:blipFill>
         <p:spPr>
           <a:xfrm>
-            <a:off x="2968719" y="1538288"/>
-            <a:ext cx="9144000" cy="5162550"/>
-          </a:xfrm>
-          <a:prstGeom prst="rect">
-            <a:avLst/>
-          </a:prstGeom>
-        </p:spPr>
-      </p:pic>
-      <p:pic>
-        <p:nvPicPr>
-          <p:cNvPr id="9" name="图片 8"/>
-          <p:cNvPicPr>
-            <a:picLocks noChangeAspect="1"/>
-          </p:cNvPicPr>
-          <p:nvPr/>
-        </p:nvPicPr>
-        <p:blipFill>
-          <a:blip r:embed="rId3">
-            <a:extLst>
-              <a:ext uri="{28A0092B-C50C-407E-A947-70E740481C1C}">
-                <a14:useLocalDpi xmlns:a14="http://schemas.microsoft.com/office/drawing/2010/main" val="0"/>
-              </a:ext>
-            </a:extLst>
-          </a:blip>
-          <a:stretch>
-            <a:fillRect/>
-          </a:stretch>
-        </p:blipFill>
-        <p:spPr>
-          <a:xfrm>
-            <a:off x="917622" y="1538288"/>
-            <a:ext cx="2047875" cy="3409950"/>
+            <a:off x="427924" y="1568982"/>
+            <a:ext cx="11674653" cy="4743327"/>
           </a:xfrm>
           <a:prstGeom prst="rect">
             <a:avLst/>
@@ -13897,93 +14076,6 @@
     <p:extLst>
       <p:ext uri="{BB962C8B-B14F-4D97-AF65-F5344CB8AC3E}">
         <p14:creationId xmlns:p14="http://schemas.microsoft.com/office/powerpoint/2010/main" val="2085274758"/>
-      </p:ext>
-    </p:extLst>
-  </p:cSld>
-  <p:clrMapOvr>
-    <a:masterClrMapping/>
-  </p:clrMapOvr>
-</p:sld>
-</file>
-
-<file path=ppt/slides/slide16.xml><?xml version="1.0" encoding="utf-8"?>
-<p:sld xmlns:a="http://schemas.openxmlformats.org/drawingml/2006/main" xmlns:r="http://schemas.openxmlformats.org/officeDocument/2006/relationships" xmlns:p="http://schemas.openxmlformats.org/presentationml/2006/main">
-  <p:cSld>
-    <p:spTree>
-      <p:nvGrpSpPr>
-        <p:cNvPr id="1" name=""/>
-        <p:cNvGrpSpPr/>
-        <p:nvPr/>
-      </p:nvGrpSpPr>
-      <p:grpSpPr>
-        <a:xfrm>
-          <a:off x="0" y="0"/>
-          <a:ext cx="0" cy="0"/>
-          <a:chOff x="0" y="0"/>
-          <a:chExt cx="0" cy="0"/>
-        </a:xfrm>
-      </p:grpSpPr>
-      <p:sp>
-        <p:nvSpPr>
-          <p:cNvPr id="2" name="内容占位符 1"/>
-          <p:cNvSpPr>
-            <a:spLocks noGrp="1"/>
-          </p:cNvSpPr>
-          <p:nvPr>
-            <p:ph sz="quarter" idx="13"/>
-          </p:nvPr>
-        </p:nvSpPr>
-        <p:spPr>
-          <a:xfrm>
-            <a:off x="1054099" y="543636"/>
-            <a:ext cx="6475413" cy="685800"/>
-          </a:xfrm>
-        </p:spPr>
-        <p:txBody>
-          <a:bodyPr/>
-          <a:lstStyle/>
-          <a:p>
-            <a:r>
-              <a:rPr lang="zh-CN" altLang="en-US" b="0" dirty="0"/>
-              <a:t>群发功能页面更新</a:t>
-            </a:r>
-          </a:p>
-        </p:txBody>
-      </p:sp>
-      <p:pic>
-        <p:nvPicPr>
-          <p:cNvPr id="4" name="图片 3"/>
-          <p:cNvPicPr>
-            <a:picLocks noChangeAspect="1"/>
-          </p:cNvPicPr>
-          <p:nvPr/>
-        </p:nvPicPr>
-        <p:blipFill>
-          <a:blip r:embed="rId2">
-            <a:extLst>
-              <a:ext uri="{28A0092B-C50C-407E-A947-70E740481C1C}">
-                <a14:useLocalDpi xmlns:a14="http://schemas.microsoft.com/office/drawing/2010/main" val="0"/>
-              </a:ext>
-            </a:extLst>
-          </a:blip>
-          <a:stretch>
-            <a:fillRect/>
-          </a:stretch>
-        </p:blipFill>
-        <p:spPr>
-          <a:xfrm>
-            <a:off x="1054099" y="1647825"/>
-            <a:ext cx="10907349" cy="4781550"/>
-          </a:xfrm>
-          <a:prstGeom prst="rect">
-            <a:avLst/>
-          </a:prstGeom>
-        </p:spPr>
-      </p:pic>
-    </p:spTree>
-    <p:extLst>
-      <p:ext uri="{BB962C8B-B14F-4D97-AF65-F5344CB8AC3E}">
-        <p14:creationId xmlns:p14="http://schemas.microsoft.com/office/powerpoint/2010/main" val="1749735139"/>
       </p:ext>
     </p:extLst>
   </p:cSld>
@@ -14595,7 +14687,7 @@
         <p:spPr>
           <a:xfrm>
             <a:off x="1254125" y="1814513"/>
-            <a:ext cx="5041900" cy="2308324"/>
+            <a:ext cx="5041900" cy="1422954"/>
           </a:xfrm>
           <a:prstGeom prst="rect">
             <a:avLst/>
@@ -14614,13 +14706,13 @@
               </a:lnSpc>
             </a:pPr>
             <a:r>
-              <a:rPr lang="zh-CN" altLang="en-US" sz="2400" dirty="0">
+              <a:rPr lang="zh-CN" altLang="en-US" sz="2000" dirty="0">
                 <a:latin typeface="微软雅黑" panose="020B0503020204020204" pitchFamily="34" charset="-122"/>
                 <a:ea typeface="微软雅黑" panose="020B0503020204020204" pitchFamily="34" charset="-122"/>
               </a:rPr>
               <a:t>姓名：王勇</a:t>
             </a:r>
-            <a:endParaRPr lang="en-US" altLang="zh-CN" sz="2400" dirty="0">
+            <a:endParaRPr lang="en-US" altLang="zh-CN" sz="2000" dirty="0">
               <a:latin typeface="微软雅黑" panose="020B0503020204020204" pitchFamily="34" charset="-122"/>
               <a:ea typeface="微软雅黑" panose="020B0503020204020204" pitchFamily="34" charset="-122"/>
             </a:endParaRPr>
@@ -14632,18 +14724,25 @@
               </a:lnSpc>
             </a:pPr>
             <a:r>
-              <a:rPr lang="zh-CN" altLang="en-US" sz="2400" dirty="0">
+              <a:rPr lang="en-US" altLang="zh-CN" sz="2000" dirty="0">
                 <a:latin typeface="微软雅黑" panose="020B0503020204020204" pitchFamily="34" charset="-122"/>
                 <a:ea typeface="微软雅黑" panose="020B0503020204020204" pitchFamily="34" charset="-122"/>
               </a:rPr>
-              <a:t>邮箱：</a:t>
-            </a:r>
-            <a:r>
-              <a:rPr lang="en-US" altLang="zh-CN" sz="2400" dirty="0">
+              <a:t>QQ</a:t>
+            </a:r>
+            <a:r>
+              <a:rPr lang="zh-CN" altLang="en-US" sz="2000" dirty="0">
                 <a:latin typeface="微软雅黑" panose="020B0503020204020204" pitchFamily="34" charset="-122"/>
                 <a:ea typeface="微软雅黑" panose="020B0503020204020204" pitchFamily="34" charset="-122"/>
               </a:rPr>
-              <a:t>1146040444@qq.com</a:t>
+              <a:t>：</a:t>
+            </a:r>
+            <a:r>
+              <a:rPr lang="en-US" altLang="zh-CN" sz="2000" dirty="0">
+                <a:latin typeface="微软雅黑" panose="020B0503020204020204" pitchFamily="34" charset="-122"/>
+                <a:ea typeface="微软雅黑" panose="020B0503020204020204" pitchFamily="34" charset="-122"/>
+              </a:rPr>
+              <a:t>1146040444</a:t>
             </a:r>
           </a:p>
           <a:p>
@@ -14653,63 +14752,26 @@
               </a:lnSpc>
             </a:pPr>
             <a:r>
-              <a:rPr lang="zh-CN" altLang="en-US" sz="2400" dirty="0">
+              <a:rPr lang="zh-CN" altLang="en-US" sz="2000" dirty="0">
                 <a:latin typeface="微软雅黑" panose="020B0503020204020204" pitchFamily="34" charset="-122"/>
                 <a:ea typeface="微软雅黑" panose="020B0503020204020204" pitchFamily="34" charset="-122"/>
               </a:rPr>
               <a:t>手机号：</a:t>
             </a:r>
             <a:r>
-              <a:rPr lang="en-US" altLang="zh-CN" sz="2400" dirty="0">
+              <a:rPr lang="en-US" altLang="zh-CN" sz="2000" dirty="0">
                 <a:latin typeface="微软雅黑" panose="020B0503020204020204" pitchFamily="34" charset="-122"/>
                 <a:ea typeface="微软雅黑" panose="020B0503020204020204" pitchFamily="34" charset="-122"/>
               </a:rPr>
               <a:t>13223439296</a:t>
             </a:r>
-          </a:p>
-          <a:p>
-            <a:pPr>
-              <a:lnSpc>
-                <a:spcPct val="150000"/>
-              </a:lnSpc>
-            </a:pPr>
-            <a:endParaRPr lang="zh-CN" altLang="en-US" sz="2400" dirty="0">
+            <a:endParaRPr lang="zh-CN" altLang="en-US" sz="2000" dirty="0">
               <a:latin typeface="微软雅黑" panose="020B0503020204020204" pitchFamily="34" charset="-122"/>
               <a:ea typeface="微软雅黑" panose="020B0503020204020204" pitchFamily="34" charset="-122"/>
             </a:endParaRPr>
           </a:p>
         </p:txBody>
       </p:sp>
-      <p:pic>
-        <p:nvPicPr>
-          <p:cNvPr id="3" name="图片 2"/>
-          <p:cNvPicPr>
-            <a:picLocks noChangeAspect="1"/>
-          </p:cNvPicPr>
-          <p:nvPr/>
-        </p:nvPicPr>
-        <p:blipFill>
-          <a:blip r:embed="rId2">
-            <a:extLst>
-              <a:ext uri="{28A0092B-C50C-407E-A947-70E740481C1C}">
-                <a14:useLocalDpi xmlns:a14="http://schemas.microsoft.com/office/drawing/2010/main" val="0"/>
-              </a:ext>
-            </a:extLst>
-          </a:blip>
-          <a:stretch>
-            <a:fillRect/>
-          </a:stretch>
-        </p:blipFill>
-        <p:spPr>
-          <a:xfrm>
-            <a:off x="7176378" y="1814513"/>
-            <a:ext cx="4901321" cy="4901321"/>
-          </a:xfrm>
-          <a:prstGeom prst="rect">
-            <a:avLst/>
-          </a:prstGeom>
-        </p:spPr>
-      </p:pic>
     </p:spTree>
     <p:extLst>
       <p:ext uri="{BB962C8B-B14F-4D97-AF65-F5344CB8AC3E}">
@@ -15709,21 +15771,21 @@
           <a:p>
             <a:r>
               <a:rPr lang="zh-CN" altLang="en-US" b="0" dirty="0"/>
-              <a:t>本次课程目录</a:t>
-            </a:r>
-          </a:p>
-        </p:txBody>
-      </p:sp>
-      <p:sp>
-        <p:nvSpPr>
-          <p:cNvPr id="8" name="文本框 7"/>
+              <a:t>关于本课程</a:t>
+            </a:r>
+          </a:p>
+        </p:txBody>
+      </p:sp>
+      <p:sp>
+        <p:nvSpPr>
+          <p:cNvPr id="4" name="文本框 3"/>
           <p:cNvSpPr txBox="1"/>
           <p:nvPr/>
         </p:nvSpPr>
         <p:spPr>
           <a:xfrm>
-            <a:off x="4121764" y="2372033"/>
-            <a:ext cx="4422468" cy="2585323"/>
+            <a:off x="1054099" y="4255184"/>
+            <a:ext cx="4294648" cy="1477328"/>
           </a:xfrm>
           <a:prstGeom prst="rect">
             <a:avLst/>
@@ -15736,71 +15798,248 @@
           </a:bodyPr>
           <a:lstStyle/>
           <a:p>
+            <a:pPr marL="342900" indent="-342900">
+              <a:lnSpc>
+                <a:spcPct val="150000"/>
+              </a:lnSpc>
+              <a:buFont typeface="Arial" panose="020B0604020202020204" pitchFamily="34" charset="0"/>
+              <a:buChar char="•"/>
+            </a:pPr>
+            <a:r>
+              <a:rPr lang="zh-CN" altLang="en-US" sz="2000" dirty="0">
+                <a:solidFill>
+                  <a:schemeClr val="tx2">
+                    <a:lumMod val="75000"/>
+                  </a:schemeClr>
+                </a:solidFill>
+                <a:latin typeface="新宋体" panose="02010609030101010101" pitchFamily="49" charset="-122"/>
+                <a:ea typeface="新宋体" panose="02010609030101010101" pitchFamily="49" charset="-122"/>
+              </a:rPr>
+              <a:t>平时成绩：</a:t>
+            </a:r>
+            <a:r>
+              <a:rPr lang="en-US" altLang="zh-CN" sz="2000" dirty="0">
+                <a:solidFill>
+                  <a:schemeClr val="tx2">
+                    <a:lumMod val="75000"/>
+                  </a:schemeClr>
+                </a:solidFill>
+                <a:latin typeface="新宋体" panose="02010609030101010101" pitchFamily="49" charset="-122"/>
+                <a:ea typeface="新宋体" panose="02010609030101010101" pitchFamily="49" charset="-122"/>
+              </a:rPr>
+              <a:t>40%</a:t>
+            </a:r>
+          </a:p>
+          <a:p>
+            <a:pPr marL="342900" indent="-342900">
+              <a:lnSpc>
+                <a:spcPct val="150000"/>
+              </a:lnSpc>
+              <a:buFont typeface="Arial" panose="020B0604020202020204" pitchFamily="34" charset="0"/>
+              <a:buChar char="•"/>
+            </a:pPr>
+            <a:r>
+              <a:rPr lang="zh-CN" altLang="en-US" sz="2000" dirty="0">
+                <a:solidFill>
+                  <a:schemeClr val="tx2">
+                    <a:lumMod val="75000"/>
+                  </a:schemeClr>
+                </a:solidFill>
+                <a:latin typeface="新宋体" panose="02010609030101010101" pitchFamily="49" charset="-122"/>
+                <a:ea typeface="新宋体" panose="02010609030101010101" pitchFamily="49" charset="-122"/>
+              </a:rPr>
+              <a:t>考试成绩：</a:t>
+            </a:r>
+            <a:r>
+              <a:rPr lang="en-US" altLang="zh-CN" sz="2000" dirty="0">
+                <a:solidFill>
+                  <a:schemeClr val="tx2">
+                    <a:lumMod val="75000"/>
+                  </a:schemeClr>
+                </a:solidFill>
+                <a:latin typeface="新宋体" panose="02010609030101010101" pitchFamily="49" charset="-122"/>
+                <a:ea typeface="新宋体" panose="02010609030101010101" pitchFamily="49" charset="-122"/>
+              </a:rPr>
+              <a:t>60%</a:t>
+            </a:r>
+          </a:p>
+          <a:p>
+            <a:pPr marL="342900" indent="-342900">
+              <a:lnSpc>
+                <a:spcPct val="150000"/>
+              </a:lnSpc>
+              <a:buFont typeface="Arial" panose="020B0604020202020204" pitchFamily="34" charset="0"/>
+              <a:buChar char="•"/>
+            </a:pPr>
+            <a:r>
+              <a:rPr lang="zh-CN" altLang="en-US" sz="2000" dirty="0">
+                <a:solidFill>
+                  <a:schemeClr val="tx2">
+                    <a:lumMod val="75000"/>
+                  </a:schemeClr>
+                </a:solidFill>
+                <a:latin typeface="新宋体" panose="02010609030101010101" pitchFamily="49" charset="-122"/>
+                <a:ea typeface="新宋体" panose="02010609030101010101" pitchFamily="49" charset="-122"/>
+              </a:rPr>
+              <a:t>考试方式：机试</a:t>
+            </a:r>
+            <a:r>
+              <a:rPr lang="en-US" altLang="zh-CN" sz="2000" dirty="0">
+                <a:solidFill>
+                  <a:schemeClr val="tx2">
+                    <a:lumMod val="75000"/>
+                  </a:schemeClr>
+                </a:solidFill>
+                <a:latin typeface="新宋体" panose="02010609030101010101" pitchFamily="49" charset="-122"/>
+                <a:ea typeface="新宋体" panose="02010609030101010101" pitchFamily="49" charset="-122"/>
+              </a:rPr>
+              <a:t>/</a:t>
+            </a:r>
+            <a:r>
+              <a:rPr lang="zh-CN" altLang="en-US" sz="2000" dirty="0">
+                <a:solidFill>
+                  <a:schemeClr val="tx2">
+                    <a:lumMod val="75000"/>
+                  </a:schemeClr>
+                </a:solidFill>
+                <a:latin typeface="新宋体" panose="02010609030101010101" pitchFamily="49" charset="-122"/>
+                <a:ea typeface="新宋体" panose="02010609030101010101" pitchFamily="49" charset="-122"/>
+              </a:rPr>
+              <a:t>笔试</a:t>
+            </a:r>
+            <a:endParaRPr lang="en-US" altLang="zh-CN" sz="2000" dirty="0">
+              <a:solidFill>
+                <a:schemeClr val="tx2">
+                  <a:lumMod val="75000"/>
+                </a:schemeClr>
+              </a:solidFill>
+              <a:latin typeface="新宋体" panose="02010609030101010101" pitchFamily="49" charset="-122"/>
+              <a:ea typeface="新宋体" panose="02010609030101010101" pitchFamily="49" charset="-122"/>
+            </a:endParaRPr>
+          </a:p>
+        </p:txBody>
+      </p:sp>
+      <p:sp>
+        <p:nvSpPr>
+          <p:cNvPr id="3" name="文本框 2">
+            <a:extLst>
+              <a:ext uri="{FF2B5EF4-FFF2-40B4-BE49-F238E27FC236}">
+                <a16:creationId xmlns:a16="http://schemas.microsoft.com/office/drawing/2014/main" id="{7B16C7BF-8A36-436B-8D04-CEF076DB28CC}"/>
+              </a:ext>
+            </a:extLst>
+          </p:cNvPr>
+          <p:cNvSpPr txBox="1"/>
+          <p:nvPr/>
+        </p:nvSpPr>
+        <p:spPr>
+          <a:xfrm>
+            <a:off x="1054099" y="1772814"/>
+            <a:ext cx="8414366" cy="1938992"/>
+          </a:xfrm>
+          <a:prstGeom prst="rect">
+            <a:avLst/>
+          </a:prstGeom>
+          <a:noFill/>
+        </p:spPr>
+        <p:txBody>
+          <a:bodyPr wrap="square" rtlCol="0">
+            <a:spAutoFit/>
+          </a:bodyPr>
+          <a:lstStyle/>
+          <a:p>
             <a:pPr>
               <a:lnSpc>
-                <a:spcPct val="200000"/>
+                <a:spcPct val="150000"/>
               </a:lnSpc>
             </a:pPr>
             <a:r>
-              <a:rPr lang="zh-CN" altLang="en-US" sz="2400" dirty="0">
+              <a:rPr lang="zh-CN" altLang="en-US" sz="2000" dirty="0">
                 <a:latin typeface="微软雅黑" panose="020B0503020204020204" pitchFamily="34" charset="-122"/>
                 <a:ea typeface="微软雅黑" panose="020B0503020204020204" pitchFamily="34" charset="-122"/>
               </a:rPr>
-              <a:t>一、公众号基础</a:t>
-            </a:r>
-            <a:endParaRPr lang="en-US" altLang="zh-CN" sz="2400" dirty="0">
+              <a:t>本课程讲解微信公众号的基础使用与开发，主要分为</a:t>
+            </a:r>
+            <a:r>
+              <a:rPr lang="en-US" altLang="zh-CN" sz="2000" dirty="0">
+                <a:latin typeface="微软雅黑" panose="020B0503020204020204" pitchFamily="34" charset="-122"/>
+                <a:ea typeface="微软雅黑" panose="020B0503020204020204" pitchFamily="34" charset="-122"/>
+              </a:rPr>
+              <a:t>3</a:t>
+            </a:r>
+            <a:r>
+              <a:rPr lang="zh-CN" altLang="en-US" sz="2000" dirty="0">
+                <a:latin typeface="微软雅黑" panose="020B0503020204020204" pitchFamily="34" charset="-122"/>
+                <a:ea typeface="微软雅黑" panose="020B0503020204020204" pitchFamily="34" charset="-122"/>
+              </a:rPr>
+              <a:t>大部分：</a:t>
+            </a:r>
+            <a:endParaRPr lang="en-US" altLang="zh-CN" sz="2000" dirty="0">
               <a:latin typeface="微软雅黑" panose="020B0503020204020204" pitchFamily="34" charset="-122"/>
               <a:ea typeface="微软雅黑" panose="020B0503020204020204" pitchFamily="34" charset="-122"/>
             </a:endParaRPr>
           </a:p>
           <a:p>
-            <a:pPr>
+            <a:pPr marL="742950" lvl="1" indent="-285750">
               <a:lnSpc>
-                <a:spcPct val="200000"/>
+                <a:spcPct val="150000"/>
               </a:lnSpc>
+              <a:buFont typeface="Arial" panose="020B0604020202020204" pitchFamily="34" charset="0"/>
+              <a:buChar char="•"/>
             </a:pPr>
             <a:r>
-              <a:rPr lang="zh-CN" altLang="en-US" sz="2400" dirty="0">
-                <a:latin typeface="微软雅黑" panose="020B0503020204020204" pitchFamily="34" charset="-122"/>
-                <a:ea typeface="微软雅黑" panose="020B0503020204020204" pitchFamily="34" charset="-122"/>
+              <a:rPr lang="zh-CN" altLang="en-US" sz="2000" dirty="0">
+                <a:latin typeface="新宋体" panose="02010609030101010101" pitchFamily="49" charset="-122"/>
+                <a:ea typeface="新宋体" panose="02010609030101010101" pitchFamily="49" charset="-122"/>
               </a:rPr>
-              <a:t>二、申请注册个人公众号</a:t>
-            </a:r>
-            <a:endParaRPr lang="en-US" altLang="zh-CN" sz="2400" dirty="0">
-              <a:latin typeface="微软雅黑" panose="020B0503020204020204" pitchFamily="34" charset="-122"/>
-              <a:ea typeface="微软雅黑" panose="020B0503020204020204" pitchFamily="34" charset="-122"/>
+              <a:t>公众号基础与开发环境</a:t>
+            </a:r>
+            <a:endParaRPr lang="en-US" altLang="zh-CN" sz="2000" dirty="0">
+              <a:latin typeface="新宋体" panose="02010609030101010101" pitchFamily="49" charset="-122"/>
+              <a:ea typeface="新宋体" panose="02010609030101010101" pitchFamily="49" charset="-122"/>
             </a:endParaRPr>
           </a:p>
           <a:p>
-            <a:pPr>
+            <a:pPr marL="742950" lvl="1" indent="-285750">
               <a:lnSpc>
-                <a:spcPct val="200000"/>
+                <a:spcPct val="150000"/>
               </a:lnSpc>
+              <a:buFont typeface="Arial" panose="020B0604020202020204" pitchFamily="34" charset="0"/>
+              <a:buChar char="•"/>
             </a:pPr>
             <a:r>
-              <a:rPr lang="zh-CN" altLang="en-US" sz="2400" dirty="0">
-                <a:latin typeface="微软雅黑" panose="020B0503020204020204" pitchFamily="34" charset="-122"/>
-                <a:ea typeface="微软雅黑" panose="020B0503020204020204" pitchFamily="34" charset="-122"/>
+              <a:rPr lang="zh-CN" altLang="en-US" sz="2000" dirty="0">
+                <a:latin typeface="新宋体" panose="02010609030101010101" pitchFamily="49" charset="-122"/>
+                <a:ea typeface="新宋体" panose="02010609030101010101" pitchFamily="49" charset="-122"/>
               </a:rPr>
-              <a:t>三、公众号基本使用</a:t>
-            </a:r>
-            <a:endParaRPr lang="en-US" altLang="zh-CN" sz="2400" dirty="0">
-              <a:latin typeface="微软雅黑" panose="020B0503020204020204" pitchFamily="34" charset="-122"/>
-              <a:ea typeface="微软雅黑" panose="020B0503020204020204" pitchFamily="34" charset="-122"/>
+              <a:t>服务器消息处理</a:t>
+            </a:r>
+            <a:endParaRPr lang="en-US" altLang="zh-CN" sz="2000" dirty="0">
+              <a:latin typeface="新宋体" panose="02010609030101010101" pitchFamily="49" charset="-122"/>
+              <a:ea typeface="新宋体" panose="02010609030101010101" pitchFamily="49" charset="-122"/>
             </a:endParaRPr>
           </a:p>
           <a:p>
-            <a:pPr marL="342900" indent="-342900">
-              <a:buAutoNum type="arabicPeriod"/>
+            <a:pPr marL="742950" lvl="1" indent="-285750">
+              <a:lnSpc>
+                <a:spcPct val="150000"/>
+              </a:lnSpc>
+              <a:buFont typeface="Arial" panose="020B0604020202020204" pitchFamily="34" charset="0"/>
+              <a:buChar char="•"/>
             </a:pPr>
-            <a:endParaRPr lang="zh-CN" altLang="en-US" dirty="0"/>
+            <a:r>
+              <a:rPr lang="zh-CN" altLang="en-US" sz="2000" dirty="0">
+                <a:latin typeface="新宋体" panose="02010609030101010101" pitchFamily="49" charset="-122"/>
+                <a:ea typeface="新宋体" panose="02010609030101010101" pitchFamily="49" charset="-122"/>
+              </a:rPr>
+              <a:t>微信接口开发</a:t>
+            </a:r>
           </a:p>
         </p:txBody>
       </p:sp>
     </p:spTree>
     <p:extLst>
       <p:ext uri="{BB962C8B-B14F-4D97-AF65-F5344CB8AC3E}">
-        <p14:creationId xmlns:p14="http://schemas.microsoft.com/office/powerpoint/2010/main" val="714534542"/>
+        <p14:creationId xmlns:p14="http://schemas.microsoft.com/office/powerpoint/2010/main" val="3919478484"/>
       </p:ext>
     </p:extLst>
   </p:cSld>
@@ -15837,39 +16076,28 @@
             <p:ph sz="quarter" idx="13"/>
           </p:nvPr>
         </p:nvSpPr>
-        <p:spPr>
-          <a:xfrm>
-            <a:off x="1054099" y="543636"/>
-            <a:ext cx="6418263" cy="685800"/>
-          </a:xfrm>
-        </p:spPr>
+        <p:spPr/>
         <p:txBody>
           <a:bodyPr/>
           <a:lstStyle/>
           <a:p>
             <a:r>
               <a:rPr lang="zh-CN" altLang="en-US" b="0" dirty="0"/>
-              <a:t>第一讲</a:t>
-            </a:r>
-          </a:p>
-        </p:txBody>
-      </p:sp>
-      <p:sp>
-        <p:nvSpPr>
-          <p:cNvPr id="5" name="文本框 4">
-            <a:extLst>
-              <a:ext uri="{FF2B5EF4-FFF2-40B4-BE49-F238E27FC236}">
-                <a16:creationId xmlns:a16="http://schemas.microsoft.com/office/drawing/2014/main" id="{09CF37F0-D486-445A-BE77-5873D1FB7B70}"/>
-              </a:ext>
-            </a:extLst>
-          </p:cNvPr>
+              <a:t>本次课程目录</a:t>
+            </a:r>
+          </a:p>
+        </p:txBody>
+      </p:sp>
+      <p:sp>
+        <p:nvSpPr>
+          <p:cNvPr id="8" name="文本框 7"/>
           <p:cNvSpPr txBox="1"/>
           <p:nvPr/>
         </p:nvSpPr>
         <p:spPr>
           <a:xfrm>
             <a:off x="4121764" y="2372033"/>
-            <a:ext cx="4422468" cy="2339102"/>
+            <a:ext cx="4422468" cy="2585323"/>
           </a:xfrm>
           <a:prstGeom prst="rect">
             <a:avLst/>
@@ -15882,71 +16110,55 @@
           </a:bodyPr>
           <a:lstStyle/>
           <a:p>
-            <a:pPr marL="514350" indent="-514350">
+            <a:pPr>
               <a:lnSpc>
                 <a:spcPct val="200000"/>
               </a:lnSpc>
-              <a:buFont typeface="+mj-ea"/>
-              <a:buAutoNum type="ea1JpnChsDbPeriod"/>
             </a:pPr>
             <a:r>
               <a:rPr lang="zh-CN" altLang="en-US" sz="2400" dirty="0">
-                <a:solidFill>
-                  <a:schemeClr val="accent6">
-                    <a:lumMod val="75000"/>
-                  </a:schemeClr>
-                </a:solidFill>
                 <a:latin typeface="微软雅黑" panose="020B0503020204020204" pitchFamily="34" charset="-122"/>
                 <a:ea typeface="微软雅黑" panose="020B0503020204020204" pitchFamily="34" charset="-122"/>
               </a:rPr>
-              <a:t>公众号基础</a:t>
+              <a:t>一、公众号基础</a:t>
             </a:r>
             <a:endParaRPr lang="en-US" altLang="zh-CN" sz="2400" dirty="0">
-              <a:solidFill>
-                <a:schemeClr val="accent6">
-                  <a:lumMod val="75000"/>
-                </a:schemeClr>
-              </a:solidFill>
               <a:latin typeface="微软雅黑" panose="020B0503020204020204" pitchFamily="34" charset="-122"/>
               <a:ea typeface="微软雅黑" panose="020B0503020204020204" pitchFamily="34" charset="-122"/>
             </a:endParaRPr>
           </a:p>
           <a:p>
-            <a:pPr marL="514350" indent="-514350">
+            <a:pPr>
               <a:lnSpc>
                 <a:spcPct val="200000"/>
               </a:lnSpc>
-              <a:buFont typeface="+mj-ea"/>
-              <a:buAutoNum type="ea1JpnChsDbPeriod"/>
             </a:pPr>
             <a:r>
-              <a:rPr lang="zh-CN" altLang="en-US" sz="2000" dirty="0">
+              <a:rPr lang="zh-CN" altLang="en-US" sz="2400" dirty="0">
                 <a:latin typeface="微软雅黑" panose="020B0503020204020204" pitchFamily="34" charset="-122"/>
                 <a:ea typeface="微软雅黑" panose="020B0503020204020204" pitchFamily="34" charset="-122"/>
               </a:rPr>
-              <a:t>申请注册个人公众号</a:t>
-            </a:r>
-            <a:endParaRPr lang="en-US" altLang="zh-CN" sz="2000" dirty="0">
+              <a:t>二、申请注册个人公众号</a:t>
+            </a:r>
+            <a:endParaRPr lang="en-US" altLang="zh-CN" sz="2400" dirty="0">
               <a:latin typeface="微软雅黑" panose="020B0503020204020204" pitchFamily="34" charset="-122"/>
               <a:ea typeface="微软雅黑" panose="020B0503020204020204" pitchFamily="34" charset="-122"/>
             </a:endParaRPr>
           </a:p>
           <a:p>
-            <a:pPr marL="514350" indent="-514350">
+            <a:pPr>
               <a:lnSpc>
                 <a:spcPct val="200000"/>
               </a:lnSpc>
-              <a:buFont typeface="+mj-ea"/>
-              <a:buAutoNum type="ea1JpnChsDbPeriod"/>
             </a:pPr>
             <a:r>
-              <a:rPr lang="zh-CN" altLang="en-US" sz="2000" dirty="0">
+              <a:rPr lang="zh-CN" altLang="en-US" sz="2400" dirty="0">
                 <a:latin typeface="微软雅黑" panose="020B0503020204020204" pitchFamily="34" charset="-122"/>
                 <a:ea typeface="微软雅黑" panose="020B0503020204020204" pitchFamily="34" charset="-122"/>
               </a:rPr>
-              <a:t>公众号基本使用</a:t>
-            </a:r>
-            <a:endParaRPr lang="en-US" altLang="zh-CN" sz="2000" dirty="0">
+              <a:t>三、公众号基本使用</a:t>
+            </a:r>
+            <a:endParaRPr lang="en-US" altLang="zh-CN" sz="2400" dirty="0">
               <a:latin typeface="微软雅黑" panose="020B0503020204020204" pitchFamily="34" charset="-122"/>
               <a:ea typeface="微软雅黑" panose="020B0503020204020204" pitchFamily="34" charset="-122"/>
             </a:endParaRPr>
@@ -15962,7 +16174,7 @@
     </p:spTree>
     <p:extLst>
       <p:ext uri="{BB962C8B-B14F-4D97-AF65-F5344CB8AC3E}">
-        <p14:creationId xmlns:p14="http://schemas.microsoft.com/office/powerpoint/2010/main" val="2268354123"/>
+        <p14:creationId xmlns:p14="http://schemas.microsoft.com/office/powerpoint/2010/main" val="714534542"/>
       </p:ext>
     </p:extLst>
   </p:cSld>
@@ -15991,6 +16203,168 @@
       </p:grpSpPr>
       <p:sp>
         <p:nvSpPr>
+          <p:cNvPr id="2" name="内容占位符 1"/>
+          <p:cNvSpPr>
+            <a:spLocks noGrp="1"/>
+          </p:cNvSpPr>
+          <p:nvPr>
+            <p:ph sz="quarter" idx="13"/>
+          </p:nvPr>
+        </p:nvSpPr>
+        <p:spPr>
+          <a:xfrm>
+            <a:off x="1054099" y="543636"/>
+            <a:ext cx="6418263" cy="685800"/>
+          </a:xfrm>
+        </p:spPr>
+        <p:txBody>
+          <a:bodyPr/>
+          <a:lstStyle/>
+          <a:p>
+            <a:r>
+              <a:rPr lang="zh-CN" altLang="en-US" b="0" dirty="0"/>
+              <a:t>第一讲</a:t>
+            </a:r>
+          </a:p>
+        </p:txBody>
+      </p:sp>
+      <p:sp>
+        <p:nvSpPr>
+          <p:cNvPr id="5" name="文本框 4">
+            <a:extLst>
+              <a:ext uri="{FF2B5EF4-FFF2-40B4-BE49-F238E27FC236}">
+                <a16:creationId xmlns:a16="http://schemas.microsoft.com/office/drawing/2014/main" id="{09CF37F0-D486-445A-BE77-5873D1FB7B70}"/>
+              </a:ext>
+            </a:extLst>
+          </p:cNvPr>
+          <p:cNvSpPr txBox="1"/>
+          <p:nvPr/>
+        </p:nvSpPr>
+        <p:spPr>
+          <a:xfrm>
+            <a:off x="4121764" y="2372033"/>
+            <a:ext cx="4422468" cy="2339102"/>
+          </a:xfrm>
+          <a:prstGeom prst="rect">
+            <a:avLst/>
+          </a:prstGeom>
+          <a:noFill/>
+        </p:spPr>
+        <p:txBody>
+          <a:bodyPr wrap="square" rtlCol="0">
+            <a:spAutoFit/>
+          </a:bodyPr>
+          <a:lstStyle/>
+          <a:p>
+            <a:pPr marL="514350" indent="-514350">
+              <a:lnSpc>
+                <a:spcPct val="200000"/>
+              </a:lnSpc>
+              <a:buFont typeface="+mj-ea"/>
+              <a:buAutoNum type="ea1JpnChsDbPeriod"/>
+            </a:pPr>
+            <a:r>
+              <a:rPr lang="zh-CN" altLang="en-US" sz="2400" dirty="0">
+                <a:solidFill>
+                  <a:schemeClr val="accent6">
+                    <a:lumMod val="75000"/>
+                  </a:schemeClr>
+                </a:solidFill>
+                <a:latin typeface="微软雅黑" panose="020B0503020204020204" pitchFamily="34" charset="-122"/>
+                <a:ea typeface="微软雅黑" panose="020B0503020204020204" pitchFamily="34" charset="-122"/>
+              </a:rPr>
+              <a:t>公众号基础</a:t>
+            </a:r>
+            <a:endParaRPr lang="en-US" altLang="zh-CN" sz="2400" dirty="0">
+              <a:solidFill>
+                <a:schemeClr val="accent6">
+                  <a:lumMod val="75000"/>
+                </a:schemeClr>
+              </a:solidFill>
+              <a:latin typeface="微软雅黑" panose="020B0503020204020204" pitchFamily="34" charset="-122"/>
+              <a:ea typeface="微软雅黑" panose="020B0503020204020204" pitchFamily="34" charset="-122"/>
+            </a:endParaRPr>
+          </a:p>
+          <a:p>
+            <a:pPr marL="514350" indent="-514350">
+              <a:lnSpc>
+                <a:spcPct val="200000"/>
+              </a:lnSpc>
+              <a:buFont typeface="+mj-ea"/>
+              <a:buAutoNum type="ea1JpnChsDbPeriod"/>
+            </a:pPr>
+            <a:r>
+              <a:rPr lang="zh-CN" altLang="en-US" sz="2000" dirty="0">
+                <a:latin typeface="微软雅黑" panose="020B0503020204020204" pitchFamily="34" charset="-122"/>
+                <a:ea typeface="微软雅黑" panose="020B0503020204020204" pitchFamily="34" charset="-122"/>
+              </a:rPr>
+              <a:t>申请注册个人公众号</a:t>
+            </a:r>
+            <a:endParaRPr lang="en-US" altLang="zh-CN" sz="2000" dirty="0">
+              <a:latin typeface="微软雅黑" panose="020B0503020204020204" pitchFamily="34" charset="-122"/>
+              <a:ea typeface="微软雅黑" panose="020B0503020204020204" pitchFamily="34" charset="-122"/>
+            </a:endParaRPr>
+          </a:p>
+          <a:p>
+            <a:pPr marL="514350" indent="-514350">
+              <a:lnSpc>
+                <a:spcPct val="200000"/>
+              </a:lnSpc>
+              <a:buFont typeface="+mj-ea"/>
+              <a:buAutoNum type="ea1JpnChsDbPeriod"/>
+            </a:pPr>
+            <a:r>
+              <a:rPr lang="zh-CN" altLang="en-US" sz="2000" dirty="0">
+                <a:latin typeface="微软雅黑" panose="020B0503020204020204" pitchFamily="34" charset="-122"/>
+                <a:ea typeface="微软雅黑" panose="020B0503020204020204" pitchFamily="34" charset="-122"/>
+              </a:rPr>
+              <a:t>公众号基本使用</a:t>
+            </a:r>
+            <a:endParaRPr lang="en-US" altLang="zh-CN" sz="2000" dirty="0">
+              <a:latin typeface="微软雅黑" panose="020B0503020204020204" pitchFamily="34" charset="-122"/>
+              <a:ea typeface="微软雅黑" panose="020B0503020204020204" pitchFamily="34" charset="-122"/>
+            </a:endParaRPr>
+          </a:p>
+          <a:p>
+            <a:pPr marL="342900" indent="-342900">
+              <a:buAutoNum type="arabicPeriod"/>
+            </a:pPr>
+            <a:endParaRPr lang="zh-CN" altLang="en-US" dirty="0"/>
+          </a:p>
+        </p:txBody>
+      </p:sp>
+    </p:spTree>
+    <p:extLst>
+      <p:ext uri="{BB962C8B-B14F-4D97-AF65-F5344CB8AC3E}">
+        <p14:creationId xmlns:p14="http://schemas.microsoft.com/office/powerpoint/2010/main" val="2268354123"/>
+      </p:ext>
+    </p:extLst>
+  </p:cSld>
+  <p:clrMapOvr>
+    <a:masterClrMapping/>
+  </p:clrMapOvr>
+</p:sld>
+</file>
+
+<file path=ppt/slides/slide6.xml><?xml version="1.0" encoding="utf-8"?>
+<p:sld xmlns:a="http://schemas.openxmlformats.org/drawingml/2006/main" xmlns:r="http://schemas.openxmlformats.org/officeDocument/2006/relationships" xmlns:p="http://schemas.openxmlformats.org/presentationml/2006/main">
+  <p:cSld>
+    <p:spTree>
+      <p:nvGrpSpPr>
+        <p:cNvPr id="1" name=""/>
+        <p:cNvGrpSpPr/>
+        <p:nvPr/>
+      </p:nvGrpSpPr>
+      <p:grpSpPr>
+        <a:xfrm>
+          <a:off x="0" y="0"/>
+          <a:ext cx="0" cy="0"/>
+          <a:chOff x="0" y="0"/>
+          <a:chExt cx="0" cy="0"/>
+        </a:xfrm>
+      </p:grpSpPr>
+      <p:sp>
+        <p:nvSpPr>
           <p:cNvPr id="3" name="内容占位符 2"/>
           <p:cNvSpPr>
             <a:spLocks noGrp="1"/>
@@ -16119,7 +16493,7 @@
 </p:sld>
 </file>
 
-<file path=ppt/slides/slide6.xml><?xml version="1.0" encoding="utf-8"?>
+<file path=ppt/slides/slide7.xml><?xml version="1.0" encoding="utf-8"?>
 <p:sld xmlns:a="http://schemas.openxmlformats.org/drawingml/2006/main" xmlns:r="http://schemas.openxmlformats.org/officeDocument/2006/relationships" xmlns:p="http://schemas.openxmlformats.org/presentationml/2006/main">
   <p:cSld>
     <p:spTree>
@@ -16891,191 +17265,6 @@
 </p:sld>
 </file>
 
-<file path=ppt/slides/slide7.xml><?xml version="1.0" encoding="utf-8"?>
-<p:sld xmlns:a="http://schemas.openxmlformats.org/drawingml/2006/main" xmlns:r="http://schemas.openxmlformats.org/officeDocument/2006/relationships" xmlns:p="http://schemas.openxmlformats.org/presentationml/2006/main">
-  <p:cSld>
-    <p:spTree>
-      <p:nvGrpSpPr>
-        <p:cNvPr id="1" name=""/>
-        <p:cNvGrpSpPr/>
-        <p:nvPr/>
-      </p:nvGrpSpPr>
-      <p:grpSpPr>
-        <a:xfrm>
-          <a:off x="0" y="0"/>
-          <a:ext cx="0" cy="0"/>
-          <a:chOff x="0" y="0"/>
-          <a:chExt cx="0" cy="0"/>
-        </a:xfrm>
-      </p:grpSpPr>
-      <p:sp>
-        <p:nvSpPr>
-          <p:cNvPr id="2" name="内容占位符 1"/>
-          <p:cNvSpPr>
-            <a:spLocks noGrp="1"/>
-          </p:cNvSpPr>
-          <p:nvPr>
-            <p:ph sz="quarter" idx="13"/>
-          </p:nvPr>
-        </p:nvSpPr>
-        <p:spPr/>
-        <p:txBody>
-          <a:bodyPr/>
-          <a:lstStyle/>
-          <a:p>
-            <a:r>
-              <a:rPr lang="zh-CN" altLang="en-US" b="0" dirty="0"/>
-              <a:t>微信小程序</a:t>
-            </a:r>
-          </a:p>
-        </p:txBody>
-      </p:sp>
-      <p:sp>
-        <p:nvSpPr>
-          <p:cNvPr id="4" name="文本框 3"/>
-          <p:cNvSpPr txBox="1"/>
-          <p:nvPr/>
-        </p:nvSpPr>
-        <p:spPr>
-          <a:xfrm>
-            <a:off x="1054100" y="1800226"/>
-            <a:ext cx="10504488" cy="3046988"/>
-          </a:xfrm>
-          <a:prstGeom prst="rect">
-            <a:avLst/>
-          </a:prstGeom>
-          <a:noFill/>
-        </p:spPr>
-        <p:txBody>
-          <a:bodyPr wrap="square" rtlCol="0">
-            <a:spAutoFit/>
-          </a:bodyPr>
-          <a:lstStyle/>
-          <a:p>
-            <a:pPr>
-              <a:lnSpc>
-                <a:spcPct val="200000"/>
-              </a:lnSpc>
-            </a:pPr>
-            <a:r>
-              <a:rPr lang="zh-CN" altLang="en-US" sz="2400" dirty="0">
-                <a:latin typeface="微软雅黑" panose="020B0503020204020204" pitchFamily="34" charset="-122"/>
-                <a:ea typeface="微软雅黑" panose="020B0503020204020204" pitchFamily="34" charset="-122"/>
-              </a:rPr>
-              <a:t>￭</a:t>
-            </a:r>
-            <a:r>
-              <a:rPr lang="en-US" altLang="zh-CN" sz="2400" dirty="0">
-                <a:latin typeface="微软雅黑" panose="020B0503020204020204" pitchFamily="34" charset="-122"/>
-                <a:ea typeface="微软雅黑" panose="020B0503020204020204" pitchFamily="34" charset="-122"/>
-              </a:rPr>
-              <a:t>2017</a:t>
-            </a:r>
-            <a:r>
-              <a:rPr lang="zh-CN" altLang="en-US" sz="2400" dirty="0">
-                <a:latin typeface="微软雅黑" panose="020B0503020204020204" pitchFamily="34" charset="-122"/>
-                <a:ea typeface="微软雅黑" panose="020B0503020204020204" pitchFamily="34" charset="-122"/>
-              </a:rPr>
-              <a:t>年</a:t>
-            </a:r>
-            <a:r>
-              <a:rPr lang="en-US" altLang="zh-CN" sz="2400" dirty="0">
-                <a:latin typeface="微软雅黑" panose="020B0503020204020204" pitchFamily="34" charset="-122"/>
-                <a:ea typeface="微软雅黑" panose="020B0503020204020204" pitchFamily="34" charset="-122"/>
-              </a:rPr>
-              <a:t>1</a:t>
-            </a:r>
-            <a:r>
-              <a:rPr lang="zh-CN" altLang="en-US" sz="2400" dirty="0">
-                <a:latin typeface="微软雅黑" panose="020B0503020204020204" pitchFamily="34" charset="-122"/>
-                <a:ea typeface="微软雅黑" panose="020B0503020204020204" pitchFamily="34" charset="-122"/>
-              </a:rPr>
-              <a:t>月</a:t>
-            </a:r>
-            <a:r>
-              <a:rPr lang="en-US" altLang="zh-CN" sz="2400" dirty="0">
-                <a:latin typeface="微软雅黑" panose="020B0503020204020204" pitchFamily="34" charset="-122"/>
-                <a:ea typeface="微软雅黑" panose="020B0503020204020204" pitchFamily="34" charset="-122"/>
-              </a:rPr>
-              <a:t>9</a:t>
-            </a:r>
-            <a:r>
-              <a:rPr lang="zh-CN" altLang="en-US" sz="2400" dirty="0">
-                <a:latin typeface="微软雅黑" panose="020B0503020204020204" pitchFamily="34" charset="-122"/>
-                <a:ea typeface="微软雅黑" panose="020B0503020204020204" pitchFamily="34" charset="-122"/>
-              </a:rPr>
-              <a:t>号，第一批小程序正式上线。</a:t>
-            </a:r>
-            <a:endParaRPr lang="en-US" altLang="zh-CN" sz="2400" dirty="0">
-              <a:latin typeface="微软雅黑" panose="020B0503020204020204" pitchFamily="34" charset="-122"/>
-              <a:ea typeface="微软雅黑" panose="020B0503020204020204" pitchFamily="34" charset="-122"/>
-            </a:endParaRPr>
-          </a:p>
-          <a:p>
-            <a:pPr>
-              <a:lnSpc>
-                <a:spcPct val="200000"/>
-              </a:lnSpc>
-            </a:pPr>
-            <a:r>
-              <a:rPr lang="zh-CN" altLang="en-US" sz="2400" dirty="0">
-                <a:latin typeface="微软雅黑" panose="020B0503020204020204" pitchFamily="34" charset="-122"/>
-                <a:ea typeface="微软雅黑" panose="020B0503020204020204" pitchFamily="34" charset="-122"/>
-              </a:rPr>
-              <a:t>￭小程序与其他三个公众号类别处于同一级别。</a:t>
-            </a:r>
-            <a:endParaRPr lang="en-US" altLang="zh-CN" sz="2400" dirty="0">
-              <a:latin typeface="微软雅黑" panose="020B0503020204020204" pitchFamily="34" charset="-122"/>
-              <a:ea typeface="微软雅黑" panose="020B0503020204020204" pitchFamily="34" charset="-122"/>
-            </a:endParaRPr>
-          </a:p>
-          <a:p>
-            <a:pPr>
-              <a:lnSpc>
-                <a:spcPct val="200000"/>
-              </a:lnSpc>
-            </a:pPr>
-            <a:r>
-              <a:rPr lang="zh-CN" altLang="en-US" sz="2400" dirty="0">
-                <a:latin typeface="微软雅黑" panose="020B0503020204020204" pitchFamily="34" charset="-122"/>
-                <a:ea typeface="微软雅黑" panose="020B0503020204020204" pitchFamily="34" charset="-122"/>
-              </a:rPr>
-              <a:t>￭小程序作为一种不需安装直接打开应用的形式存在</a:t>
-            </a:r>
-            <a:endParaRPr lang="en-US" altLang="zh-CN" sz="2400" dirty="0">
-              <a:latin typeface="微软雅黑" panose="020B0503020204020204" pitchFamily="34" charset="-122"/>
-              <a:ea typeface="微软雅黑" panose="020B0503020204020204" pitchFamily="34" charset="-122"/>
-            </a:endParaRPr>
-          </a:p>
-          <a:p>
-            <a:pPr>
-              <a:lnSpc>
-                <a:spcPct val="200000"/>
-              </a:lnSpc>
-            </a:pPr>
-            <a:r>
-              <a:rPr lang="zh-CN" altLang="en-US" sz="2400" dirty="0">
-                <a:latin typeface="微软雅黑" panose="020B0503020204020204" pitchFamily="34" charset="-122"/>
-                <a:ea typeface="微软雅黑" panose="020B0503020204020204" pitchFamily="34" charset="-122"/>
-              </a:rPr>
-              <a:t>￭腾讯提供了开发框架与组件</a:t>
-            </a:r>
-          </a:p>
-        </p:txBody>
-      </p:sp>
-    </p:spTree>
-    <p:extLst>
-      <p:ext uri="{BB962C8B-B14F-4D97-AF65-F5344CB8AC3E}">
-        <p14:creationId xmlns:p14="http://schemas.microsoft.com/office/powerpoint/2010/main" val="515043175"/>
-      </p:ext>
-    </p:extLst>
-  </p:cSld>
-  <p:clrMapOvr>
-    <a:masterClrMapping/>
-  </p:clrMapOvr>
-</p:sld>
-</file>
-
 <file path=ppt/slides/slide8.xml><?xml version="1.0" encoding="utf-8"?>
 <p:sld xmlns:a="http://schemas.openxmlformats.org/drawingml/2006/main" xmlns:r="http://schemas.openxmlformats.org/officeDocument/2006/relationships" xmlns:p="http://schemas.openxmlformats.org/presentationml/2006/main">
   <p:cSld>
@@ -17110,7 +17299,7 @@
           <a:p>
             <a:r>
               <a:rPr lang="zh-CN" altLang="en-US" b="0" dirty="0"/>
-              <a:t>公众号认证</a:t>
+              <a:t>微信小程序</a:t>
             </a:r>
           </a:p>
         </p:txBody>
@@ -17123,8 +17312,8 @@
         </p:nvSpPr>
         <p:spPr>
           <a:xfrm>
-            <a:off x="1054100" y="1657351"/>
-            <a:ext cx="9832974" cy="1569660"/>
+            <a:off x="1054100" y="1800226"/>
+            <a:ext cx="10504488" cy="3046988"/>
           </a:xfrm>
           <a:prstGeom prst="rect">
             <a:avLst/>
@@ -17137,50 +17326,122 @@
           </a:bodyPr>
           <a:lstStyle/>
           <a:p>
-            <a:pPr indent="720000">
+            <a:pPr marL="342900" indent="-342900">
               <a:lnSpc>
                 <a:spcPct val="200000"/>
               </a:lnSpc>
+              <a:buFont typeface="Arial" panose="020B0604020202020204" pitchFamily="34" charset="0"/>
+              <a:buChar char="•"/>
             </a:pPr>
+            <a:r>
+              <a:rPr lang="en-US" altLang="zh-CN" sz="2400" dirty="0">
+                <a:latin typeface="微软雅黑" panose="020B0503020204020204" pitchFamily="34" charset="-122"/>
+                <a:ea typeface="微软雅黑" panose="020B0503020204020204" pitchFamily="34" charset="-122"/>
+              </a:rPr>
+              <a:t>2017</a:t>
+            </a:r>
             <a:r>
               <a:rPr lang="zh-CN" altLang="en-US" sz="2400" dirty="0">
                 <a:latin typeface="微软雅黑" panose="020B0503020204020204" pitchFamily="34" charset="-122"/>
                 <a:ea typeface="微软雅黑" panose="020B0503020204020204" pitchFamily="34" charset="-122"/>
               </a:rPr>
-              <a:t>想要公众号拥有更多的功能就需要进行认证。公众号认证目前需要</a:t>
+              <a:t>年</a:t>
             </a:r>
             <a:r>
               <a:rPr lang="en-US" altLang="zh-CN" sz="2400" dirty="0">
                 <a:latin typeface="微软雅黑" panose="020B0503020204020204" pitchFamily="34" charset="-122"/>
                 <a:ea typeface="微软雅黑" panose="020B0503020204020204" pitchFamily="34" charset="-122"/>
               </a:rPr>
-              <a:t>300</a:t>
+              <a:t>1</a:t>
             </a:r>
             <a:r>
               <a:rPr lang="zh-CN" altLang="en-US" sz="2400" dirty="0">
                 <a:latin typeface="微软雅黑" panose="020B0503020204020204" pitchFamily="34" charset="-122"/>
                 <a:ea typeface="微软雅黑" panose="020B0503020204020204" pitchFamily="34" charset="-122"/>
               </a:rPr>
-              <a:t>的费用，同时要提供营业执照，身份证等</a:t>
-            </a:r>
-            <a:r>
-              <a:rPr lang="zh-CN" altLang="en-US" sz="2400">
+              <a:t>月</a:t>
+            </a:r>
+            <a:r>
+              <a:rPr lang="en-US" altLang="zh-CN" sz="2400" dirty="0">
                 <a:latin typeface="微软雅黑" panose="020B0503020204020204" pitchFamily="34" charset="-122"/>
                 <a:ea typeface="微软雅黑" panose="020B0503020204020204" pitchFamily="34" charset="-122"/>
               </a:rPr>
-              <a:t>信息。</a:t>
+              <a:t>9</a:t>
+            </a:r>
+            <a:r>
+              <a:rPr lang="zh-CN" altLang="en-US" sz="2400" dirty="0">
+                <a:latin typeface="微软雅黑" panose="020B0503020204020204" pitchFamily="34" charset="-122"/>
+                <a:ea typeface="微软雅黑" panose="020B0503020204020204" pitchFamily="34" charset="-122"/>
+              </a:rPr>
+              <a:t>号，第一批小程序正式上线。</a:t>
             </a:r>
             <a:endParaRPr lang="en-US" altLang="zh-CN" sz="2400" dirty="0">
               <a:latin typeface="微软雅黑" panose="020B0503020204020204" pitchFamily="34" charset="-122"/>
               <a:ea typeface="微软雅黑" panose="020B0503020204020204" pitchFamily="34" charset="-122"/>
             </a:endParaRPr>
           </a:p>
+          <a:p>
+            <a:pPr marL="342900" indent="-342900">
+              <a:lnSpc>
+                <a:spcPct val="200000"/>
+              </a:lnSpc>
+              <a:buFont typeface="Arial" panose="020B0604020202020204" pitchFamily="34" charset="0"/>
+              <a:buChar char="•"/>
+            </a:pPr>
+            <a:r>
+              <a:rPr lang="zh-CN" altLang="en-US" sz="2400" dirty="0">
+                <a:latin typeface="微软雅黑" panose="020B0503020204020204" pitchFamily="34" charset="-122"/>
+                <a:ea typeface="微软雅黑" panose="020B0503020204020204" pitchFamily="34" charset="-122"/>
+              </a:rPr>
+              <a:t>小程序与其他三个公众号类别处于同一级别。</a:t>
+            </a:r>
+            <a:endParaRPr lang="en-US" altLang="zh-CN" sz="2400" dirty="0">
+              <a:latin typeface="微软雅黑" panose="020B0503020204020204" pitchFamily="34" charset="-122"/>
+              <a:ea typeface="微软雅黑" panose="020B0503020204020204" pitchFamily="34" charset="-122"/>
+            </a:endParaRPr>
+          </a:p>
+          <a:p>
+            <a:pPr marL="342900" indent="-342900">
+              <a:lnSpc>
+                <a:spcPct val="200000"/>
+              </a:lnSpc>
+              <a:buFont typeface="Arial" panose="020B0604020202020204" pitchFamily="34" charset="0"/>
+              <a:buChar char="•"/>
+            </a:pPr>
+            <a:r>
+              <a:rPr lang="zh-CN" altLang="en-US" sz="2400" dirty="0">
+                <a:latin typeface="微软雅黑" panose="020B0503020204020204" pitchFamily="34" charset="-122"/>
+                <a:ea typeface="微软雅黑" panose="020B0503020204020204" pitchFamily="34" charset="-122"/>
+              </a:rPr>
+              <a:t>小程序作为一种不需安装直接打开应用的形式存在</a:t>
+            </a:r>
+            <a:endParaRPr lang="en-US" altLang="zh-CN" sz="2400" dirty="0">
+              <a:latin typeface="微软雅黑" panose="020B0503020204020204" pitchFamily="34" charset="-122"/>
+              <a:ea typeface="微软雅黑" panose="020B0503020204020204" pitchFamily="34" charset="-122"/>
+            </a:endParaRPr>
+          </a:p>
+          <a:p>
+            <a:pPr marL="342900" indent="-342900">
+              <a:lnSpc>
+                <a:spcPct val="200000"/>
+              </a:lnSpc>
+              <a:buFont typeface="Arial" panose="020B0604020202020204" pitchFamily="34" charset="0"/>
+              <a:buChar char="•"/>
+            </a:pPr>
+            <a:r>
+              <a:rPr lang="zh-CN" altLang="en-US" sz="2400" dirty="0">
+                <a:latin typeface="微软雅黑" panose="020B0503020204020204" pitchFamily="34" charset="-122"/>
+                <a:ea typeface="微软雅黑" panose="020B0503020204020204" pitchFamily="34" charset="-122"/>
+              </a:rPr>
+              <a:t>腾讯提供了开发框架与组件</a:t>
+            </a:r>
+          </a:p>
         </p:txBody>
       </p:sp>
     </p:spTree>
     <p:extLst>
       <p:ext uri="{BB962C8B-B14F-4D97-AF65-F5344CB8AC3E}">
-        <p14:creationId xmlns:p14="http://schemas.microsoft.com/office/powerpoint/2010/main" val="124902002"/>
+        <p14:creationId xmlns:p14="http://schemas.microsoft.com/office/powerpoint/2010/main" val="515043175"/>
       </p:ext>
     </p:extLst>
   </p:cSld>
@@ -17217,39 +17478,28 @@
             <p:ph sz="quarter" idx="13"/>
           </p:nvPr>
         </p:nvSpPr>
+        <p:spPr/>
+        <p:txBody>
+          <a:bodyPr/>
+          <a:lstStyle/>
+          <a:p>
+            <a:r>
+              <a:rPr lang="zh-CN" altLang="en-US" b="0" dirty="0"/>
+              <a:t>公众号认证</a:t>
+            </a:r>
+          </a:p>
+        </p:txBody>
+      </p:sp>
+      <p:sp>
+        <p:nvSpPr>
+          <p:cNvPr id="4" name="文本框 3"/>
+          <p:cNvSpPr txBox="1"/>
+          <p:nvPr/>
+        </p:nvSpPr>
         <p:spPr>
           <a:xfrm>
-            <a:off x="1054100" y="543636"/>
-            <a:ext cx="4973074" cy="685800"/>
-          </a:xfrm>
-        </p:spPr>
-        <p:txBody>
-          <a:bodyPr/>
-          <a:lstStyle/>
-          <a:p>
-            <a:r>
-              <a:rPr lang="zh-CN" altLang="en-US" b="0" dirty="0"/>
-              <a:t>第二讲</a:t>
-            </a:r>
-          </a:p>
-        </p:txBody>
-      </p:sp>
-      <p:sp>
-        <p:nvSpPr>
-          <p:cNvPr id="5" name="文本框 4">
-            <a:extLst>
-              <a:ext uri="{FF2B5EF4-FFF2-40B4-BE49-F238E27FC236}">
-                <a16:creationId xmlns:a16="http://schemas.microsoft.com/office/drawing/2014/main" id="{F135F30F-238C-4C42-9F3E-81617BFFBE96}"/>
-              </a:ext>
-            </a:extLst>
-          </p:cNvPr>
-          <p:cNvSpPr txBox="1"/>
-          <p:nvPr/>
-        </p:nvSpPr>
-        <p:spPr>
-          <a:xfrm>
-            <a:off x="4121764" y="2372033"/>
-            <a:ext cx="4422468" cy="2339102"/>
+            <a:off x="1054100" y="1657351"/>
+            <a:ext cx="9832974" cy="1569660"/>
           </a:xfrm>
           <a:prstGeom prst="rect">
             <a:avLst/>
@@ -17262,87 +17512,43 @@
           </a:bodyPr>
           <a:lstStyle/>
           <a:p>
-            <a:pPr marL="514350" indent="-514350">
+            <a:pPr indent="720000">
               <a:lnSpc>
                 <a:spcPct val="200000"/>
               </a:lnSpc>
-              <a:buFont typeface="+mj-ea"/>
-              <a:buAutoNum type="ea1JpnChsDbPeriod"/>
             </a:pPr>
             <a:r>
-              <a:rPr lang="zh-CN" altLang="en-US" sz="2000" dirty="0">
+              <a:rPr lang="zh-CN" altLang="en-US" sz="2400" dirty="0">
                 <a:latin typeface="微软雅黑" panose="020B0503020204020204" pitchFamily="34" charset="-122"/>
                 <a:ea typeface="微软雅黑" panose="020B0503020204020204" pitchFamily="34" charset="-122"/>
               </a:rPr>
-              <a:t>公众号基础</a:t>
-            </a:r>
-            <a:endParaRPr lang="en-US" altLang="zh-CN" sz="2000" dirty="0">
+              <a:t>想要公众号拥有更多的功能就需要进行认证。公众号认证目前需要</a:t>
+            </a:r>
+            <a:r>
+              <a:rPr lang="en-US" altLang="zh-CN" sz="2400" dirty="0">
+                <a:latin typeface="微软雅黑" panose="020B0503020204020204" pitchFamily="34" charset="-122"/>
+                <a:ea typeface="微软雅黑" panose="020B0503020204020204" pitchFamily="34" charset="-122"/>
+              </a:rPr>
+              <a:t>300</a:t>
+            </a:r>
+            <a:r>
+              <a:rPr lang="zh-CN" altLang="en-US" sz="2400" dirty="0">
+                <a:latin typeface="微软雅黑" panose="020B0503020204020204" pitchFamily="34" charset="-122"/>
+                <a:ea typeface="微软雅黑" panose="020B0503020204020204" pitchFamily="34" charset="-122"/>
+              </a:rPr>
+              <a:t>的费用，同时要提供营业执照，身份证等信息。</a:t>
+            </a:r>
+            <a:endParaRPr lang="en-US" altLang="zh-CN" sz="2400" dirty="0">
               <a:latin typeface="微软雅黑" panose="020B0503020204020204" pitchFamily="34" charset="-122"/>
               <a:ea typeface="微软雅黑" panose="020B0503020204020204" pitchFamily="34" charset="-122"/>
             </a:endParaRPr>
           </a:p>
-          <a:p>
-            <a:pPr marL="514350" indent="-514350">
-              <a:lnSpc>
-                <a:spcPct val="200000"/>
-              </a:lnSpc>
-              <a:buFont typeface="+mj-ea"/>
-              <a:buAutoNum type="ea1JpnChsDbPeriod"/>
-            </a:pPr>
-            <a:r>
-              <a:rPr lang="zh-CN" altLang="en-US" sz="2400" dirty="0">
-                <a:solidFill>
-                  <a:schemeClr val="accent6">
-                    <a:lumMod val="75000"/>
-                  </a:schemeClr>
-                </a:solidFill>
-                <a:latin typeface="微软雅黑" panose="020B0503020204020204" pitchFamily="34" charset="-122"/>
-                <a:ea typeface="微软雅黑" panose="020B0503020204020204" pitchFamily="34" charset="-122"/>
-              </a:rPr>
-              <a:t>申请注册个人公众号</a:t>
-            </a:r>
-            <a:endParaRPr lang="en-US" altLang="zh-CN" sz="2400" dirty="0">
-              <a:solidFill>
-                <a:schemeClr val="accent6">
-                  <a:lumMod val="75000"/>
-                </a:schemeClr>
-              </a:solidFill>
-              <a:latin typeface="微软雅黑" panose="020B0503020204020204" pitchFamily="34" charset="-122"/>
-              <a:ea typeface="微软雅黑" panose="020B0503020204020204" pitchFamily="34" charset="-122"/>
-            </a:endParaRPr>
-          </a:p>
-          <a:p>
-            <a:pPr marL="514350" indent="-514350">
-              <a:lnSpc>
-                <a:spcPct val="200000"/>
-              </a:lnSpc>
-              <a:buFont typeface="+mj-ea"/>
-              <a:buAutoNum type="ea1JpnChsDbPeriod"/>
-            </a:pPr>
-            <a:r>
-              <a:rPr lang="zh-CN" altLang="en-US" sz="2000" dirty="0">
-                <a:latin typeface="微软雅黑" panose="020B0503020204020204" pitchFamily="34" charset="-122"/>
-                <a:ea typeface="微软雅黑" panose="020B0503020204020204" pitchFamily="34" charset="-122"/>
-              </a:rPr>
-              <a:t>公众号基本使用</a:t>
-            </a:r>
-            <a:endParaRPr lang="en-US" altLang="zh-CN" sz="2000" dirty="0">
-              <a:latin typeface="微软雅黑" panose="020B0503020204020204" pitchFamily="34" charset="-122"/>
-              <a:ea typeface="微软雅黑" panose="020B0503020204020204" pitchFamily="34" charset="-122"/>
-            </a:endParaRPr>
-          </a:p>
-          <a:p>
-            <a:pPr marL="342900" indent="-342900">
-              <a:buAutoNum type="arabicPeriod"/>
-            </a:pPr>
-            <a:endParaRPr lang="zh-CN" altLang="en-US" dirty="0"/>
-          </a:p>
         </p:txBody>
       </p:sp>
     </p:spTree>
     <p:extLst>
       <p:ext uri="{BB962C8B-B14F-4D97-AF65-F5344CB8AC3E}">
-        <p14:creationId xmlns:p14="http://schemas.microsoft.com/office/powerpoint/2010/main" val="1928010297"/>
+        <p14:creationId xmlns:p14="http://schemas.microsoft.com/office/powerpoint/2010/main" val="124902002"/>
       </p:ext>
     </p:extLst>
   </p:cSld>

--- a/meterials/slides/ch01-wechat public platform.pptx
+++ b/meterials/slides/ch01-wechat public platform.pptx
@@ -272,7 +272,7 @@
           <a:p>
             <a:fld id="{2B71C804-97F5-4B36-A7AC-EEEC7F44F6C2}" type="datetimeFigureOut">
               <a:rPr lang="zh-CN" altLang="en-US" smtClean="0"/>
-              <a:t>2017/9/10</a:t>
+              <a:t>2017/9/25</a:t>
             </a:fld>
             <a:endParaRPr lang="zh-CN" altLang="en-US"/>
           </a:p>
@@ -438,7 +438,7 @@
           <a:p>
             <a:fld id="{0568D9C6-D8DC-4CC3-8480-E0C4DBA1CC07}" type="datetimeFigureOut">
               <a:rPr lang="zh-CN" altLang="en-US" smtClean="0"/>
-              <a:t>2017/9/10</a:t>
+              <a:t>2017/9/25</a:t>
             </a:fld>
             <a:endParaRPr lang="zh-CN" altLang="en-US"/>
           </a:p>
@@ -1387,7 +1387,7 @@
           <a:p>
             <a:fld id="{DB9D664F-4C68-42D2-B189-678958EFAFDA}" type="datetime1">
               <a:rPr lang="zh-CN" altLang="en-US" smtClean="0"/>
-              <a:t>2017/9/10</a:t>
+              <a:t>2017/9/25</a:t>
             </a:fld>
             <a:endParaRPr lang="zh-CN" altLang="en-US"/>
           </a:p>
@@ -2369,7 +2369,7 @@
           <a:p>
             <a:fld id="{ED5513C8-E3A4-4D78-B249-887659A958FF}" type="datetime1">
               <a:rPr lang="en-US" altLang="zh-CN" smtClean="0"/>
-              <a:t>9/10/2017</a:t>
+              <a:t>9/25/2017</a:t>
             </a:fld>
             <a:endParaRPr lang="en-US"/>
           </a:p>
@@ -2547,7 +2547,7 @@
           <a:p>
             <a:fld id="{EBEDA52C-3EEE-4289-818C-901C0A7814FE}" type="datetime1">
               <a:rPr lang="en-US" altLang="zh-CN" smtClean="0"/>
-              <a:t>9/10/2017</a:t>
+              <a:t>9/25/2017</a:t>
             </a:fld>
             <a:endParaRPr lang="en-US"/>
           </a:p>
@@ -2801,7 +2801,7 @@
           <a:p>
             <a:fld id="{09EF5D7F-EA15-485C-85DD-8FDC010A62D4}" type="datetime1">
               <a:rPr lang="en-US" altLang="zh-CN" smtClean="0"/>
-              <a:t>9/10/2017</a:t>
+              <a:t>9/25/2017</a:t>
             </a:fld>
             <a:endParaRPr lang="en-US"/>
           </a:p>
@@ -3041,7 +3041,7 @@
           <a:p>
             <a:fld id="{9541C2B2-0BAB-4CD4-83EE-25F1A7138896}" type="datetime1">
               <a:rPr lang="en-US" altLang="zh-CN" smtClean="0"/>
-              <a:t>9/10/2017</a:t>
+              <a:t>9/25/2017</a:t>
             </a:fld>
             <a:endParaRPr lang="en-US"/>
           </a:p>
@@ -3416,7 +3416,7 @@
           <a:p>
             <a:fld id="{7DEA23E7-D0FC-41DC-8745-BE6FC447B182}" type="datetime1">
               <a:rPr lang="en-US" altLang="zh-CN" smtClean="0"/>
-              <a:t>9/10/2017</a:t>
+              <a:t>9/25/2017</a:t>
             </a:fld>
             <a:endParaRPr lang="en-US"/>
           </a:p>
@@ -4201,7 +4201,7 @@
           <a:p>
             <a:fld id="{5DEA8378-5F33-490B-8120-8DE6B7EE2781}" type="datetime1">
               <a:rPr lang="en-US" altLang="zh-CN" smtClean="0"/>
-              <a:t>9/10/2017</a:t>
+              <a:t>9/25/2017</a:t>
             </a:fld>
             <a:endParaRPr lang="en-US"/>
           </a:p>
@@ -4455,7 +4455,7 @@
           <a:p>
             <a:fld id="{38DD30CF-78A7-4C73-91B4-38D3E3317745}" type="datetime1">
               <a:rPr lang="en-US" altLang="zh-CN" smtClean="0"/>
-              <a:t>9/10/2017</a:t>
+              <a:t>9/25/2017</a:t>
             </a:fld>
             <a:endParaRPr lang="en-US"/>
           </a:p>
@@ -4558,7 +4558,7 @@
           <a:p>
             <a:fld id="{A1BE0A72-8501-4974-A7B7-5BD248ABBAFC}" type="datetime1">
               <a:rPr lang="zh-CN" altLang="en-US" smtClean="0"/>
-              <a:t>2017/9/10</a:t>
+              <a:t>2017/9/25</a:t>
             </a:fld>
             <a:endParaRPr lang="zh-CN" altLang="en-US"/>
           </a:p>
@@ -4819,7 +4819,7 @@
           <a:p>
             <a:fld id="{0B7E01DD-16D0-4DBA-9C1A-51468BA0B73A}" type="datetime1">
               <a:rPr lang="en-US" altLang="zh-CN" smtClean="0"/>
-              <a:t>9/10/2017</a:t>
+              <a:t>9/25/2017</a:t>
             </a:fld>
             <a:endParaRPr lang="en-US"/>
           </a:p>
@@ -4997,7 +4997,7 @@
           <a:p>
             <a:fld id="{B587E63F-0E62-4A50-901F-E071D77F7634}" type="datetime1">
               <a:rPr lang="en-US" altLang="zh-CN" smtClean="0"/>
-              <a:t>9/10/2017</a:t>
+              <a:t>9/25/2017</a:t>
             </a:fld>
             <a:endParaRPr lang="en-US"/>
           </a:p>
@@ -5185,7 +5185,7 @@
           <a:p>
             <a:fld id="{BD8521E8-9297-400B-AD8C-0A4D05699D33}" type="datetime1">
               <a:rPr lang="en-US" altLang="zh-CN" smtClean="0"/>
-              <a:t>9/10/2017</a:t>
+              <a:t>9/25/2017</a:t>
             </a:fld>
             <a:endParaRPr lang="en-US"/>
           </a:p>
@@ -5416,7 +5416,7 @@
           <a:p>
             <a:fld id="{ED5513C8-E3A4-4D78-B249-887659A958FF}" type="datetime1">
               <a:rPr lang="en-US" altLang="zh-CN" smtClean="0"/>
-              <a:t>9/10/2017</a:t>
+              <a:t>9/25/2017</a:t>
             </a:fld>
             <a:endParaRPr lang="en-US"/>
           </a:p>
@@ -5594,7 +5594,7 @@
           <a:p>
             <a:fld id="{EBEDA52C-3EEE-4289-818C-901C0A7814FE}" type="datetime1">
               <a:rPr lang="en-US" altLang="zh-CN" smtClean="0"/>
-              <a:t>9/10/2017</a:t>
+              <a:t>9/25/2017</a:t>
             </a:fld>
             <a:endParaRPr lang="en-US"/>
           </a:p>
@@ -5848,7 +5848,7 @@
           <a:p>
             <a:fld id="{09EF5D7F-EA15-485C-85DD-8FDC010A62D4}" type="datetime1">
               <a:rPr lang="en-US" altLang="zh-CN" smtClean="0"/>
-              <a:t>9/10/2017</a:t>
+              <a:t>9/25/2017</a:t>
             </a:fld>
             <a:endParaRPr lang="en-US"/>
           </a:p>
@@ -6088,7 +6088,7 @@
           <a:p>
             <a:fld id="{9541C2B2-0BAB-4CD4-83EE-25F1A7138896}" type="datetime1">
               <a:rPr lang="en-US" altLang="zh-CN" smtClean="0"/>
-              <a:t>9/10/2017</a:t>
+              <a:t>9/25/2017</a:t>
             </a:fld>
             <a:endParaRPr lang="en-US"/>
           </a:p>
@@ -6463,7 +6463,7 @@
           <a:p>
             <a:fld id="{7DEA23E7-D0FC-41DC-8745-BE6FC447B182}" type="datetime1">
               <a:rPr lang="en-US" altLang="zh-CN" smtClean="0"/>
-              <a:t>9/10/2017</a:t>
+              <a:t>9/25/2017</a:t>
             </a:fld>
             <a:endParaRPr lang="en-US"/>
           </a:p>
@@ -7248,7 +7248,7 @@
           <a:p>
             <a:fld id="{A1BE0A72-8501-4974-A7B7-5BD248ABBAFC}" type="datetime1">
               <a:rPr lang="zh-CN" altLang="en-US" smtClean="0"/>
-              <a:t>2017/9/10</a:t>
+              <a:t>2017/9/25</a:t>
             </a:fld>
             <a:endParaRPr lang="zh-CN" altLang="en-US"/>
           </a:p>
@@ -7301,7 +7301,7 @@
           <a:p>
             <a:fld id="{5DEA8378-5F33-490B-8120-8DE6B7EE2781}" type="datetime1">
               <a:rPr lang="en-US" altLang="zh-CN" smtClean="0"/>
-              <a:t>9/10/2017</a:t>
+              <a:t>9/25/2017</a:t>
             </a:fld>
             <a:endParaRPr lang="en-US"/>
           </a:p>
@@ -7555,7 +7555,7 @@
           <a:p>
             <a:fld id="{38DD30CF-78A7-4C73-91B4-38D3E3317745}" type="datetime1">
               <a:rPr lang="en-US" altLang="zh-CN" smtClean="0"/>
-              <a:t>9/10/2017</a:t>
+              <a:t>9/25/2017</a:t>
             </a:fld>
             <a:endParaRPr lang="en-US"/>
           </a:p>
@@ -7820,7 +7820,7 @@
           <a:p>
             <a:fld id="{0B7E01DD-16D0-4DBA-9C1A-51468BA0B73A}" type="datetime1">
               <a:rPr lang="en-US" altLang="zh-CN" smtClean="0"/>
-              <a:t>9/10/2017</a:t>
+              <a:t>9/25/2017</a:t>
             </a:fld>
             <a:endParaRPr lang="en-US"/>
           </a:p>
@@ -7998,7 +7998,7 @@
           <a:p>
             <a:fld id="{B587E63F-0E62-4A50-901F-E071D77F7634}" type="datetime1">
               <a:rPr lang="en-US" altLang="zh-CN" smtClean="0"/>
-              <a:t>9/10/2017</a:t>
+              <a:t>9/25/2017</a:t>
             </a:fld>
             <a:endParaRPr lang="en-US"/>
           </a:p>
@@ -8186,7 +8186,7 @@
           <a:p>
             <a:fld id="{BD8521E8-9297-400B-AD8C-0A4D05699D33}" type="datetime1">
               <a:rPr lang="en-US" altLang="zh-CN" smtClean="0"/>
-              <a:t>9/10/2017</a:t>
+              <a:t>9/25/2017</a:t>
             </a:fld>
             <a:endParaRPr lang="en-US"/>
           </a:p>
@@ -8289,7 +8289,7 @@
           <a:p>
             <a:fld id="{EF452D9C-F9EB-4417-9C3A-C876C2AF9415}" type="datetime1">
               <a:rPr lang="zh-CN" altLang="en-US" smtClean="0"/>
-              <a:t>2017/9/10</a:t>
+              <a:t>2017/9/25</a:t>
             </a:fld>
             <a:endParaRPr lang="zh-CN" altLang="en-US"/>
           </a:p>
@@ -8475,7 +8475,7 @@
           <a:p>
             <a:fld id="{2F2E9289-9B4C-49AE-BDDA-70D6EDC89D17}" type="datetime1">
               <a:rPr lang="zh-CN" altLang="en-US" smtClean="0"/>
-              <a:t>2017/9/10</a:t>
+              <a:t>2017/9/25</a:t>
             </a:fld>
             <a:endParaRPr lang="zh-CN" altLang="en-US"/>
           </a:p>
@@ -8645,7 +8645,7 @@
           <a:p>
             <a:fld id="{2F2E9289-9B4C-49AE-BDDA-70D6EDC89D17}" type="datetime1">
               <a:rPr lang="zh-CN" altLang="en-US" smtClean="0"/>
-              <a:t>2017/9/10</a:t>
+              <a:t>2017/9/25</a:t>
             </a:fld>
             <a:endParaRPr lang="zh-CN" altLang="en-US"/>
           </a:p>
@@ -8881,7 +8881,7 @@
           <a:p>
             <a:fld id="{8C5BA751-A251-47D6-8494-C134D9EBED5F}" type="datetime1">
               <a:rPr lang="zh-CN" altLang="en-US" smtClean="0"/>
-              <a:t>2017/9/10</a:t>
+              <a:t>2017/9/25</a:t>
             </a:fld>
             <a:endParaRPr lang="zh-CN" altLang="en-US"/>
           </a:p>
@@ -9237,7 +9237,7 @@
           <a:p>
             <a:fld id="{C46E2078-F302-4651-A2A2-2FC6C4E1A3F1}" type="datetime1">
               <a:rPr lang="zh-CN" altLang="en-US" smtClean="0"/>
-              <a:t>2017/9/10</a:t>
+              <a:t>2017/9/25</a:t>
             </a:fld>
             <a:endParaRPr lang="zh-CN" altLang="en-US"/>
           </a:p>
@@ -9359,7 +9359,7 @@
               <a:pPr>
                 <a:defRPr/>
               </a:pPr>
-              <a:t>2017/9/10</a:t>
+              <a:t>2017/9/25</a:t>
             </a:fld>
             <a:endParaRPr lang="zh-CN" altLang="en-US"/>
           </a:p>
@@ -9507,7 +9507,7 @@
           <a:p>
             <a:fld id="{A1BE0A72-8501-4974-A7B7-5BD248ABBAFC}" type="datetime1">
               <a:rPr lang="zh-CN" altLang="en-US" smtClean="0"/>
-              <a:t>2017/9/10</a:t>
+              <a:t>2017/9/25</a:t>
             </a:fld>
             <a:endParaRPr lang="zh-CN" altLang="en-US"/>
           </a:p>
@@ -10021,7 +10021,7 @@
           <a:p>
             <a:fld id="{A1BE0A72-8501-4974-A7B7-5BD248ABBAFC}" type="datetime1">
               <a:rPr lang="zh-CN" altLang="en-US" smtClean="0"/>
-              <a:t>2017/9/10</a:t>
+              <a:t>2017/9/25</a:t>
             </a:fld>
             <a:endParaRPr lang="zh-CN" altLang="en-US"/>
           </a:p>
@@ -10627,7 +10627,7 @@
           <a:p>
             <a:fld id="{7A78726F-0AD2-4A20-BC72-263D2D3F3A2F}" type="datetime1">
               <a:rPr lang="en-US" altLang="zh-CN" smtClean="0"/>
-              <a:t>9/10/2017</a:t>
+              <a:t>9/25/2017</a:t>
             </a:fld>
             <a:endParaRPr lang="en-US"/>
           </a:p>
@@ -11608,7 +11608,7 @@
           <a:p>
             <a:fld id="{A1BE0A72-8501-4974-A7B7-5BD248ABBAFC}" type="datetime1">
               <a:rPr lang="zh-CN" altLang="en-US" smtClean="0"/>
-              <a:t>2017/9/10</a:t>
+              <a:t>2017/9/25</a:t>
             </a:fld>
             <a:endParaRPr lang="zh-CN" altLang="en-US"/>
           </a:p>
@@ -12214,7 +12214,7 @@
           <a:p>
             <a:fld id="{7A78726F-0AD2-4A20-BC72-263D2D3F3A2F}" type="datetime1">
               <a:rPr lang="en-US" altLang="zh-CN" smtClean="0"/>
-              <a:t>9/10/2017</a:t>
+              <a:t>9/25/2017</a:t>
             </a:fld>
             <a:endParaRPr lang="en-US"/>
           </a:p>
@@ -15784,8 +15784,8 @@
         </p:nvSpPr>
         <p:spPr>
           <a:xfrm>
-            <a:off x="1054099" y="4255184"/>
-            <a:ext cx="4294648" cy="1477328"/>
+            <a:off x="1054098" y="4255184"/>
+            <a:ext cx="7853927" cy="1477328"/>
           </a:xfrm>
           <a:prstGeom prst="rect">
             <a:avLst/>
@@ -15829,6 +15829,75 @@
               </a:rPr>
               <a:t>40%</a:t>
             </a:r>
+            <a:r>
+              <a:rPr lang="zh-CN" altLang="en-US" sz="2000" dirty="0">
+                <a:solidFill>
+                  <a:schemeClr val="tx2">
+                    <a:lumMod val="75000"/>
+                  </a:schemeClr>
+                </a:solidFill>
+                <a:latin typeface="新宋体" panose="02010609030101010101" pitchFamily="49" charset="-122"/>
+                <a:ea typeface="新宋体" panose="02010609030101010101" pitchFamily="49" charset="-122"/>
+              </a:rPr>
+              <a:t>（考勤：</a:t>
+            </a:r>
+            <a:r>
+              <a:rPr lang="en-US" altLang="zh-CN" sz="2000" dirty="0">
+                <a:solidFill>
+                  <a:schemeClr val="tx2">
+                    <a:lumMod val="75000"/>
+                  </a:schemeClr>
+                </a:solidFill>
+                <a:latin typeface="新宋体" panose="02010609030101010101" pitchFamily="49" charset="-122"/>
+                <a:ea typeface="新宋体" panose="02010609030101010101" pitchFamily="49" charset="-122"/>
+              </a:rPr>
+              <a:t>10%</a:t>
+            </a:r>
+            <a:r>
+              <a:rPr lang="zh-CN" altLang="en-US" sz="2000" dirty="0">
+                <a:solidFill>
+                  <a:schemeClr val="tx2">
+                    <a:lumMod val="75000"/>
+                  </a:schemeClr>
+                </a:solidFill>
+                <a:latin typeface="新宋体" panose="02010609030101010101" pitchFamily="49" charset="-122"/>
+                <a:ea typeface="新宋体" panose="02010609030101010101" pitchFamily="49" charset="-122"/>
+              </a:rPr>
+              <a:t>；编程任务：</a:t>
+            </a:r>
+            <a:r>
+              <a:rPr lang="en-US" altLang="zh-CN" sz="2000">
+                <a:solidFill>
+                  <a:schemeClr val="tx2">
+                    <a:lumMod val="75000"/>
+                  </a:schemeClr>
+                </a:solidFill>
+                <a:latin typeface="新宋体" panose="02010609030101010101" pitchFamily="49" charset="-122"/>
+                <a:ea typeface="新宋体" panose="02010609030101010101" pitchFamily="49" charset="-122"/>
+              </a:rPr>
+              <a:t>30%</a:t>
+            </a:r>
+            <a:r>
+              <a:rPr lang="zh-CN" altLang="en-US" sz="2000">
+                <a:solidFill>
+                  <a:schemeClr val="tx2">
+                    <a:lumMod val="75000"/>
+                  </a:schemeClr>
+                </a:solidFill>
+                <a:latin typeface="新宋体" panose="02010609030101010101" pitchFamily="49" charset="-122"/>
+                <a:ea typeface="新宋体" panose="02010609030101010101" pitchFamily="49" charset="-122"/>
+              </a:rPr>
+              <a:t>）</a:t>
+            </a:r>
+            <a:endParaRPr lang="en-US" altLang="zh-CN" sz="2000" dirty="0">
+              <a:solidFill>
+                <a:schemeClr val="tx2">
+                  <a:lumMod val="75000"/>
+                </a:schemeClr>
+              </a:solidFill>
+              <a:latin typeface="新宋体" panose="02010609030101010101" pitchFamily="49" charset="-122"/>
+              <a:ea typeface="新宋体" panose="02010609030101010101" pitchFamily="49" charset="-122"/>
+            </a:endParaRPr>
           </a:p>
           <a:p>
             <a:pPr marL="342900" indent="-342900">
@@ -15881,31 +15950,7 @@
                 <a:latin typeface="新宋体" panose="02010609030101010101" pitchFamily="49" charset="-122"/>
                 <a:ea typeface="新宋体" panose="02010609030101010101" pitchFamily="49" charset="-122"/>
               </a:rPr>
-              <a:t>考试方式：机试</a:t>
-            </a:r>
-            <a:r>
-              <a:rPr lang="en-US" altLang="zh-CN" sz="2000" dirty="0">
-                <a:solidFill>
-                  <a:schemeClr val="tx2">
-                    <a:lumMod val="75000"/>
-                  </a:schemeClr>
-                </a:solidFill>
-                <a:latin typeface="新宋体" panose="02010609030101010101" pitchFamily="49" charset="-122"/>
-                <a:ea typeface="新宋体" panose="02010609030101010101" pitchFamily="49" charset="-122"/>
-              </a:rPr>
-              <a:t>/</a:t>
-            </a:r>
-            <a:r>
-              <a:rPr lang="zh-CN" altLang="en-US" sz="2000" dirty="0">
-                <a:solidFill>
-                  <a:schemeClr val="tx2">
-                    <a:lumMod val="75000"/>
-                  </a:schemeClr>
-                </a:solidFill>
-                <a:latin typeface="新宋体" panose="02010609030101010101" pitchFamily="49" charset="-122"/>
-                <a:ea typeface="新宋体" panose="02010609030101010101" pitchFamily="49" charset="-122"/>
-              </a:rPr>
-              <a:t>笔试</a:t>
+              <a:t>考试方式：笔试</a:t>
             </a:r>
             <a:endParaRPr lang="en-US" altLang="zh-CN" sz="2000" dirty="0">
               <a:solidFill>

--- a/meterials/slides/ch01-wechat public platform.pptx
+++ b/meterials/slides/ch01-wechat public platform.pptx
@@ -9,10 +9,10 @@
     <p:sldMasterId id="2147483691" r:id="rId5"/>
   </p:sldMasterIdLst>
   <p:notesMasterIdLst>
-    <p:notesMasterId r:id="rId28"/>
+    <p:notesMasterId r:id="rId29"/>
   </p:notesMasterIdLst>
   <p:handoutMasterIdLst>
-    <p:handoutMasterId r:id="rId29"/>
+    <p:handoutMasterId r:id="rId30"/>
   </p:handoutMasterIdLst>
   <p:sldIdLst>
     <p:sldId id="257" r:id="rId6"/>
@@ -24,24 +24,25 @@
     <p:sldId id="440" r:id="rId12"/>
     <p:sldId id="441" r:id="rId13"/>
     <p:sldId id="442" r:id="rId14"/>
-    <p:sldId id="452" r:id="rId15"/>
-    <p:sldId id="435" r:id="rId16"/>
-    <p:sldId id="453" r:id="rId17"/>
-    <p:sldId id="422" r:id="rId18"/>
-    <p:sldId id="443" r:id="rId19"/>
-    <p:sldId id="444" r:id="rId20"/>
-    <p:sldId id="423" r:id="rId21"/>
-    <p:sldId id="424" r:id="rId22"/>
-    <p:sldId id="425" r:id="rId23"/>
-    <p:sldId id="428" r:id="rId24"/>
-    <p:sldId id="438" r:id="rId25"/>
-    <p:sldId id="445" r:id="rId26"/>
-    <p:sldId id="311" r:id="rId27"/>
+    <p:sldId id="455" r:id="rId15"/>
+    <p:sldId id="452" r:id="rId16"/>
+    <p:sldId id="435" r:id="rId17"/>
+    <p:sldId id="453" r:id="rId18"/>
+    <p:sldId id="422" r:id="rId19"/>
+    <p:sldId id="443" r:id="rId20"/>
+    <p:sldId id="444" r:id="rId21"/>
+    <p:sldId id="423" r:id="rId22"/>
+    <p:sldId id="424" r:id="rId23"/>
+    <p:sldId id="425" r:id="rId24"/>
+    <p:sldId id="428" r:id="rId25"/>
+    <p:sldId id="438" r:id="rId26"/>
+    <p:sldId id="445" r:id="rId27"/>
+    <p:sldId id="311" r:id="rId28"/>
   </p:sldIdLst>
   <p:sldSz cx="12192000" cy="6858000"/>
   <p:notesSz cx="6858000" cy="9144000"/>
   <p:custDataLst>
-    <p:tags r:id="rId30"/>
+    <p:tags r:id="rId31"/>
   </p:custDataLst>
   <p:defaultTextStyle>
     <a:defPPr>
@@ -272,7 +273,7 @@
           <a:p>
             <a:fld id="{2B71C804-97F5-4B36-A7AC-EEEC7F44F6C2}" type="datetimeFigureOut">
               <a:rPr lang="zh-CN" altLang="en-US" smtClean="0"/>
-              <a:t>2017/9/25</a:t>
+              <a:t>2017/9/26</a:t>
             </a:fld>
             <a:endParaRPr lang="zh-CN" altLang="en-US"/>
           </a:p>
@@ -438,7 +439,7 @@
           <a:p>
             <a:fld id="{0568D9C6-D8DC-4CC3-8480-E0C4DBA1CC07}" type="datetimeFigureOut">
               <a:rPr lang="zh-CN" altLang="en-US" smtClean="0"/>
-              <a:t>2017/9/25</a:t>
+              <a:t>2017/9/26</a:t>
             </a:fld>
             <a:endParaRPr lang="zh-CN" altLang="en-US"/>
           </a:p>
@@ -771,7 +772,7 @@
           <a:p>
             <a:fld id="{10E9C519-C3B1-4654-8EF9-A227F461FE5A}" type="slidenum">
               <a:rPr lang="zh-CN" altLang="en-US" smtClean="0"/>
-              <a:t>13</a:t>
+              <a:t>14</a:t>
             </a:fld>
             <a:endParaRPr lang="zh-CN" altLang="en-US"/>
           </a:p>
@@ -855,7 +856,7 @@
           <a:p>
             <a:fld id="{10E9C519-C3B1-4654-8EF9-A227F461FE5A}" type="slidenum">
               <a:rPr lang="zh-CN" altLang="en-US" smtClean="0"/>
-              <a:t>17</a:t>
+              <a:t>18</a:t>
             </a:fld>
             <a:endParaRPr lang="zh-CN" altLang="en-US"/>
           </a:p>
@@ -939,7 +940,7 @@
           <a:p>
             <a:fld id="{10E9C519-C3B1-4654-8EF9-A227F461FE5A}" type="slidenum">
               <a:rPr lang="zh-CN" altLang="en-US" smtClean="0"/>
-              <a:t>18</a:t>
+              <a:t>19</a:t>
             </a:fld>
             <a:endParaRPr lang="zh-CN" altLang="en-US"/>
           </a:p>
@@ -1023,7 +1024,7 @@
           <a:p>
             <a:fld id="{10E9C519-C3B1-4654-8EF9-A227F461FE5A}" type="slidenum">
               <a:rPr lang="zh-CN" altLang="en-US" smtClean="0"/>
-              <a:t>20</a:t>
+              <a:t>21</a:t>
             </a:fld>
             <a:endParaRPr lang="zh-CN" altLang="en-US"/>
           </a:p>
@@ -1285,7 +1286,7 @@
                 <a:ea typeface="宋体" charset="-122"/>
               </a:rPr>
               <a:pPr algn="r" eaLnBrk="1" hangingPunct="1"/>
-              <a:t>22</a:t>
+              <a:t>23</a:t>
             </a:fld>
             <a:endParaRPr lang="zh-CN" altLang="en-US" sz="1200">
               <a:latin typeface="Calibri" pitchFamily="34" charset="0"/>
@@ -1387,7 +1388,7 @@
           <a:p>
             <a:fld id="{DB9D664F-4C68-42D2-B189-678958EFAFDA}" type="datetime1">
               <a:rPr lang="zh-CN" altLang="en-US" smtClean="0"/>
-              <a:t>2017/9/25</a:t>
+              <a:t>2017/9/26</a:t>
             </a:fld>
             <a:endParaRPr lang="zh-CN" altLang="en-US"/>
           </a:p>
@@ -2369,7 +2370,7 @@
           <a:p>
             <a:fld id="{ED5513C8-E3A4-4D78-B249-887659A958FF}" type="datetime1">
               <a:rPr lang="en-US" altLang="zh-CN" smtClean="0"/>
-              <a:t>9/25/2017</a:t>
+              <a:t>9/26/2017</a:t>
             </a:fld>
             <a:endParaRPr lang="en-US"/>
           </a:p>
@@ -2547,7 +2548,7 @@
           <a:p>
             <a:fld id="{EBEDA52C-3EEE-4289-818C-901C0A7814FE}" type="datetime1">
               <a:rPr lang="en-US" altLang="zh-CN" smtClean="0"/>
-              <a:t>9/25/2017</a:t>
+              <a:t>9/26/2017</a:t>
             </a:fld>
             <a:endParaRPr lang="en-US"/>
           </a:p>
@@ -2801,7 +2802,7 @@
           <a:p>
             <a:fld id="{09EF5D7F-EA15-485C-85DD-8FDC010A62D4}" type="datetime1">
               <a:rPr lang="en-US" altLang="zh-CN" smtClean="0"/>
-              <a:t>9/25/2017</a:t>
+              <a:t>9/26/2017</a:t>
             </a:fld>
             <a:endParaRPr lang="en-US"/>
           </a:p>
@@ -3041,7 +3042,7 @@
           <a:p>
             <a:fld id="{9541C2B2-0BAB-4CD4-83EE-25F1A7138896}" type="datetime1">
               <a:rPr lang="en-US" altLang="zh-CN" smtClean="0"/>
-              <a:t>9/25/2017</a:t>
+              <a:t>9/26/2017</a:t>
             </a:fld>
             <a:endParaRPr lang="en-US"/>
           </a:p>
@@ -3416,7 +3417,7 @@
           <a:p>
             <a:fld id="{7DEA23E7-D0FC-41DC-8745-BE6FC447B182}" type="datetime1">
               <a:rPr lang="en-US" altLang="zh-CN" smtClean="0"/>
-              <a:t>9/25/2017</a:t>
+              <a:t>9/26/2017</a:t>
             </a:fld>
             <a:endParaRPr lang="en-US"/>
           </a:p>
@@ -4201,7 +4202,7 @@
           <a:p>
             <a:fld id="{5DEA8378-5F33-490B-8120-8DE6B7EE2781}" type="datetime1">
               <a:rPr lang="en-US" altLang="zh-CN" smtClean="0"/>
-              <a:t>9/25/2017</a:t>
+              <a:t>9/26/2017</a:t>
             </a:fld>
             <a:endParaRPr lang="en-US"/>
           </a:p>
@@ -4455,7 +4456,7 @@
           <a:p>
             <a:fld id="{38DD30CF-78A7-4C73-91B4-38D3E3317745}" type="datetime1">
               <a:rPr lang="en-US" altLang="zh-CN" smtClean="0"/>
-              <a:t>9/25/2017</a:t>
+              <a:t>9/26/2017</a:t>
             </a:fld>
             <a:endParaRPr lang="en-US"/>
           </a:p>
@@ -4558,7 +4559,7 @@
           <a:p>
             <a:fld id="{A1BE0A72-8501-4974-A7B7-5BD248ABBAFC}" type="datetime1">
               <a:rPr lang="zh-CN" altLang="en-US" smtClean="0"/>
-              <a:t>2017/9/25</a:t>
+              <a:t>2017/9/26</a:t>
             </a:fld>
             <a:endParaRPr lang="zh-CN" altLang="en-US"/>
           </a:p>
@@ -4819,7 +4820,7 @@
           <a:p>
             <a:fld id="{0B7E01DD-16D0-4DBA-9C1A-51468BA0B73A}" type="datetime1">
               <a:rPr lang="en-US" altLang="zh-CN" smtClean="0"/>
-              <a:t>9/25/2017</a:t>
+              <a:t>9/26/2017</a:t>
             </a:fld>
             <a:endParaRPr lang="en-US"/>
           </a:p>
@@ -4997,7 +4998,7 @@
           <a:p>
             <a:fld id="{B587E63F-0E62-4A50-901F-E071D77F7634}" type="datetime1">
               <a:rPr lang="en-US" altLang="zh-CN" smtClean="0"/>
-              <a:t>9/25/2017</a:t>
+              <a:t>9/26/2017</a:t>
             </a:fld>
             <a:endParaRPr lang="en-US"/>
           </a:p>
@@ -5185,7 +5186,7 @@
           <a:p>
             <a:fld id="{BD8521E8-9297-400B-AD8C-0A4D05699D33}" type="datetime1">
               <a:rPr lang="en-US" altLang="zh-CN" smtClean="0"/>
-              <a:t>9/25/2017</a:t>
+              <a:t>9/26/2017</a:t>
             </a:fld>
             <a:endParaRPr lang="en-US"/>
           </a:p>
@@ -5416,7 +5417,7 @@
           <a:p>
             <a:fld id="{ED5513C8-E3A4-4D78-B249-887659A958FF}" type="datetime1">
               <a:rPr lang="en-US" altLang="zh-CN" smtClean="0"/>
-              <a:t>9/25/2017</a:t>
+              <a:t>9/26/2017</a:t>
             </a:fld>
             <a:endParaRPr lang="en-US"/>
           </a:p>
@@ -5594,7 +5595,7 @@
           <a:p>
             <a:fld id="{EBEDA52C-3EEE-4289-818C-901C0A7814FE}" type="datetime1">
               <a:rPr lang="en-US" altLang="zh-CN" smtClean="0"/>
-              <a:t>9/25/2017</a:t>
+              <a:t>9/26/2017</a:t>
             </a:fld>
             <a:endParaRPr lang="en-US"/>
           </a:p>
@@ -5848,7 +5849,7 @@
           <a:p>
             <a:fld id="{09EF5D7F-EA15-485C-85DD-8FDC010A62D4}" type="datetime1">
               <a:rPr lang="en-US" altLang="zh-CN" smtClean="0"/>
-              <a:t>9/25/2017</a:t>
+              <a:t>9/26/2017</a:t>
             </a:fld>
             <a:endParaRPr lang="en-US"/>
           </a:p>
@@ -6088,7 +6089,7 @@
           <a:p>
             <a:fld id="{9541C2B2-0BAB-4CD4-83EE-25F1A7138896}" type="datetime1">
               <a:rPr lang="en-US" altLang="zh-CN" smtClean="0"/>
-              <a:t>9/25/2017</a:t>
+              <a:t>9/26/2017</a:t>
             </a:fld>
             <a:endParaRPr lang="en-US"/>
           </a:p>
@@ -6463,7 +6464,7 @@
           <a:p>
             <a:fld id="{7DEA23E7-D0FC-41DC-8745-BE6FC447B182}" type="datetime1">
               <a:rPr lang="en-US" altLang="zh-CN" smtClean="0"/>
-              <a:t>9/25/2017</a:t>
+              <a:t>9/26/2017</a:t>
             </a:fld>
             <a:endParaRPr lang="en-US"/>
           </a:p>
@@ -7248,7 +7249,7 @@
           <a:p>
             <a:fld id="{A1BE0A72-8501-4974-A7B7-5BD248ABBAFC}" type="datetime1">
               <a:rPr lang="zh-CN" altLang="en-US" smtClean="0"/>
-              <a:t>2017/9/25</a:t>
+              <a:t>2017/9/26</a:t>
             </a:fld>
             <a:endParaRPr lang="zh-CN" altLang="en-US"/>
           </a:p>
@@ -7301,7 +7302,7 @@
           <a:p>
             <a:fld id="{5DEA8378-5F33-490B-8120-8DE6B7EE2781}" type="datetime1">
               <a:rPr lang="en-US" altLang="zh-CN" smtClean="0"/>
-              <a:t>9/25/2017</a:t>
+              <a:t>9/26/2017</a:t>
             </a:fld>
             <a:endParaRPr lang="en-US"/>
           </a:p>
@@ -7555,7 +7556,7 @@
           <a:p>
             <a:fld id="{38DD30CF-78A7-4C73-91B4-38D3E3317745}" type="datetime1">
               <a:rPr lang="en-US" altLang="zh-CN" smtClean="0"/>
-              <a:t>9/25/2017</a:t>
+              <a:t>9/26/2017</a:t>
             </a:fld>
             <a:endParaRPr lang="en-US"/>
           </a:p>
@@ -7820,7 +7821,7 @@
           <a:p>
             <a:fld id="{0B7E01DD-16D0-4DBA-9C1A-51468BA0B73A}" type="datetime1">
               <a:rPr lang="en-US" altLang="zh-CN" smtClean="0"/>
-              <a:t>9/25/2017</a:t>
+              <a:t>9/26/2017</a:t>
             </a:fld>
             <a:endParaRPr lang="en-US"/>
           </a:p>
@@ -7998,7 +7999,7 @@
           <a:p>
             <a:fld id="{B587E63F-0E62-4A50-901F-E071D77F7634}" type="datetime1">
               <a:rPr lang="en-US" altLang="zh-CN" smtClean="0"/>
-              <a:t>9/25/2017</a:t>
+              <a:t>9/26/2017</a:t>
             </a:fld>
             <a:endParaRPr lang="en-US"/>
           </a:p>
@@ -8186,7 +8187,7 @@
           <a:p>
             <a:fld id="{BD8521E8-9297-400B-AD8C-0A4D05699D33}" type="datetime1">
               <a:rPr lang="en-US" altLang="zh-CN" smtClean="0"/>
-              <a:t>9/25/2017</a:t>
+              <a:t>9/26/2017</a:t>
             </a:fld>
             <a:endParaRPr lang="en-US"/>
           </a:p>
@@ -8289,7 +8290,7 @@
           <a:p>
             <a:fld id="{EF452D9C-F9EB-4417-9C3A-C876C2AF9415}" type="datetime1">
               <a:rPr lang="zh-CN" altLang="en-US" smtClean="0"/>
-              <a:t>2017/9/25</a:t>
+              <a:t>2017/9/26</a:t>
             </a:fld>
             <a:endParaRPr lang="zh-CN" altLang="en-US"/>
           </a:p>
@@ -8475,7 +8476,7 @@
           <a:p>
             <a:fld id="{2F2E9289-9B4C-49AE-BDDA-70D6EDC89D17}" type="datetime1">
               <a:rPr lang="zh-CN" altLang="en-US" smtClean="0"/>
-              <a:t>2017/9/25</a:t>
+              <a:t>2017/9/26</a:t>
             </a:fld>
             <a:endParaRPr lang="zh-CN" altLang="en-US"/>
           </a:p>
@@ -8645,7 +8646,7 @@
           <a:p>
             <a:fld id="{2F2E9289-9B4C-49AE-BDDA-70D6EDC89D17}" type="datetime1">
               <a:rPr lang="zh-CN" altLang="en-US" smtClean="0"/>
-              <a:t>2017/9/25</a:t>
+              <a:t>2017/9/26</a:t>
             </a:fld>
             <a:endParaRPr lang="zh-CN" altLang="en-US"/>
           </a:p>
@@ -8881,7 +8882,7 @@
           <a:p>
             <a:fld id="{8C5BA751-A251-47D6-8494-C134D9EBED5F}" type="datetime1">
               <a:rPr lang="zh-CN" altLang="en-US" smtClean="0"/>
-              <a:t>2017/9/25</a:t>
+              <a:t>2017/9/26</a:t>
             </a:fld>
             <a:endParaRPr lang="zh-CN" altLang="en-US"/>
           </a:p>
@@ -9237,7 +9238,7 @@
           <a:p>
             <a:fld id="{C46E2078-F302-4651-A2A2-2FC6C4E1A3F1}" type="datetime1">
               <a:rPr lang="zh-CN" altLang="en-US" smtClean="0"/>
-              <a:t>2017/9/25</a:t>
+              <a:t>2017/9/26</a:t>
             </a:fld>
             <a:endParaRPr lang="zh-CN" altLang="en-US"/>
           </a:p>
@@ -9359,7 +9360,7 @@
               <a:pPr>
                 <a:defRPr/>
               </a:pPr>
-              <a:t>2017/9/25</a:t>
+              <a:t>2017/9/26</a:t>
             </a:fld>
             <a:endParaRPr lang="zh-CN" altLang="en-US"/>
           </a:p>
@@ -9507,7 +9508,7 @@
           <a:p>
             <a:fld id="{A1BE0A72-8501-4974-A7B7-5BD248ABBAFC}" type="datetime1">
               <a:rPr lang="zh-CN" altLang="en-US" smtClean="0"/>
-              <a:t>2017/9/25</a:t>
+              <a:t>2017/9/26</a:t>
             </a:fld>
             <a:endParaRPr lang="zh-CN" altLang="en-US"/>
           </a:p>
@@ -10021,7 +10022,7 @@
           <a:p>
             <a:fld id="{A1BE0A72-8501-4974-A7B7-5BD248ABBAFC}" type="datetime1">
               <a:rPr lang="zh-CN" altLang="en-US" smtClean="0"/>
-              <a:t>2017/9/25</a:t>
+              <a:t>2017/9/26</a:t>
             </a:fld>
             <a:endParaRPr lang="zh-CN" altLang="en-US"/>
           </a:p>
@@ -10627,7 +10628,7 @@
           <a:p>
             <a:fld id="{7A78726F-0AD2-4A20-BC72-263D2D3F3A2F}" type="datetime1">
               <a:rPr lang="en-US" altLang="zh-CN" smtClean="0"/>
-              <a:t>9/25/2017</a:t>
+              <a:t>9/26/2017</a:t>
             </a:fld>
             <a:endParaRPr lang="en-US"/>
           </a:p>
@@ -11608,7 +11609,7 @@
           <a:p>
             <a:fld id="{A1BE0A72-8501-4974-A7B7-5BD248ABBAFC}" type="datetime1">
               <a:rPr lang="zh-CN" altLang="en-US" smtClean="0"/>
-              <a:t>2017/9/25</a:t>
+              <a:t>2017/9/26</a:t>
             </a:fld>
             <a:endParaRPr lang="zh-CN" altLang="en-US"/>
           </a:p>
@@ -12214,7 +12215,7 @@
           <a:p>
             <a:fld id="{7A78726F-0AD2-4A20-BC72-263D2D3F3A2F}" type="datetime1">
               <a:rPr lang="en-US" altLang="zh-CN" smtClean="0"/>
-              <a:t>9/25/2017</a:t>
+              <a:t>9/26/2017</a:t>
             </a:fld>
             <a:endParaRPr lang="en-US"/>
           </a:p>
@@ -13178,29 +13179,24 @@
             <p:ph sz="quarter" idx="13"/>
           </p:nvPr>
         </p:nvSpPr>
-        <p:spPr>
-          <a:xfrm>
-            <a:off x="1054100" y="543636"/>
-            <a:ext cx="4973074" cy="685800"/>
-          </a:xfrm>
-        </p:spPr>
+        <p:spPr/>
         <p:txBody>
           <a:bodyPr/>
           <a:lstStyle/>
           <a:p>
             <a:r>
               <a:rPr lang="zh-CN" altLang="en-US" b="0" dirty="0"/>
-              <a:t>第二讲</a:t>
-            </a:r>
-          </a:p>
-        </p:txBody>
-      </p:sp>
-      <p:sp>
-        <p:nvSpPr>
-          <p:cNvPr id="5" name="文本框 4">
+              <a:t>微信数据统计</a:t>
+            </a:r>
+          </a:p>
+        </p:txBody>
+      </p:sp>
+      <p:sp>
+        <p:nvSpPr>
+          <p:cNvPr id="3" name="文本框 2">
             <a:extLst>
               <a:ext uri="{FF2B5EF4-FFF2-40B4-BE49-F238E27FC236}">
-                <a16:creationId xmlns:a16="http://schemas.microsoft.com/office/drawing/2014/main" id="{F135F30F-238C-4C42-9F3E-81617BFFBE96}"/>
+                <a16:creationId xmlns:a16="http://schemas.microsoft.com/office/drawing/2014/main" id="{C39FA607-1716-4705-AFA1-189CA2D4ED20}"/>
               </a:ext>
             </a:extLst>
           </p:cNvPr>
@@ -13209,8 +13205,8 @@
         </p:nvSpPr>
         <p:spPr>
           <a:xfrm>
-            <a:off x="4121764" y="2372033"/>
-            <a:ext cx="4422468" cy="2339102"/>
+            <a:off x="1199535" y="1887794"/>
+            <a:ext cx="10048568" cy="3416320"/>
           </a:xfrm>
           <a:prstGeom prst="rect">
             <a:avLst/>
@@ -13223,19 +13219,33 @@
           </a:bodyPr>
           <a:lstStyle/>
           <a:p>
-            <a:pPr marL="514350" indent="-514350">
+            <a:pPr marL="285750" indent="-285750">
               <a:lnSpc>
-                <a:spcPct val="200000"/>
+                <a:spcPct val="150000"/>
               </a:lnSpc>
-              <a:buFont typeface="+mj-ea"/>
-              <a:buAutoNum type="ea1JpnChsDbPeriod"/>
+              <a:buFont typeface="Arial" panose="020B0604020202020204" pitchFamily="34" charset="0"/>
+              <a:buChar char="•"/>
             </a:pPr>
             <a:r>
               <a:rPr lang="zh-CN" altLang="en-US" sz="2000" dirty="0">
                 <a:latin typeface="微软雅黑" panose="020B0503020204020204" pitchFamily="34" charset="-122"/>
                 <a:ea typeface="微软雅黑" panose="020B0503020204020204" pitchFamily="34" charset="-122"/>
               </a:rPr>
-              <a:t>公众号基础</a:t>
+              <a:t>微信月活跃用户已达到</a:t>
+            </a:r>
+            <a:r>
+              <a:rPr lang="en-US" altLang="zh-CN" sz="2000" dirty="0">
+                <a:latin typeface="微软雅黑" panose="020B0503020204020204" pitchFamily="34" charset="-122"/>
+                <a:ea typeface="微软雅黑" panose="020B0503020204020204" pitchFamily="34" charset="-122"/>
+              </a:rPr>
+              <a:t>8.89</a:t>
+            </a:r>
+            <a:r>
+              <a:rPr lang="zh-CN" altLang="en-US" sz="2000" dirty="0">
+                <a:latin typeface="微软雅黑" panose="020B0503020204020204" pitchFamily="34" charset="-122"/>
+                <a:ea typeface="微软雅黑" panose="020B0503020204020204" pitchFamily="34" charset="-122"/>
+              </a:rPr>
+              <a:t>亿。</a:t>
             </a:r>
             <a:endParaRPr lang="en-US" altLang="zh-CN" sz="2000" dirty="0">
               <a:latin typeface="微软雅黑" panose="020B0503020204020204" pitchFamily="34" charset="-122"/>
@@ -13243,49 +13253,47 @@
             </a:endParaRPr>
           </a:p>
           <a:p>
-            <a:pPr marL="514350" indent="-514350">
+            <a:pPr marL="285750" indent="-285750">
               <a:lnSpc>
-                <a:spcPct val="200000"/>
+                <a:spcPct val="150000"/>
               </a:lnSpc>
-              <a:buFont typeface="+mj-ea"/>
-              <a:buAutoNum type="ea1JpnChsDbPeriod"/>
-            </a:pPr>
-            <a:r>
-              <a:rPr lang="zh-CN" altLang="en-US" sz="2400" dirty="0">
-                <a:solidFill>
-                  <a:schemeClr val="accent6">
-                    <a:lumMod val="75000"/>
-                  </a:schemeClr>
-                </a:solidFill>
-                <a:latin typeface="微软雅黑" panose="020B0503020204020204" pitchFamily="34" charset="-122"/>
-                <a:ea typeface="微软雅黑" panose="020B0503020204020204" pitchFamily="34" charset="-122"/>
-              </a:rPr>
-              <a:t>申请注册个人公众号</a:t>
-            </a:r>
-            <a:endParaRPr lang="en-US" altLang="zh-CN" sz="2400" dirty="0">
-              <a:solidFill>
-                <a:schemeClr val="accent6">
-                  <a:lumMod val="75000"/>
-                </a:schemeClr>
-              </a:solidFill>
-              <a:latin typeface="微软雅黑" panose="020B0503020204020204" pitchFamily="34" charset="-122"/>
-              <a:ea typeface="微软雅黑" panose="020B0503020204020204" pitchFamily="34" charset="-122"/>
-            </a:endParaRPr>
-          </a:p>
-          <a:p>
-            <a:pPr marL="514350" indent="-514350">
-              <a:lnSpc>
-                <a:spcPct val="200000"/>
-              </a:lnSpc>
-              <a:buFont typeface="+mj-ea"/>
-              <a:buAutoNum type="ea1JpnChsDbPeriod"/>
+              <a:buFont typeface="Arial" panose="020B0604020202020204" pitchFamily="34" charset="0"/>
+              <a:buChar char="•"/>
             </a:pPr>
             <a:r>
               <a:rPr lang="zh-CN" altLang="en-US" sz="2000" dirty="0">
                 <a:latin typeface="微软雅黑" panose="020B0503020204020204" pitchFamily="34" charset="-122"/>
                 <a:ea typeface="微软雅黑" panose="020B0503020204020204" pitchFamily="34" charset="-122"/>
               </a:rPr>
-              <a:t>公众号基本使用</a:t>
+              <a:t>公众号注册数量已超过</a:t>
+            </a:r>
+            <a:r>
+              <a:rPr lang="en-US" altLang="zh-CN" sz="2000" dirty="0">
+                <a:latin typeface="微软雅黑" panose="020B0503020204020204" pitchFamily="34" charset="-122"/>
+                <a:ea typeface="微软雅黑" panose="020B0503020204020204" pitchFamily="34" charset="-122"/>
+              </a:rPr>
+              <a:t>1000</a:t>
+            </a:r>
+            <a:r>
+              <a:rPr lang="zh-CN" altLang="en-US" sz="2000" dirty="0">
+                <a:latin typeface="微软雅黑" panose="020B0503020204020204" pitchFamily="34" charset="-122"/>
+                <a:ea typeface="微软雅黑" panose="020B0503020204020204" pitchFamily="34" charset="-122"/>
+              </a:rPr>
+              <a:t>万，大概</a:t>
+            </a:r>
+            <a:r>
+              <a:rPr lang="en-US" altLang="zh-CN" sz="2000" dirty="0">
+                <a:latin typeface="微软雅黑" panose="020B0503020204020204" pitchFamily="34" charset="-122"/>
+                <a:ea typeface="微软雅黑" panose="020B0503020204020204" pitchFamily="34" charset="-122"/>
+              </a:rPr>
+              <a:t>76%</a:t>
+            </a:r>
+            <a:r>
+              <a:rPr lang="zh-CN" altLang="en-US" sz="2000" dirty="0">
+                <a:latin typeface="微软雅黑" panose="020B0503020204020204" pitchFamily="34" charset="-122"/>
+                <a:ea typeface="微软雅黑" panose="020B0503020204020204" pitchFamily="34" charset="-122"/>
+              </a:rPr>
+              <a:t>的活跃公众号粉丝数量在万人以下。</a:t>
             </a:r>
             <a:endParaRPr lang="en-US" altLang="zh-CN" sz="2000" dirty="0">
               <a:latin typeface="微软雅黑" panose="020B0503020204020204" pitchFamily="34" charset="-122"/>
@@ -13293,17 +13301,173 @@
             </a:endParaRPr>
           </a:p>
           <a:p>
-            <a:pPr marL="342900" indent="-342900">
-              <a:buAutoNum type="arabicPeriod"/>
+            <a:pPr marL="285750" indent="-285750">
+              <a:lnSpc>
+                <a:spcPct val="150000"/>
+              </a:lnSpc>
+              <a:buFont typeface="Arial" panose="020B0604020202020204" pitchFamily="34" charset="0"/>
+              <a:buChar char="•"/>
             </a:pPr>
-            <a:endParaRPr lang="zh-CN" altLang="en-US" dirty="0"/>
+            <a:r>
+              <a:rPr lang="en-US" altLang="zh-CN" sz="2000" dirty="0">
+                <a:latin typeface="微软雅黑" panose="020B0503020204020204" pitchFamily="34" charset="-122"/>
+                <a:ea typeface="微软雅黑" panose="020B0503020204020204" pitchFamily="34" charset="-122"/>
+              </a:rPr>
+              <a:t>30%</a:t>
+            </a:r>
+            <a:r>
+              <a:rPr lang="zh-CN" altLang="en-US" sz="2000" dirty="0">
+                <a:latin typeface="微软雅黑" panose="020B0503020204020204" pitchFamily="34" charset="-122"/>
+                <a:ea typeface="微软雅黑" panose="020B0503020204020204" pitchFamily="34" charset="-122"/>
+              </a:rPr>
+              <a:t>的运营者尝试过使用公众号</a:t>
+            </a:r>
+            <a:r>
+              <a:rPr lang="en-US" altLang="zh-CN" sz="2000" dirty="0">
+                <a:latin typeface="微软雅黑" panose="020B0503020204020204" pitchFamily="34" charset="-122"/>
+                <a:ea typeface="微软雅黑" panose="020B0503020204020204" pitchFamily="34" charset="-122"/>
+              </a:rPr>
+              <a:t>+</a:t>
+            </a:r>
+            <a:r>
+              <a:rPr lang="zh-CN" altLang="en-US" sz="2000" dirty="0">
+                <a:latin typeface="微软雅黑" panose="020B0503020204020204" pitchFamily="34" charset="-122"/>
+                <a:ea typeface="微软雅黑" panose="020B0503020204020204" pitchFamily="34" charset="-122"/>
+              </a:rPr>
+              <a:t>电商模式。</a:t>
+            </a:r>
+            <a:endParaRPr lang="en-US" altLang="zh-CN" sz="2000" dirty="0">
+              <a:latin typeface="微软雅黑" panose="020B0503020204020204" pitchFamily="34" charset="-122"/>
+              <a:ea typeface="微软雅黑" panose="020B0503020204020204" pitchFamily="34" charset="-122"/>
+            </a:endParaRPr>
+          </a:p>
+          <a:p>
+            <a:pPr marL="285750" indent="-285750">
+              <a:lnSpc>
+                <a:spcPct val="150000"/>
+              </a:lnSpc>
+              <a:buFont typeface="Arial" panose="020B0604020202020204" pitchFamily="34" charset="0"/>
+              <a:buChar char="•"/>
+            </a:pPr>
+            <a:r>
+              <a:rPr lang="zh-CN" altLang="en-US" sz="2000" dirty="0">
+                <a:latin typeface="微软雅黑" panose="020B0503020204020204" pitchFamily="34" charset="-122"/>
+                <a:ea typeface="微软雅黑" panose="020B0503020204020204" pitchFamily="34" charset="-122"/>
+              </a:rPr>
+              <a:t>工作沟通微信位列第一（</a:t>
+            </a:r>
+            <a:r>
+              <a:rPr lang="en-US" altLang="zh-CN" sz="2000" dirty="0">
+                <a:latin typeface="微软雅黑" panose="020B0503020204020204" pitchFamily="34" charset="-122"/>
+                <a:ea typeface="微软雅黑" panose="020B0503020204020204" pitchFamily="34" charset="-122"/>
+              </a:rPr>
+              <a:t>QQ</a:t>
+            </a:r>
+            <a:r>
+              <a:rPr lang="zh-CN" altLang="en-US" sz="2000" dirty="0">
+                <a:latin typeface="微软雅黑" panose="020B0503020204020204" pitchFamily="34" charset="-122"/>
+                <a:ea typeface="微软雅黑" panose="020B0503020204020204" pitchFamily="34" charset="-122"/>
+              </a:rPr>
+              <a:t>几乎与其持平）。</a:t>
+            </a:r>
+            <a:endParaRPr lang="en-US" altLang="zh-CN" sz="2000" dirty="0">
+              <a:latin typeface="微软雅黑" panose="020B0503020204020204" pitchFamily="34" charset="-122"/>
+              <a:ea typeface="微软雅黑" panose="020B0503020204020204" pitchFamily="34" charset="-122"/>
+            </a:endParaRPr>
+          </a:p>
+          <a:p>
+            <a:pPr marL="285750" indent="-285750">
+              <a:lnSpc>
+                <a:spcPct val="150000"/>
+              </a:lnSpc>
+              <a:buFont typeface="Arial" panose="020B0604020202020204" pitchFamily="34" charset="0"/>
+              <a:buChar char="•"/>
+            </a:pPr>
+            <a:r>
+              <a:rPr lang="zh-CN" altLang="en-US" sz="2000" dirty="0">
+                <a:latin typeface="微软雅黑" panose="020B0503020204020204" pitchFamily="34" charset="-122"/>
+                <a:ea typeface="微软雅黑" panose="020B0503020204020204" pitchFamily="34" charset="-122"/>
+              </a:rPr>
+              <a:t>移动支付已成为主流消费方式。</a:t>
+            </a:r>
+            <a:endParaRPr lang="en-US" altLang="zh-CN" sz="2000" dirty="0">
+              <a:latin typeface="微软雅黑" panose="020B0503020204020204" pitchFamily="34" charset="-122"/>
+              <a:ea typeface="微软雅黑" panose="020B0503020204020204" pitchFamily="34" charset="-122"/>
+            </a:endParaRPr>
+          </a:p>
+          <a:p>
+            <a:pPr>
+              <a:lnSpc>
+                <a:spcPct val="150000"/>
+              </a:lnSpc>
+            </a:pPr>
+            <a:endParaRPr lang="en-US" altLang="zh-CN" sz="2000" dirty="0">
+              <a:latin typeface="微软雅黑" panose="020B0503020204020204" pitchFamily="34" charset="-122"/>
+              <a:ea typeface="微软雅黑" panose="020B0503020204020204" pitchFamily="34" charset="-122"/>
+            </a:endParaRPr>
+          </a:p>
+          <a:p>
+            <a:pPr>
+              <a:lnSpc>
+                <a:spcPct val="150000"/>
+              </a:lnSpc>
+            </a:pPr>
+            <a:r>
+              <a:rPr lang="zh-CN" altLang="en-US" sz="2000" dirty="0">
+                <a:latin typeface="仿宋" panose="02010609060101010101" pitchFamily="49" charset="-122"/>
+                <a:ea typeface="仿宋" panose="02010609060101010101" pitchFamily="49" charset="-122"/>
+              </a:rPr>
+              <a:t>以上数据来自于</a:t>
+            </a:r>
+            <a:r>
+              <a:rPr lang="en-US" altLang="zh-CN" sz="2000" dirty="0">
+                <a:latin typeface="仿宋" panose="02010609060101010101" pitchFamily="49" charset="-122"/>
+                <a:ea typeface="仿宋" panose="02010609060101010101" pitchFamily="49" charset="-122"/>
+              </a:rPr>
+              <a:t>《2017</a:t>
+            </a:r>
+            <a:r>
+              <a:rPr lang="zh-CN" altLang="en-US" sz="2000" dirty="0">
+                <a:latin typeface="仿宋" panose="02010609060101010101" pitchFamily="49" charset="-122"/>
+                <a:ea typeface="仿宋" panose="02010609060101010101" pitchFamily="49" charset="-122"/>
+              </a:rPr>
+              <a:t>微信用户</a:t>
+            </a:r>
+            <a:r>
+              <a:rPr lang="en-US" altLang="zh-CN" sz="2000" dirty="0">
+                <a:latin typeface="仿宋" panose="02010609060101010101" pitchFamily="49" charset="-122"/>
+                <a:ea typeface="仿宋" panose="02010609060101010101" pitchFamily="49" charset="-122"/>
+              </a:rPr>
+              <a:t>&amp;</a:t>
+            </a:r>
+            <a:r>
+              <a:rPr lang="zh-CN" altLang="en-US" sz="2000" dirty="0">
+                <a:latin typeface="仿宋" panose="02010609060101010101" pitchFamily="49" charset="-122"/>
+                <a:ea typeface="仿宋" panose="02010609060101010101" pitchFamily="49" charset="-122"/>
+              </a:rPr>
+              <a:t>生态研究报告</a:t>
+            </a:r>
+            <a:r>
+              <a:rPr lang="en-US" altLang="zh-CN" sz="2000" dirty="0">
+                <a:latin typeface="仿宋" panose="02010609060101010101" pitchFamily="49" charset="-122"/>
+                <a:ea typeface="仿宋" panose="02010609060101010101" pitchFamily="49" charset="-122"/>
+              </a:rPr>
+              <a:t>》</a:t>
+            </a:r>
+            <a:r>
+              <a:rPr lang="zh-CN" altLang="en-US" sz="2000" dirty="0">
+                <a:latin typeface="仿宋" panose="02010609060101010101" pitchFamily="49" charset="-122"/>
+                <a:ea typeface="仿宋" panose="02010609060101010101" pitchFamily="49" charset="-122"/>
+              </a:rPr>
+              <a:t>。</a:t>
+            </a:r>
           </a:p>
         </p:txBody>
       </p:sp>
     </p:spTree>
     <p:extLst>
       <p:ext uri="{BB962C8B-B14F-4D97-AF65-F5344CB8AC3E}">
-        <p14:creationId xmlns:p14="http://schemas.microsoft.com/office/powerpoint/2010/main" val="1928010297"/>
+        <p14:creationId xmlns:p14="http://schemas.microsoft.com/office/powerpoint/2010/main" val="747720477"/>
       </p:ext>
     </p:extLst>
   </p:cSld>
@@ -13332,18 +13496,18 @@
       </p:grpSpPr>
       <p:sp>
         <p:nvSpPr>
-          <p:cNvPr id="3" name="内容占位符 2"/>
+          <p:cNvPr id="2" name="内容占位符 1"/>
           <p:cNvSpPr>
             <a:spLocks noGrp="1"/>
           </p:cNvSpPr>
           <p:nvPr>
-            <p:ph sz="quarter" idx="15"/>
+            <p:ph sz="quarter" idx="13"/>
           </p:nvPr>
         </p:nvSpPr>
         <p:spPr>
           <a:xfrm>
-            <a:off x="917622" y="516340"/>
-            <a:ext cx="5827307" cy="685800"/>
+            <a:off x="1054100" y="543636"/>
+            <a:ext cx="4973074" cy="685800"/>
           </a:xfrm>
         </p:spPr>
         <p:txBody>
@@ -13352,51 +13516,52 @@
           <a:p>
             <a:r>
               <a:rPr lang="zh-CN" altLang="en-US" b="0" dirty="0"/>
-              <a:t>申请注册公众号</a:t>
-            </a:r>
-          </a:p>
-        </p:txBody>
-      </p:sp>
-      <p:sp>
-        <p:nvSpPr>
-          <p:cNvPr id="4" name="矩形 3">
+              <a:t>第二讲</a:t>
+            </a:r>
+          </a:p>
+        </p:txBody>
+      </p:sp>
+      <p:sp>
+        <p:nvSpPr>
+          <p:cNvPr id="5" name="文本框 4">
             <a:extLst>
               <a:ext uri="{FF2B5EF4-FFF2-40B4-BE49-F238E27FC236}">
-                <a16:creationId xmlns:a16="http://schemas.microsoft.com/office/drawing/2014/main" id="{46B2ADE3-0934-4FCE-8BC2-3B471FFE3B65}"/>
+                <a16:creationId xmlns:a16="http://schemas.microsoft.com/office/drawing/2014/main" id="{F135F30F-238C-4C42-9F3E-81617BFFBE96}"/>
               </a:ext>
             </a:extLst>
           </p:cNvPr>
-          <p:cNvSpPr/>
+          <p:cNvSpPr txBox="1"/>
           <p:nvPr/>
         </p:nvSpPr>
         <p:spPr>
           <a:xfrm>
-            <a:off x="917622" y="1825097"/>
-            <a:ext cx="8314868" cy="2346283"/>
+            <a:off x="4121764" y="2372033"/>
+            <a:ext cx="4422468" cy="2339102"/>
           </a:xfrm>
           <a:prstGeom prst="rect">
             <a:avLst/>
           </a:prstGeom>
+          <a:noFill/>
         </p:spPr>
         <p:txBody>
-          <a:bodyPr wrap="square">
+          <a:bodyPr wrap="square" rtlCol="0">
             <a:spAutoFit/>
           </a:bodyPr>
           <a:lstStyle/>
           <a:p>
-            <a:pPr marL="285750" indent="-285750">
+            <a:pPr marL="514350" indent="-514350">
               <a:lnSpc>
-                <a:spcPct val="150000"/>
+                <a:spcPct val="200000"/>
               </a:lnSpc>
-              <a:buFont typeface="Arial" panose="020B0604020202020204" pitchFamily="34" charset="0"/>
-              <a:buChar char="•"/>
+              <a:buFont typeface="+mj-ea"/>
+              <a:buAutoNum type="ea1JpnChsDbPeriod"/>
             </a:pPr>
             <a:r>
               <a:rPr lang="zh-CN" altLang="en-US" sz="2000" dirty="0">
                 <a:latin typeface="微软雅黑" panose="020B0503020204020204" pitchFamily="34" charset="-122"/>
                 <a:ea typeface="微软雅黑" panose="020B0503020204020204" pitchFamily="34" charset="-122"/>
               </a:rPr>
-              <a:t>搜索‘微信公众平台’打开链接</a:t>
+              <a:t>公众号基础</a:t>
             </a:r>
             <a:endParaRPr lang="en-US" altLang="zh-CN" sz="2000" dirty="0">
               <a:latin typeface="微软雅黑" panose="020B0503020204020204" pitchFamily="34" charset="-122"/>
@@ -13404,47 +13569,49 @@
             </a:endParaRPr>
           </a:p>
           <a:p>
-            <a:pPr>
+            <a:pPr marL="514350" indent="-514350">
               <a:lnSpc>
-                <a:spcPct val="150000"/>
+                <a:spcPct val="200000"/>
               </a:lnSpc>
+              <a:buFont typeface="+mj-ea"/>
+              <a:buAutoNum type="ea1JpnChsDbPeriod"/>
             </a:pPr>
             <a:r>
-              <a:rPr lang="en-US" altLang="zh-CN" sz="2000" dirty="0">
+              <a:rPr lang="zh-CN" altLang="en-US" sz="2400" dirty="0">
+                <a:solidFill>
+                  <a:schemeClr val="accent6">
+                    <a:lumMod val="75000"/>
+                  </a:schemeClr>
+                </a:solidFill>
                 <a:latin typeface="微软雅黑" panose="020B0503020204020204" pitchFamily="34" charset="-122"/>
                 <a:ea typeface="微软雅黑" panose="020B0503020204020204" pitchFamily="34" charset="-122"/>
               </a:rPr>
-              <a:t>	</a:t>
-            </a:r>
+              <a:t>申请注册个人公众号</a:t>
+            </a:r>
+            <a:endParaRPr lang="en-US" altLang="zh-CN" sz="2400" dirty="0">
+              <a:solidFill>
+                <a:schemeClr val="accent6">
+                  <a:lumMod val="75000"/>
+                </a:schemeClr>
+              </a:solidFill>
+              <a:latin typeface="微软雅黑" panose="020B0503020204020204" pitchFamily="34" charset="-122"/>
+              <a:ea typeface="微软雅黑" panose="020B0503020204020204" pitchFamily="34" charset="-122"/>
+            </a:endParaRPr>
+          </a:p>
+          <a:p>
+            <a:pPr marL="514350" indent="-514350">
+              <a:lnSpc>
+                <a:spcPct val="200000"/>
+              </a:lnSpc>
+              <a:buFont typeface="+mj-ea"/>
+              <a:buAutoNum type="ea1JpnChsDbPeriod"/>
+            </a:pPr>
             <a:r>
               <a:rPr lang="zh-CN" altLang="en-US" sz="2000" dirty="0">
                 <a:latin typeface="微软雅黑" panose="020B0503020204020204" pitchFamily="34" charset="-122"/>
                 <a:ea typeface="微软雅黑" panose="020B0503020204020204" pitchFamily="34" charset="-122"/>
               </a:rPr>
-              <a:t>或者是直接输入网址：</a:t>
-            </a:r>
-            <a:r>
-              <a:rPr lang="en-US" altLang="zh-CN" sz="2000" dirty="0">
-                <a:latin typeface="微软雅黑" panose="020B0503020204020204" pitchFamily="34" charset="-122"/>
-                <a:ea typeface="微软雅黑" panose="020B0503020204020204" pitchFamily="34" charset="-122"/>
-              </a:rPr>
-              <a:t>https://mp.weixin.qq.com</a:t>
-            </a:r>
-          </a:p>
-          <a:p>
-            <a:pPr marL="285750" indent="-285750">
-              <a:lnSpc>
-                <a:spcPct val="150000"/>
-              </a:lnSpc>
-              <a:buFont typeface="Arial" panose="020B0604020202020204" pitchFamily="34" charset="0"/>
-              <a:buChar char="•"/>
-            </a:pPr>
-            <a:r>
-              <a:rPr lang="zh-CN" altLang="en-US" sz="2000" dirty="0">
-                <a:latin typeface="微软雅黑" panose="020B0503020204020204" pitchFamily="34" charset="-122"/>
-                <a:ea typeface="微软雅黑" panose="020B0503020204020204" pitchFamily="34" charset="-122"/>
-              </a:rPr>
-              <a:t>点击‘立即注册’</a:t>
+              <a:t>公众号基本使用</a:t>
             </a:r>
             <a:endParaRPr lang="en-US" altLang="zh-CN" sz="2000" dirty="0">
               <a:latin typeface="微软雅黑" panose="020B0503020204020204" pitchFamily="34" charset="-122"/>
@@ -13452,47 +13619,17 @@
             </a:endParaRPr>
           </a:p>
           <a:p>
-            <a:pPr marL="285750" indent="-285750">
-              <a:lnSpc>
-                <a:spcPct val="150000"/>
-              </a:lnSpc>
-              <a:buFont typeface="Arial" panose="020B0604020202020204" pitchFamily="34" charset="0"/>
-              <a:buChar char="•"/>
+            <a:pPr marL="342900" indent="-342900">
+              <a:buAutoNum type="arabicPeriod"/>
             </a:pPr>
-            <a:r>
-              <a:rPr lang="zh-CN" altLang="en-US" sz="2000" dirty="0">
-                <a:latin typeface="微软雅黑" panose="020B0503020204020204" pitchFamily="34" charset="-122"/>
-                <a:ea typeface="微软雅黑" panose="020B0503020204020204" pitchFamily="34" charset="-122"/>
-              </a:rPr>
-              <a:t>选择公众号类型，选择订阅号</a:t>
-            </a:r>
-            <a:endParaRPr lang="en-US" altLang="zh-CN" sz="2000" dirty="0">
-              <a:latin typeface="微软雅黑" panose="020B0503020204020204" pitchFamily="34" charset="-122"/>
-              <a:ea typeface="微软雅黑" panose="020B0503020204020204" pitchFamily="34" charset="-122"/>
-            </a:endParaRPr>
-          </a:p>
-          <a:p>
-            <a:pPr marL="285750" indent="-285750">
-              <a:lnSpc>
-                <a:spcPct val="150000"/>
-              </a:lnSpc>
-              <a:buFont typeface="Arial" panose="020B0604020202020204" pitchFamily="34" charset="0"/>
-              <a:buChar char="•"/>
-            </a:pPr>
-            <a:r>
-              <a:rPr lang="zh-CN" altLang="en-US" sz="2000" dirty="0">
-                <a:latin typeface="微软雅黑" panose="020B0503020204020204" pitchFamily="34" charset="-122"/>
-                <a:ea typeface="微软雅黑" panose="020B0503020204020204" pitchFamily="34" charset="-122"/>
-              </a:rPr>
-              <a:t>按照步骤与提示填写表单并完成注册</a:t>
-            </a:r>
+            <a:endParaRPr lang="zh-CN" altLang="en-US" dirty="0"/>
           </a:p>
         </p:txBody>
       </p:sp>
     </p:spTree>
     <p:extLst>
       <p:ext uri="{BB962C8B-B14F-4D97-AF65-F5344CB8AC3E}">
-        <p14:creationId xmlns:p14="http://schemas.microsoft.com/office/powerpoint/2010/main" val="2026224558"/>
+        <p14:creationId xmlns:p14="http://schemas.microsoft.com/office/powerpoint/2010/main" val="1928010297"/>
       </p:ext>
     </p:extLst>
   </p:cSld>
@@ -13521,6 +13658,195 @@
       </p:grpSpPr>
       <p:sp>
         <p:nvSpPr>
+          <p:cNvPr id="3" name="内容占位符 2"/>
+          <p:cNvSpPr>
+            <a:spLocks noGrp="1"/>
+          </p:cNvSpPr>
+          <p:nvPr>
+            <p:ph sz="quarter" idx="15"/>
+          </p:nvPr>
+        </p:nvSpPr>
+        <p:spPr>
+          <a:xfrm>
+            <a:off x="917622" y="516340"/>
+            <a:ext cx="5827307" cy="685800"/>
+          </a:xfrm>
+        </p:spPr>
+        <p:txBody>
+          <a:bodyPr/>
+          <a:lstStyle/>
+          <a:p>
+            <a:r>
+              <a:rPr lang="zh-CN" altLang="en-US" b="0" dirty="0"/>
+              <a:t>申请注册公众号</a:t>
+            </a:r>
+          </a:p>
+        </p:txBody>
+      </p:sp>
+      <p:sp>
+        <p:nvSpPr>
+          <p:cNvPr id="4" name="矩形 3">
+            <a:extLst>
+              <a:ext uri="{FF2B5EF4-FFF2-40B4-BE49-F238E27FC236}">
+                <a16:creationId xmlns:a16="http://schemas.microsoft.com/office/drawing/2014/main" id="{46B2ADE3-0934-4FCE-8BC2-3B471FFE3B65}"/>
+              </a:ext>
+            </a:extLst>
+          </p:cNvPr>
+          <p:cNvSpPr/>
+          <p:nvPr/>
+        </p:nvSpPr>
+        <p:spPr>
+          <a:xfrm>
+            <a:off x="917622" y="1825097"/>
+            <a:ext cx="8314868" cy="2346283"/>
+          </a:xfrm>
+          <a:prstGeom prst="rect">
+            <a:avLst/>
+          </a:prstGeom>
+        </p:spPr>
+        <p:txBody>
+          <a:bodyPr wrap="square">
+            <a:spAutoFit/>
+          </a:bodyPr>
+          <a:lstStyle/>
+          <a:p>
+            <a:pPr marL="285750" indent="-285750">
+              <a:lnSpc>
+                <a:spcPct val="150000"/>
+              </a:lnSpc>
+              <a:buFont typeface="Arial" panose="020B0604020202020204" pitchFamily="34" charset="0"/>
+              <a:buChar char="•"/>
+            </a:pPr>
+            <a:r>
+              <a:rPr lang="zh-CN" altLang="en-US" sz="2000" dirty="0">
+                <a:latin typeface="微软雅黑" panose="020B0503020204020204" pitchFamily="34" charset="-122"/>
+                <a:ea typeface="微软雅黑" panose="020B0503020204020204" pitchFamily="34" charset="-122"/>
+              </a:rPr>
+              <a:t>搜索‘微信公众平台’打开链接</a:t>
+            </a:r>
+            <a:endParaRPr lang="en-US" altLang="zh-CN" sz="2000" dirty="0">
+              <a:latin typeface="微软雅黑" panose="020B0503020204020204" pitchFamily="34" charset="-122"/>
+              <a:ea typeface="微软雅黑" panose="020B0503020204020204" pitchFamily="34" charset="-122"/>
+            </a:endParaRPr>
+          </a:p>
+          <a:p>
+            <a:pPr>
+              <a:lnSpc>
+                <a:spcPct val="150000"/>
+              </a:lnSpc>
+            </a:pPr>
+            <a:r>
+              <a:rPr lang="en-US" altLang="zh-CN" sz="2000" dirty="0">
+                <a:latin typeface="微软雅黑" panose="020B0503020204020204" pitchFamily="34" charset="-122"/>
+                <a:ea typeface="微软雅黑" panose="020B0503020204020204" pitchFamily="34" charset="-122"/>
+              </a:rPr>
+              <a:t>	</a:t>
+            </a:r>
+            <a:r>
+              <a:rPr lang="zh-CN" altLang="en-US" sz="2000" dirty="0">
+                <a:latin typeface="微软雅黑" panose="020B0503020204020204" pitchFamily="34" charset="-122"/>
+                <a:ea typeface="微软雅黑" panose="020B0503020204020204" pitchFamily="34" charset="-122"/>
+              </a:rPr>
+              <a:t>或者是直接输入网址：</a:t>
+            </a:r>
+            <a:r>
+              <a:rPr lang="en-US" altLang="zh-CN" sz="2000" dirty="0">
+                <a:latin typeface="微软雅黑" panose="020B0503020204020204" pitchFamily="34" charset="-122"/>
+                <a:ea typeface="微软雅黑" panose="020B0503020204020204" pitchFamily="34" charset="-122"/>
+              </a:rPr>
+              <a:t>https://mp.weixin.qq.com</a:t>
+            </a:r>
+          </a:p>
+          <a:p>
+            <a:pPr marL="285750" indent="-285750">
+              <a:lnSpc>
+                <a:spcPct val="150000"/>
+              </a:lnSpc>
+              <a:buFont typeface="Arial" panose="020B0604020202020204" pitchFamily="34" charset="0"/>
+              <a:buChar char="•"/>
+            </a:pPr>
+            <a:r>
+              <a:rPr lang="zh-CN" altLang="en-US" sz="2000" dirty="0">
+                <a:latin typeface="微软雅黑" panose="020B0503020204020204" pitchFamily="34" charset="-122"/>
+                <a:ea typeface="微软雅黑" panose="020B0503020204020204" pitchFamily="34" charset="-122"/>
+              </a:rPr>
+              <a:t>点击‘立即注册’</a:t>
+            </a:r>
+            <a:endParaRPr lang="en-US" altLang="zh-CN" sz="2000" dirty="0">
+              <a:latin typeface="微软雅黑" panose="020B0503020204020204" pitchFamily="34" charset="-122"/>
+              <a:ea typeface="微软雅黑" panose="020B0503020204020204" pitchFamily="34" charset="-122"/>
+            </a:endParaRPr>
+          </a:p>
+          <a:p>
+            <a:pPr marL="285750" indent="-285750">
+              <a:lnSpc>
+                <a:spcPct val="150000"/>
+              </a:lnSpc>
+              <a:buFont typeface="Arial" panose="020B0604020202020204" pitchFamily="34" charset="0"/>
+              <a:buChar char="•"/>
+            </a:pPr>
+            <a:r>
+              <a:rPr lang="zh-CN" altLang="en-US" sz="2000" dirty="0">
+                <a:latin typeface="微软雅黑" panose="020B0503020204020204" pitchFamily="34" charset="-122"/>
+                <a:ea typeface="微软雅黑" panose="020B0503020204020204" pitchFamily="34" charset="-122"/>
+              </a:rPr>
+              <a:t>选择公众号类型，选择订阅号</a:t>
+            </a:r>
+            <a:endParaRPr lang="en-US" altLang="zh-CN" sz="2000" dirty="0">
+              <a:latin typeface="微软雅黑" panose="020B0503020204020204" pitchFamily="34" charset="-122"/>
+              <a:ea typeface="微软雅黑" panose="020B0503020204020204" pitchFamily="34" charset="-122"/>
+            </a:endParaRPr>
+          </a:p>
+          <a:p>
+            <a:pPr marL="285750" indent="-285750">
+              <a:lnSpc>
+                <a:spcPct val="150000"/>
+              </a:lnSpc>
+              <a:buFont typeface="Arial" panose="020B0604020202020204" pitchFamily="34" charset="0"/>
+              <a:buChar char="•"/>
+            </a:pPr>
+            <a:r>
+              <a:rPr lang="zh-CN" altLang="en-US" sz="2000" dirty="0">
+                <a:latin typeface="微软雅黑" panose="020B0503020204020204" pitchFamily="34" charset="-122"/>
+                <a:ea typeface="微软雅黑" panose="020B0503020204020204" pitchFamily="34" charset="-122"/>
+              </a:rPr>
+              <a:t>按照步骤与提示填写表单并完成注册</a:t>
+            </a:r>
+          </a:p>
+        </p:txBody>
+      </p:sp>
+    </p:spTree>
+    <p:extLst>
+      <p:ext uri="{BB962C8B-B14F-4D97-AF65-F5344CB8AC3E}">
+        <p14:creationId xmlns:p14="http://schemas.microsoft.com/office/powerpoint/2010/main" val="2026224558"/>
+      </p:ext>
+    </p:extLst>
+  </p:cSld>
+  <p:clrMapOvr>
+    <a:masterClrMapping/>
+  </p:clrMapOvr>
+</p:sld>
+</file>
+
+<file path=ppt/slides/slide13.xml><?xml version="1.0" encoding="utf-8"?>
+<p:sld xmlns:a="http://schemas.openxmlformats.org/drawingml/2006/main" xmlns:r="http://schemas.openxmlformats.org/officeDocument/2006/relationships" xmlns:p="http://schemas.openxmlformats.org/presentationml/2006/main">
+  <p:cSld>
+    <p:spTree>
+      <p:nvGrpSpPr>
+        <p:cNvPr id="1" name=""/>
+        <p:cNvGrpSpPr/>
+        <p:nvPr/>
+      </p:nvGrpSpPr>
+      <p:grpSpPr>
+        <a:xfrm>
+          <a:off x="0" y="0"/>
+          <a:ext cx="0" cy="0"/>
+          <a:chOff x="0" y="0"/>
+          <a:chExt cx="0" cy="0"/>
+        </a:xfrm>
+      </p:grpSpPr>
+      <p:sp>
+        <p:nvSpPr>
           <p:cNvPr id="2" name="内容占位符 1"/>
           <p:cNvSpPr>
             <a:spLocks noGrp="1"/>
@@ -13664,7 +13990,7 @@
 </p:sld>
 </file>
 
-<file path=ppt/slides/slide13.xml><?xml version="1.0" encoding="utf-8"?>
+<file path=ppt/slides/slide14.xml><?xml version="1.0" encoding="utf-8"?>
 <p:sld xmlns:a="http://schemas.openxmlformats.org/drawingml/2006/main" xmlns:r="http://schemas.openxmlformats.org/officeDocument/2006/relationships" xmlns:p="http://schemas.openxmlformats.org/presentationml/2006/main">
   <p:cSld>
     <p:spTree>
@@ -13781,7 +14107,7 @@
 </p:sld>
 </file>
 
-<file path=ppt/slides/slide14.xml><?xml version="1.0" encoding="utf-8"?>
+<file path=ppt/slides/slide15.xml><?xml version="1.0" encoding="utf-8"?>
 <p:sld xmlns:a="http://schemas.openxmlformats.org/drawingml/2006/main" xmlns:r="http://schemas.openxmlformats.org/officeDocument/2006/relationships" xmlns:p="http://schemas.openxmlformats.org/presentationml/2006/main">
   <p:cSld>
     <p:spTree>
@@ -13868,7 +14194,7 @@
 </p:sld>
 </file>
 
-<file path=ppt/slides/slide15.xml><?xml version="1.0" encoding="utf-8"?>
+<file path=ppt/slides/slide16.xml><?xml version="1.0" encoding="utf-8"?>
 <p:sld xmlns:a="http://schemas.openxmlformats.org/drawingml/2006/main" xmlns:r="http://schemas.openxmlformats.org/officeDocument/2006/relationships" xmlns:p="http://schemas.openxmlformats.org/presentationml/2006/main">
   <p:cSld>
     <p:spTree>
@@ -13992,7 +14318,7 @@
 </p:sld>
 </file>
 
-<file path=ppt/slides/slide16.xml><?xml version="1.0" encoding="utf-8"?>
+<file path=ppt/slides/slide17.xml><?xml version="1.0" encoding="utf-8"?>
 <p:sld xmlns:a="http://schemas.openxmlformats.org/drawingml/2006/main" xmlns:r="http://schemas.openxmlformats.org/officeDocument/2006/relationships" xmlns:p="http://schemas.openxmlformats.org/presentationml/2006/main">
   <p:cSld>
     <p:spTree>
@@ -14085,7 +14411,7 @@
 </p:sld>
 </file>
 
-<file path=ppt/slides/slide17.xml><?xml version="1.0" encoding="utf-8"?>
+<file path=ppt/slides/slide18.xml><?xml version="1.0" encoding="utf-8"?>
 <p:sld xmlns:a="http://schemas.openxmlformats.org/drawingml/2006/main" xmlns:r="http://schemas.openxmlformats.org/officeDocument/2006/relationships" xmlns:p="http://schemas.openxmlformats.org/presentationml/2006/main">
   <p:cSld>
     <p:spTree>
@@ -14202,7 +14528,7 @@
 </p:sld>
 </file>
 
-<file path=ppt/slides/slide18.xml><?xml version="1.0" encoding="utf-8"?>
+<file path=ppt/slides/slide19.xml><?xml version="1.0" encoding="utf-8"?>
 <p:sld xmlns:a="http://schemas.openxmlformats.org/drawingml/2006/main" xmlns:r="http://schemas.openxmlformats.org/officeDocument/2006/relationships" xmlns:p="http://schemas.openxmlformats.org/presentationml/2006/main">
   <p:cSld>
     <p:spTree>
@@ -14284,7 +14610,153 @@
 </p:sld>
 </file>
 
-<file path=ppt/slides/slide19.xml><?xml version="1.0" encoding="utf-8"?>
+<file path=ppt/slides/slide2.xml><?xml version="1.0" encoding="utf-8"?>
+<p:sld xmlns:a="http://schemas.openxmlformats.org/drawingml/2006/main" xmlns:r="http://schemas.openxmlformats.org/officeDocument/2006/relationships" xmlns:p="http://schemas.openxmlformats.org/presentationml/2006/main">
+  <p:cSld>
+    <p:spTree>
+      <p:nvGrpSpPr>
+        <p:cNvPr id="1" name=""/>
+        <p:cNvGrpSpPr/>
+        <p:nvPr/>
+      </p:nvGrpSpPr>
+      <p:grpSpPr>
+        <a:xfrm>
+          <a:off x="0" y="0"/>
+          <a:ext cx="0" cy="0"/>
+          <a:chOff x="0" y="0"/>
+          <a:chExt cx="0" cy="0"/>
+        </a:xfrm>
+      </p:grpSpPr>
+      <p:sp>
+        <p:nvSpPr>
+          <p:cNvPr id="2" name="内容占位符 1"/>
+          <p:cNvSpPr>
+            <a:spLocks noGrp="1"/>
+          </p:cNvSpPr>
+          <p:nvPr>
+            <p:ph sz="quarter" idx="13"/>
+          </p:nvPr>
+        </p:nvSpPr>
+        <p:spPr/>
+        <p:txBody>
+          <a:bodyPr/>
+          <a:lstStyle/>
+          <a:p>
+            <a:r>
+              <a:rPr lang="zh-CN" altLang="en-US" b="0" dirty="0"/>
+              <a:t>关于我</a:t>
+            </a:r>
+          </a:p>
+        </p:txBody>
+      </p:sp>
+      <p:sp>
+        <p:nvSpPr>
+          <p:cNvPr id="4" name="文本框 3"/>
+          <p:cNvSpPr txBox="1"/>
+          <p:nvPr/>
+        </p:nvSpPr>
+        <p:spPr>
+          <a:xfrm>
+            <a:off x="1254125" y="1814513"/>
+            <a:ext cx="5041900" cy="1422954"/>
+          </a:xfrm>
+          <a:prstGeom prst="rect">
+            <a:avLst/>
+          </a:prstGeom>
+          <a:noFill/>
+        </p:spPr>
+        <p:txBody>
+          <a:bodyPr wrap="square" rtlCol="0">
+            <a:spAutoFit/>
+          </a:bodyPr>
+          <a:lstStyle/>
+          <a:p>
+            <a:pPr>
+              <a:lnSpc>
+                <a:spcPct val="150000"/>
+              </a:lnSpc>
+            </a:pPr>
+            <a:r>
+              <a:rPr lang="zh-CN" altLang="en-US" sz="2000" dirty="0">
+                <a:latin typeface="微软雅黑" panose="020B0503020204020204" pitchFamily="34" charset="-122"/>
+                <a:ea typeface="微软雅黑" panose="020B0503020204020204" pitchFamily="34" charset="-122"/>
+              </a:rPr>
+              <a:t>姓名：王勇</a:t>
+            </a:r>
+            <a:endParaRPr lang="en-US" altLang="zh-CN" sz="2000" dirty="0">
+              <a:latin typeface="微软雅黑" panose="020B0503020204020204" pitchFamily="34" charset="-122"/>
+              <a:ea typeface="微软雅黑" panose="020B0503020204020204" pitchFamily="34" charset="-122"/>
+            </a:endParaRPr>
+          </a:p>
+          <a:p>
+            <a:pPr>
+              <a:lnSpc>
+                <a:spcPct val="150000"/>
+              </a:lnSpc>
+            </a:pPr>
+            <a:r>
+              <a:rPr lang="en-US" altLang="zh-CN" sz="2000" dirty="0">
+                <a:latin typeface="微软雅黑" panose="020B0503020204020204" pitchFamily="34" charset="-122"/>
+                <a:ea typeface="微软雅黑" panose="020B0503020204020204" pitchFamily="34" charset="-122"/>
+              </a:rPr>
+              <a:t>QQ</a:t>
+            </a:r>
+            <a:r>
+              <a:rPr lang="zh-CN" altLang="en-US" sz="2000" dirty="0">
+                <a:latin typeface="微软雅黑" panose="020B0503020204020204" pitchFamily="34" charset="-122"/>
+                <a:ea typeface="微软雅黑" panose="020B0503020204020204" pitchFamily="34" charset="-122"/>
+              </a:rPr>
+              <a:t>：</a:t>
+            </a:r>
+            <a:r>
+              <a:rPr lang="en-US" altLang="zh-CN" sz="2000" dirty="0">
+                <a:latin typeface="微软雅黑" panose="020B0503020204020204" pitchFamily="34" charset="-122"/>
+                <a:ea typeface="微软雅黑" panose="020B0503020204020204" pitchFamily="34" charset="-122"/>
+              </a:rPr>
+              <a:t>1146040444</a:t>
+            </a:r>
+          </a:p>
+          <a:p>
+            <a:pPr>
+              <a:lnSpc>
+                <a:spcPct val="150000"/>
+              </a:lnSpc>
+            </a:pPr>
+            <a:r>
+              <a:rPr lang="zh-CN" altLang="en-US" sz="2000" dirty="0">
+                <a:latin typeface="微软雅黑" panose="020B0503020204020204" pitchFamily="34" charset="-122"/>
+                <a:ea typeface="微软雅黑" panose="020B0503020204020204" pitchFamily="34" charset="-122"/>
+              </a:rPr>
+              <a:t>手机号：</a:t>
+            </a:r>
+            <a:r>
+              <a:rPr lang="en-US" altLang="zh-CN" sz="2000" dirty="0">
+                <a:latin typeface="微软雅黑" panose="020B0503020204020204" pitchFamily="34" charset="-122"/>
+                <a:ea typeface="微软雅黑" panose="020B0503020204020204" pitchFamily="34" charset="-122"/>
+              </a:rPr>
+              <a:t>13223439296</a:t>
+            </a:r>
+            <a:endParaRPr lang="zh-CN" altLang="en-US" sz="2000" dirty="0">
+              <a:latin typeface="微软雅黑" panose="020B0503020204020204" pitchFamily="34" charset="-122"/>
+              <a:ea typeface="微软雅黑" panose="020B0503020204020204" pitchFamily="34" charset="-122"/>
+            </a:endParaRPr>
+          </a:p>
+        </p:txBody>
+      </p:sp>
+    </p:spTree>
+    <p:extLst>
+      <p:ext uri="{BB962C8B-B14F-4D97-AF65-F5344CB8AC3E}">
+        <p14:creationId xmlns:p14="http://schemas.microsoft.com/office/powerpoint/2010/main" val="2579619311"/>
+      </p:ext>
+    </p:extLst>
+  </p:cSld>
+  <p:clrMapOvr>
+    <a:masterClrMapping/>
+  </p:clrMapOvr>
+</p:sld>
+</file>
+
+<file path=ppt/slides/slide20.xml><?xml version="1.0" encoding="utf-8"?>
 <p:sld xmlns:a="http://schemas.openxmlformats.org/drawingml/2006/main" xmlns:r="http://schemas.openxmlformats.org/officeDocument/2006/relationships" xmlns:p="http://schemas.openxmlformats.org/presentationml/2006/main">
   <p:cSld>
     <p:spTree>
@@ -14639,153 +15111,7 @@
 </p:sld>
 </file>
 
-<file path=ppt/slides/slide2.xml><?xml version="1.0" encoding="utf-8"?>
-<p:sld xmlns:a="http://schemas.openxmlformats.org/drawingml/2006/main" xmlns:r="http://schemas.openxmlformats.org/officeDocument/2006/relationships" xmlns:p="http://schemas.openxmlformats.org/presentationml/2006/main">
-  <p:cSld>
-    <p:spTree>
-      <p:nvGrpSpPr>
-        <p:cNvPr id="1" name=""/>
-        <p:cNvGrpSpPr/>
-        <p:nvPr/>
-      </p:nvGrpSpPr>
-      <p:grpSpPr>
-        <a:xfrm>
-          <a:off x="0" y="0"/>
-          <a:ext cx="0" cy="0"/>
-          <a:chOff x="0" y="0"/>
-          <a:chExt cx="0" cy="0"/>
-        </a:xfrm>
-      </p:grpSpPr>
-      <p:sp>
-        <p:nvSpPr>
-          <p:cNvPr id="2" name="内容占位符 1"/>
-          <p:cNvSpPr>
-            <a:spLocks noGrp="1"/>
-          </p:cNvSpPr>
-          <p:nvPr>
-            <p:ph sz="quarter" idx="13"/>
-          </p:nvPr>
-        </p:nvSpPr>
-        <p:spPr/>
-        <p:txBody>
-          <a:bodyPr/>
-          <a:lstStyle/>
-          <a:p>
-            <a:r>
-              <a:rPr lang="zh-CN" altLang="en-US" b="0" dirty="0"/>
-              <a:t>关于我</a:t>
-            </a:r>
-          </a:p>
-        </p:txBody>
-      </p:sp>
-      <p:sp>
-        <p:nvSpPr>
-          <p:cNvPr id="4" name="文本框 3"/>
-          <p:cNvSpPr txBox="1"/>
-          <p:nvPr/>
-        </p:nvSpPr>
-        <p:spPr>
-          <a:xfrm>
-            <a:off x="1254125" y="1814513"/>
-            <a:ext cx="5041900" cy="1422954"/>
-          </a:xfrm>
-          <a:prstGeom prst="rect">
-            <a:avLst/>
-          </a:prstGeom>
-          <a:noFill/>
-        </p:spPr>
-        <p:txBody>
-          <a:bodyPr wrap="square" rtlCol="0">
-            <a:spAutoFit/>
-          </a:bodyPr>
-          <a:lstStyle/>
-          <a:p>
-            <a:pPr>
-              <a:lnSpc>
-                <a:spcPct val="150000"/>
-              </a:lnSpc>
-            </a:pPr>
-            <a:r>
-              <a:rPr lang="zh-CN" altLang="en-US" sz="2000" dirty="0">
-                <a:latin typeface="微软雅黑" panose="020B0503020204020204" pitchFamily="34" charset="-122"/>
-                <a:ea typeface="微软雅黑" panose="020B0503020204020204" pitchFamily="34" charset="-122"/>
-              </a:rPr>
-              <a:t>姓名：王勇</a:t>
-            </a:r>
-            <a:endParaRPr lang="en-US" altLang="zh-CN" sz="2000" dirty="0">
-              <a:latin typeface="微软雅黑" panose="020B0503020204020204" pitchFamily="34" charset="-122"/>
-              <a:ea typeface="微软雅黑" panose="020B0503020204020204" pitchFamily="34" charset="-122"/>
-            </a:endParaRPr>
-          </a:p>
-          <a:p>
-            <a:pPr>
-              <a:lnSpc>
-                <a:spcPct val="150000"/>
-              </a:lnSpc>
-            </a:pPr>
-            <a:r>
-              <a:rPr lang="en-US" altLang="zh-CN" sz="2000" dirty="0">
-                <a:latin typeface="微软雅黑" panose="020B0503020204020204" pitchFamily="34" charset="-122"/>
-                <a:ea typeface="微软雅黑" panose="020B0503020204020204" pitchFamily="34" charset="-122"/>
-              </a:rPr>
-              <a:t>QQ</a:t>
-            </a:r>
-            <a:r>
-              <a:rPr lang="zh-CN" altLang="en-US" sz="2000" dirty="0">
-                <a:latin typeface="微软雅黑" panose="020B0503020204020204" pitchFamily="34" charset="-122"/>
-                <a:ea typeface="微软雅黑" panose="020B0503020204020204" pitchFamily="34" charset="-122"/>
-              </a:rPr>
-              <a:t>：</a:t>
-            </a:r>
-            <a:r>
-              <a:rPr lang="en-US" altLang="zh-CN" sz="2000" dirty="0">
-                <a:latin typeface="微软雅黑" panose="020B0503020204020204" pitchFamily="34" charset="-122"/>
-                <a:ea typeface="微软雅黑" panose="020B0503020204020204" pitchFamily="34" charset="-122"/>
-              </a:rPr>
-              <a:t>1146040444</a:t>
-            </a:r>
-          </a:p>
-          <a:p>
-            <a:pPr>
-              <a:lnSpc>
-                <a:spcPct val="150000"/>
-              </a:lnSpc>
-            </a:pPr>
-            <a:r>
-              <a:rPr lang="zh-CN" altLang="en-US" sz="2000" dirty="0">
-                <a:latin typeface="微软雅黑" panose="020B0503020204020204" pitchFamily="34" charset="-122"/>
-                <a:ea typeface="微软雅黑" panose="020B0503020204020204" pitchFamily="34" charset="-122"/>
-              </a:rPr>
-              <a:t>手机号：</a:t>
-            </a:r>
-            <a:r>
-              <a:rPr lang="en-US" altLang="zh-CN" sz="2000" dirty="0">
-                <a:latin typeface="微软雅黑" panose="020B0503020204020204" pitchFamily="34" charset="-122"/>
-                <a:ea typeface="微软雅黑" panose="020B0503020204020204" pitchFamily="34" charset="-122"/>
-              </a:rPr>
-              <a:t>13223439296</a:t>
-            </a:r>
-            <a:endParaRPr lang="zh-CN" altLang="en-US" sz="2000" dirty="0">
-              <a:latin typeface="微软雅黑" panose="020B0503020204020204" pitchFamily="34" charset="-122"/>
-              <a:ea typeface="微软雅黑" panose="020B0503020204020204" pitchFamily="34" charset="-122"/>
-            </a:endParaRPr>
-          </a:p>
-        </p:txBody>
-      </p:sp>
-    </p:spTree>
-    <p:extLst>
-      <p:ext uri="{BB962C8B-B14F-4D97-AF65-F5344CB8AC3E}">
-        <p14:creationId xmlns:p14="http://schemas.microsoft.com/office/powerpoint/2010/main" val="2579619311"/>
-      </p:ext>
-    </p:extLst>
-  </p:cSld>
-  <p:clrMapOvr>
-    <a:masterClrMapping/>
-  </p:clrMapOvr>
-</p:sld>
-</file>
-
-<file path=ppt/slides/slide20.xml><?xml version="1.0" encoding="utf-8"?>
+<file path=ppt/slides/slide21.xml><?xml version="1.0" encoding="utf-8"?>
 <p:sld xmlns:a="http://schemas.openxmlformats.org/drawingml/2006/main" xmlns:r="http://schemas.openxmlformats.org/officeDocument/2006/relationships" xmlns:p="http://schemas.openxmlformats.org/presentationml/2006/main">
   <p:cSld>
     <p:spTree>
@@ -14909,7 +15235,7 @@
 </p:sld>
 </file>
 
-<file path=ppt/slides/slide21.xml><?xml version="1.0" encoding="utf-8"?>
+<file path=ppt/slides/slide22.xml><?xml version="1.0" encoding="utf-8"?>
 <p:sld xmlns:a="http://schemas.openxmlformats.org/drawingml/2006/main" xmlns:r="http://schemas.openxmlformats.org/officeDocument/2006/relationships" xmlns:p="http://schemas.openxmlformats.org/presentationml/2006/main">
   <p:cSld>
     <p:spTree>
@@ -15036,7 +15362,7 @@
 </p:sld>
 </file>
 
-<file path=ppt/slides/slide22.xml><?xml version="1.0" encoding="utf-8"?>
+<file path=ppt/slides/slide23.xml><?xml version="1.0" encoding="utf-8"?>
 <p:sld xmlns:a="http://schemas.openxmlformats.org/drawingml/2006/main" xmlns:r="http://schemas.openxmlformats.org/officeDocument/2006/relationships" xmlns:p="http://schemas.openxmlformats.org/presentationml/2006/main">
   <p:cSld>
     <p:spTree>
